--- a/doc/src/main/resources/qdfae/青金中心连宏伟转正答辩.pptx
+++ b/doc/src/main/resources/qdfae/青金中心连宏伟转正答辩.pptx
@@ -28,30 +28,30 @@
   <p:notesSz cx="9947275" cy="6858000"/>
   <p:embeddedFontLst>
     <p:embeddedFont>
+      <p:font typeface="楷体_GB2312" panose="02010600030101010101" charset="-122"/>
+      <p:regular r:id="rId16"/>
+    </p:embeddedFont>
+    <p:embeddedFont>
       <p:font typeface="微软雅黑" panose="020B0503020204020204" pitchFamily="34" charset="-122"/>
-      <p:regular r:id="rId16"/>
-      <p:bold r:id="rId17"/>
+      <p:regular r:id="rId17"/>
+      <p:bold r:id="rId18"/>
+    </p:embeddedFont>
+    <p:embeddedFont>
+      <p:font typeface="华文楷体" panose="02010600040101010101" pitchFamily="2" charset="-122"/>
+      <p:regular r:id="rId19"/>
+    </p:embeddedFont>
+    <p:embeddedFont>
+      <p:font typeface="等线" panose="02010600030101010101" pitchFamily="2" charset="-122"/>
+      <p:regular r:id="rId20"/>
+      <p:bold r:id="rId21"/>
     </p:embeddedFont>
     <p:embeddedFont>
       <p:font typeface="Impact" panose="020B0806030902050204" pitchFamily="34" charset="0"/>
-      <p:regular r:id="rId18"/>
-    </p:embeddedFont>
-    <p:embeddedFont>
-      <p:font typeface="楷体_GB2312" panose="02010600030101010101" charset="-122"/>
-      <p:regular r:id="rId19"/>
+      <p:regular r:id="rId22"/>
     </p:embeddedFont>
     <p:embeddedFont>
       <p:font typeface="华文细黑" panose="02010600040101010101" pitchFamily="2" charset="-122"/>
-      <p:regular r:id="rId20"/>
-    </p:embeddedFont>
-    <p:embeddedFont>
-      <p:font typeface="华文楷体" panose="02010600040101010101" pitchFamily="2" charset="-122"/>
-      <p:regular r:id="rId21"/>
-    </p:embeddedFont>
-    <p:embeddedFont>
-      <p:font typeface="等线" panose="02010600030101010101" pitchFamily="2" charset="-122"/>
-      <p:regular r:id="rId22"/>
-      <p:bold r:id="rId23"/>
+      <p:regular r:id="rId23"/>
     </p:embeddedFont>
   </p:embeddedFontLst>
   <p:custDataLst>
@@ -325,15 +325,16 @@
             </c:dLbl>
             <c:dLbl>
               <c:idx val="1"/>
+              <c:layout/>
               <c:tx>
                 <c:rich>
-                  <a:bodyPr rot="0" spcFirstLastPara="1" vertOverflow="ellipsis" vert="horz" wrap="square" lIns="38100" tIns="19050" rIns="38100" bIns="19050" anchor="ctr" anchorCtr="1">
-                    <a:spAutoFit/>
+                  <a:bodyPr rot="0" spcFirstLastPara="1" vertOverflow="ellipsis" vert="horz" wrap="square" lIns="38100" tIns="19050" rIns="38100" bIns="19050" anchor="t" anchorCtr="0">
+                    <a:noAutofit/>
                   </a:bodyPr>
                   <a:lstStyle/>
                   <a:p>
-                    <a:pPr>
-                      <a:defRPr sz="1197" b="0" i="0" u="none" strike="noStrike" kern="1200" baseline="0">
+                    <a:pPr algn="l">
+                      <a:defRPr sz="1200" b="0" i="0" u="none" strike="noStrike" kern="1200" baseline="0">
                         <a:solidFill>
                           <a:schemeClr val="lt1"/>
                         </a:solidFill>
@@ -343,17 +344,64 @@
                       </a:defRPr>
                     </a:pPr>
                     <a:r>
-                      <a:rPr lang="zh-CN" altLang="en-US" sz="2000" dirty="0">
+                      <a:rPr lang="en-US" altLang="zh-CN" sz="1800" dirty="0" smtClean="0"/>
+                      <a:t>1</a:t>
+                    </a:r>
+                    <a:r>
+                      <a:rPr lang="zh-CN" altLang="en-US" sz="1800" dirty="0" smtClean="0"/>
+                      <a:t>、了解了交易所系统架构</a:t>
+                    </a:r>
+                  </a:p>
+                  <a:p>
+                    <a:pPr algn="l">
+                      <a:defRPr sz="1200">
                         <a:solidFill>
                           <a:schemeClr val="lt1"/>
                         </a:solidFill>
-                        <a:latin typeface="+mn-lt"/>
-                        <a:ea typeface="+mn-ea"/>
-                        <a:cs typeface="+mn-cs"/>
-                      </a:rPr>
-                      <a:t>技术与业务</a:t>
+                      </a:defRPr>
+                    </a:pPr>
+                    <a:r>
+                      <a:rPr lang="en-US" altLang="zh-CN" sz="1800" dirty="0" smtClean="0"/>
+                      <a:t>3</a:t>
                     </a:r>
-                    <a:endParaRPr lang="zh-CN" altLang="en-US" sz="2000" dirty="0"/>
+                    <a:r>
+                      <a:rPr lang="zh-CN" altLang="en-US" sz="1800" dirty="0" smtClean="0"/>
+                      <a:t>、掌握了微服务相关技术</a:t>
+                    </a:r>
+                  </a:p>
+                  <a:p>
+                    <a:pPr algn="l">
+                      <a:defRPr sz="1200">
+                        <a:solidFill>
+                          <a:schemeClr val="lt1"/>
+                        </a:solidFill>
+                      </a:defRPr>
+                    </a:pPr>
+                    <a:r>
+                      <a:rPr lang="en-US" altLang="zh-CN" sz="1800" dirty="0" smtClean="0"/>
+                      <a:t>3</a:t>
+                    </a:r>
+                    <a:r>
+                      <a:rPr lang="zh-CN" altLang="en-US" sz="1800" dirty="0" smtClean="0"/>
+                      <a:t>、熟悉了交易中心务类型和业务模式</a:t>
+                    </a:r>
+                  </a:p>
+                  <a:p>
+                    <a:pPr algn="l">
+                      <a:defRPr sz="1200">
+                        <a:solidFill>
+                          <a:schemeClr val="lt1"/>
+                        </a:solidFill>
+                      </a:defRPr>
+                    </a:pPr>
+                    <a:r>
+                      <a:rPr lang="en-US" altLang="zh-CN" sz="1800" dirty="0" smtClean="0"/>
+                      <a:t>4</a:t>
+                    </a:r>
+                    <a:r>
+                      <a:rPr lang="zh-CN" altLang="en-US" sz="1800" dirty="0" smtClean="0"/>
+                      <a:t>、通过熟悉系统画出业务流程图</a:t>
+                    </a:r>
                   </a:p>
                 </c:rich>
               </c:tx>
@@ -373,12 +421,120 @@
                 <a:effectLst/>
               </c:spPr>
               <c:txPr>
-                <a:bodyPr rot="0" spcFirstLastPara="1" vertOverflow="ellipsis" vert="horz" wrap="square" lIns="38100" tIns="19050" rIns="38100" bIns="19050" anchor="ctr" anchorCtr="1">
-                  <a:spAutoFit/>
+                <a:bodyPr rot="0" spcFirstLastPara="1" vertOverflow="ellipsis" vert="horz" wrap="square" lIns="38100" tIns="19050" rIns="38100" bIns="19050" anchor="t" anchorCtr="0">
+                  <a:noAutofit/>
                 </a:bodyPr>
                 <a:lstStyle/>
                 <a:p>
-                  <a:pPr>
+                  <a:pPr algn="l">
+                    <a:defRPr sz="1200" b="0" i="0" u="none" strike="noStrike" kern="1200" baseline="0">
+                      <a:solidFill>
+                        <a:schemeClr val="lt1"/>
+                      </a:solidFill>
+                      <a:latin typeface="+mn-lt"/>
+                      <a:ea typeface="+mn-ea"/>
+                      <a:cs typeface="+mn-cs"/>
+                    </a:defRPr>
+                  </a:pPr>
+                  <a:endParaRPr lang="zh-CN"/>
+                </a:p>
+              </c:txPr>
+              <c:dLblPos val="l"/>
+              <c:showLegendKey val="0"/>
+              <c:showVal val="1"/>
+              <c:showCatName val="0"/>
+              <c:showSerName val="0"/>
+              <c:showPercent val="0"/>
+              <c:showBubbleSize val="0"/>
+              <c:extLst>
+                <c:ext xmlns:c15="http://schemas.microsoft.com/office/drawing/2012/chart" uri="{CE6537A1-D6FC-4f65-9D91-7224C49458BB}">
+                  <c15:spPr xmlns:c15="http://schemas.microsoft.com/office/drawing/2012/chart">
+                    <a:prstGeom prst="rect">
+                      <a:avLst/>
+                    </a:prstGeom>
+                    <a:noFill/>
+                    <a:ln>
+                      <a:noFill/>
+                    </a:ln>
+                  </c15:spPr>
+                  <c15:layout/>
+                </c:ext>
+                <c:ext xmlns:c16="http://schemas.microsoft.com/office/drawing/2014/chart" uri="{C3380CC4-5D6E-409C-BE32-E72D297353CC}">
+                  <c16:uniqueId val="{00000004-E8EE-4A8F-A4E4-C9BC3F642B81}"/>
+                </c:ext>
+              </c:extLst>
+            </c:dLbl>
+            <c:dLbl>
+              <c:idx val="2"/>
+              <c:layout/>
+              <c:tx>
+                <c:rich>
+                  <a:bodyPr rot="0" spcFirstLastPara="1" vertOverflow="ellipsis" vert="horz" wrap="square" lIns="38100" tIns="19050" rIns="38100" bIns="19050" anchor="t" anchorCtr="0">
+                    <a:noAutofit/>
+                  </a:bodyPr>
+                  <a:lstStyle/>
+                  <a:p>
+                    <a:pPr algn="l">
+                      <a:defRPr sz="1197" b="0" i="0" u="none" strike="noStrike" kern="1200" baseline="0">
+                        <a:solidFill>
+                          <a:schemeClr val="lt1"/>
+                        </a:solidFill>
+                        <a:latin typeface="+mn-lt"/>
+                        <a:ea typeface="+mn-ea"/>
+                        <a:cs typeface="+mn-cs"/>
+                      </a:defRPr>
+                    </a:pPr>
+                    <a:r>
+                      <a:rPr lang="en-US" altLang="zh-CN" sz="1800" dirty="0" smtClean="0"/>
+                      <a:t>1</a:t>
+                    </a:r>
+                    <a:r>
+                      <a:rPr lang="zh-CN" altLang="en-US" sz="1800" dirty="0" smtClean="0"/>
+                      <a:t>、通过日常开发熟悉了软件的生命周期</a:t>
+                    </a:r>
+                  </a:p>
+                  <a:p>
+                    <a:pPr algn="l">
+                      <a:defRPr>
+                        <a:solidFill>
+                          <a:schemeClr val="lt1"/>
+                        </a:solidFill>
+                      </a:defRPr>
+                    </a:pPr>
+                    <a:r>
+                      <a:rPr lang="en-US" altLang="zh-CN" sz="1800" dirty="0" smtClean="0"/>
+                      <a:t>2</a:t>
+                    </a:r>
+                    <a:r>
+                      <a:rPr lang="zh-CN" altLang="en-US" sz="1800" dirty="0" smtClean="0"/>
+                      <a:t>、对于开发过程中遇到问题，学习他人思考和解决问题的思路，形成自己解决问题的方式</a:t>
+                    </a:r>
+                    <a:endParaRPr lang="zh-CN" altLang="en-US" sz="1800" dirty="0"/>
+                  </a:p>
+                </c:rich>
+              </c:tx>
+              <c:spPr>
+                <a:solidFill>
+                  <a:schemeClr val="accent5"/>
+                </a:solidFill>
+                <a:ln w="12700" cap="flat" cmpd="sng" algn="ctr">
+                  <a:solidFill>
+                    <a:schemeClr val="accent5">
+                      <a:shade val="50000"/>
+                    </a:schemeClr>
+                  </a:solidFill>
+                  <a:prstDash val="solid"/>
+                  <a:miter lim="800000"/>
+                </a:ln>
+                <a:effectLst/>
+              </c:spPr>
+              <c:txPr>
+                <a:bodyPr rot="0" spcFirstLastPara="1" vertOverflow="ellipsis" vert="horz" wrap="square" lIns="38100" tIns="19050" rIns="38100" bIns="19050" anchor="t" anchorCtr="0">
+                  <a:noAutofit/>
+                </a:bodyPr>
+                <a:lstStyle/>
+                <a:p>
+                  <a:pPr algn="l">
                     <a:defRPr sz="1197" b="0" i="0" u="none" strike="noStrike" kern="1200" baseline="0">
                       <a:solidFill>
                         <a:schemeClr val="lt1"/>
@@ -399,23 +555,35 @@
               <c:showPercent val="0"/>
               <c:showBubbleSize val="0"/>
               <c:extLst>
-                <c:ext xmlns:c15="http://schemas.microsoft.com/office/drawing/2012/chart" uri="{CE6537A1-D6FC-4f65-9D91-7224C49458BB}"/>
+                <c:ext xmlns:c15="http://schemas.microsoft.com/office/drawing/2012/chart" uri="{CE6537A1-D6FC-4f65-9D91-7224C49458BB}">
+                  <c15:spPr xmlns:c15="http://schemas.microsoft.com/office/drawing/2012/chart">
+                    <a:prstGeom prst="rect">
+                      <a:avLst/>
+                    </a:prstGeom>
+                    <a:noFill/>
+                    <a:ln>
+                      <a:noFill/>
+                    </a:ln>
+                  </c15:spPr>
+                  <c15:layout/>
+                </c:ext>
                 <c:ext xmlns:c16="http://schemas.microsoft.com/office/drawing/2014/chart" uri="{C3380CC4-5D6E-409C-BE32-E72D297353CC}">
-                  <c16:uniqueId val="{00000004-E8EE-4A8F-A4E4-C9BC3F642B81}"/>
+                  <c16:uniqueId val="{00000005-E8EE-4A8F-A4E4-C9BC3F642B81}"/>
                 </c:ext>
               </c:extLst>
             </c:dLbl>
             <c:dLbl>
-              <c:idx val="2"/>
+              <c:idx val="3"/>
+              <c:layout/>
               <c:tx>
                 <c:rich>
-                  <a:bodyPr rot="0" spcFirstLastPara="1" vertOverflow="ellipsis" vert="horz" wrap="square" lIns="38100" tIns="19050" rIns="38100" bIns="19050" anchor="ctr" anchorCtr="1">
-                    <a:spAutoFit/>
+                  <a:bodyPr rot="0" spcFirstLastPara="1" vertOverflow="ellipsis" vert="horz" wrap="square" lIns="38100" tIns="19050" rIns="38100" bIns="19050" anchor="t" anchorCtr="0">
+                    <a:noAutofit/>
                   </a:bodyPr>
                   <a:lstStyle/>
                   <a:p>
-                    <a:pPr>
-                      <a:defRPr sz="1197" b="0" i="0" u="none" strike="noStrike" kern="1200" baseline="0">
+                    <a:pPr algn="l">
+                      <a:defRPr sz="1800" b="0" i="0" u="none" strike="noStrike" kern="1200" baseline="0">
                         <a:solidFill>
                           <a:schemeClr val="lt1"/>
                         </a:solidFill>
@@ -425,9 +593,48 @@
                       </a:defRPr>
                     </a:pPr>
                     <a:r>
-                      <a:rPr lang="zh-CN" altLang="en-US" sz="2000" dirty="0"/>
-                      <a:t>技术与业务</a:t>
+                      <a:rPr lang="en-US" altLang="zh-CN" sz="1800" dirty="0" smtClean="0"/>
+                      <a:t>1</a:t>
                     </a:r>
+                    <a:r>
+                      <a:rPr lang="zh-CN" altLang="en-US" sz="1800" dirty="0" smtClean="0"/>
+                      <a:t>、熟悉系统常规上线的升级流程</a:t>
+                    </a:r>
+                  </a:p>
+                  <a:p>
+                    <a:pPr algn="l">
+                      <a:defRPr sz="1800">
+                        <a:solidFill>
+                          <a:schemeClr val="lt1"/>
+                        </a:solidFill>
+                      </a:defRPr>
+                    </a:pPr>
+                    <a:r>
+                      <a:rPr lang="en-US" altLang="zh-CN" sz="1800" dirty="0" smtClean="0"/>
+                      <a:t>2</a:t>
+                    </a:r>
+                    <a:r>
+                      <a:rPr lang="zh-CN" altLang="en-US" sz="1800" dirty="0" smtClean="0"/>
+                      <a:t>、可以独立对功能需求进行开发</a:t>
+                    </a:r>
+                  </a:p>
+                  <a:p>
+                    <a:pPr algn="l">
+                      <a:defRPr sz="1800">
+                        <a:solidFill>
+                          <a:schemeClr val="lt1"/>
+                        </a:solidFill>
+                      </a:defRPr>
+                    </a:pPr>
+                    <a:r>
+                      <a:rPr lang="en-US" altLang="zh-CN" sz="1800" dirty="0" smtClean="0"/>
+                      <a:t>3</a:t>
+                    </a:r>
+                    <a:r>
+                      <a:rPr lang="zh-CN" altLang="en-US" sz="1800" dirty="0" smtClean="0"/>
+                      <a:t>、对业务理解程度更加深刻</a:t>
+                    </a:r>
+                    <a:endParaRPr lang="zh-CN" altLang="en-US" sz="1800" dirty="0"/>
                   </a:p>
                 </c:rich>
               </c:tx>
@@ -447,13 +654,13 @@
                 <a:effectLst/>
               </c:spPr>
               <c:txPr>
-                <a:bodyPr rot="0" spcFirstLastPara="1" vertOverflow="ellipsis" vert="horz" wrap="square" lIns="38100" tIns="19050" rIns="38100" bIns="19050" anchor="ctr" anchorCtr="1">
-                  <a:spAutoFit/>
+                <a:bodyPr rot="0" spcFirstLastPara="1" vertOverflow="ellipsis" vert="horz" wrap="square" lIns="38100" tIns="19050" rIns="38100" bIns="19050" anchor="t" anchorCtr="0">
+                  <a:noAutofit/>
                 </a:bodyPr>
                 <a:lstStyle/>
                 <a:p>
-                  <a:pPr>
-                    <a:defRPr sz="1197" b="0" i="0" u="none" strike="noStrike" kern="1200" baseline="0">
+                  <a:pPr algn="l">
+                    <a:defRPr sz="1800" b="0" i="0" u="none" strike="noStrike" kern="1200" baseline="0">
                       <a:solidFill>
                         <a:schemeClr val="lt1"/>
                       </a:solidFill>
@@ -473,81 +680,18 @@
               <c:showPercent val="0"/>
               <c:showBubbleSize val="0"/>
               <c:extLst>
-                <c:ext xmlns:c15="http://schemas.microsoft.com/office/drawing/2012/chart" uri="{CE6537A1-D6FC-4f65-9D91-7224C49458BB}"/>
-                <c:ext xmlns:c16="http://schemas.microsoft.com/office/drawing/2014/chart" uri="{C3380CC4-5D6E-409C-BE32-E72D297353CC}">
-                  <c16:uniqueId val="{00000005-E8EE-4A8F-A4E4-C9BC3F642B81}"/>
+                <c:ext xmlns:c15="http://schemas.microsoft.com/office/drawing/2012/chart" uri="{CE6537A1-D6FC-4f65-9D91-7224C49458BB}">
+                  <c15:spPr xmlns:c15="http://schemas.microsoft.com/office/drawing/2012/chart">
+                    <a:prstGeom prst="rect">
+                      <a:avLst/>
+                    </a:prstGeom>
+                    <a:noFill/>
+                    <a:ln>
+                      <a:noFill/>
+                    </a:ln>
+                  </c15:spPr>
+                  <c15:layout/>
                 </c:ext>
-              </c:extLst>
-            </c:dLbl>
-            <c:dLbl>
-              <c:idx val="3"/>
-              <c:tx>
-                <c:rich>
-                  <a:bodyPr rot="0" spcFirstLastPara="1" vertOverflow="ellipsis" vert="horz" wrap="square" lIns="38100" tIns="19050" rIns="38100" bIns="19050" anchor="ctr" anchorCtr="1">
-                    <a:spAutoFit/>
-                  </a:bodyPr>
-                  <a:lstStyle/>
-                  <a:p>
-                    <a:pPr>
-                      <a:defRPr sz="1197" b="0" i="0" u="none" strike="noStrike" kern="1200" baseline="0">
-                        <a:solidFill>
-                          <a:schemeClr val="lt1"/>
-                        </a:solidFill>
-                        <a:latin typeface="+mn-lt"/>
-                        <a:ea typeface="+mn-ea"/>
-                        <a:cs typeface="+mn-cs"/>
-                      </a:defRPr>
-                    </a:pPr>
-                    <a:r>
-                      <a:rPr lang="zh-CN" altLang="en-US" sz="2000" dirty="0"/>
-                      <a:t>技术与业务</a:t>
-                    </a:r>
-                  </a:p>
-                </c:rich>
-              </c:tx>
-              <c:spPr>
-                <a:solidFill>
-                  <a:schemeClr val="accent5"/>
-                </a:solidFill>
-                <a:ln w="12700" cap="flat" cmpd="sng" algn="ctr">
-                  <a:solidFill>
-                    <a:schemeClr val="accent5">
-                      <a:shade val="50000"/>
-                    </a:schemeClr>
-                  </a:solidFill>
-                  <a:prstDash val="solid"/>
-                  <a:miter lim="800000"/>
-                </a:ln>
-                <a:effectLst/>
-              </c:spPr>
-              <c:txPr>
-                <a:bodyPr rot="0" spcFirstLastPara="1" vertOverflow="ellipsis" vert="horz" wrap="square" lIns="38100" tIns="19050" rIns="38100" bIns="19050" anchor="ctr" anchorCtr="1">
-                  <a:spAutoFit/>
-                </a:bodyPr>
-                <a:lstStyle/>
-                <a:p>
-                  <a:pPr>
-                    <a:defRPr sz="1197" b="0" i="0" u="none" strike="noStrike" kern="1200" baseline="0">
-                      <a:solidFill>
-                        <a:schemeClr val="lt1"/>
-                      </a:solidFill>
-                      <a:latin typeface="+mn-lt"/>
-                      <a:ea typeface="+mn-ea"/>
-                      <a:cs typeface="+mn-cs"/>
-                    </a:defRPr>
-                  </a:pPr>
-                  <a:endParaRPr lang="zh-CN"/>
-                </a:p>
-              </c:txPr>
-              <c:dLblPos val="ctr"/>
-              <c:showLegendKey val="0"/>
-              <c:showVal val="1"/>
-              <c:showCatName val="0"/>
-              <c:showSerName val="0"/>
-              <c:showPercent val="0"/>
-              <c:showBubbleSize val="0"/>
-              <c:extLst>
-                <c:ext xmlns:c15="http://schemas.microsoft.com/office/drawing/2012/chart" uri="{CE6537A1-D6FC-4f65-9D91-7224C49458BB}"/>
                 <c:ext xmlns:c16="http://schemas.microsoft.com/office/drawing/2014/chart" uri="{C3380CC4-5D6E-409C-BE32-E72D297353CC}">
                   <c16:uniqueId val="{00000006-E8EE-4A8F-A4E4-C9BC3F642B81}"/>
                 </c:ext>
@@ -733,7 +877,7 @@
         <c:scaling>
           <c:orientation val="minMax"/>
         </c:scaling>
-        <c:delete val="0"/>
+        <c:delete val="1"/>
         <c:axPos val="l"/>
         <c:majorGridlines>
           <c:spPr>
@@ -753,33 +897,6 @@
         <c:majorTickMark val="none"/>
         <c:minorTickMark val="none"/>
         <c:tickLblPos val="nextTo"/>
-        <c:spPr>
-          <a:noFill/>
-          <a:ln>
-            <a:noFill/>
-          </a:ln>
-          <a:effectLst/>
-        </c:spPr>
-        <c:txPr>
-          <a:bodyPr rot="-60000000" spcFirstLastPara="1" vertOverflow="ellipsis" vert="horz" wrap="square" anchor="ctr" anchorCtr="1"/>
-          <a:lstStyle/>
-          <a:p>
-            <a:pPr>
-              <a:defRPr sz="1197" b="0" i="0" u="none" strike="noStrike" kern="1200" baseline="0">
-                <a:solidFill>
-                  <a:schemeClr val="tx1">
-                    <a:lumMod val="65000"/>
-                    <a:lumOff val="35000"/>
-                  </a:schemeClr>
-                </a:solidFill>
-                <a:latin typeface="+mn-lt"/>
-                <a:ea typeface="+mn-ea"/>
-                <a:cs typeface="+mn-cs"/>
-              </a:defRPr>
-            </a:pPr>
-            <a:endParaRPr lang="zh-CN"/>
-          </a:p>
-        </c:txPr>
         <c:crossAx val="1585693680"/>
         <c:crosses val="autoZero"/>
         <c:crossBetween val="midCat"/>
@@ -796,6 +913,7 @@
     </c:plotArea>
     <c:legend>
       <c:legendPos val="b"/>
+      <c:layout/>
       <c:overlay val="0"/>
       <c:spPr>
         <a:noFill/>
@@ -827,6 +945,7 @@
     </c:legend>
     <c:plotVisOnly val="1"/>
     <c:dispBlanksAs val="gap"/>
+    <c:showDLblsOverMax val="0"/>
     <c:extLst>
       <c:ext xmlns:c16r3="http://schemas.microsoft.com/office/drawing/2017/03/chart" uri="{56B9EC1D-385E-4148-901F-78D8002777C0}">
         <c16r3:dataDisplayOptions16>
@@ -834,7 +953,6 @@
         </c16r3:dataDisplayOptions16>
       </c:ext>
     </c:extLst>
-    <c:showDLblsOverMax val="0"/>
   </c:chart>
   <c:spPr>
     <a:noFill/>
@@ -1504,7 +1622,7 @@
               <a:pPr>
                 <a:defRPr/>
               </a:pPr>
-              <a:t>2018/1/22</a:t>
+              <a:t>2018/1/23</a:t>
             </a:fld>
             <a:endParaRPr lang="zh-CN" altLang="en-US"/>
           </a:p>
@@ -7120,6 +7238,13 @@
   <p:clrMapOvr>
     <a:masterClrMapping/>
   </p:clrMapOvr>
+  <p:timing>
+    <p:tnLst>
+      <p:par>
+        <p:cTn id="1" dur="indefinite" restart="never" nodeType="tmRoot"/>
+      </p:par>
+    </p:tnLst>
+  </p:timing>
 </p:sld>
 </file>
 
@@ -7316,8 +7441,8 @@
         </p:nvSpPr>
         <p:spPr>
           <a:xfrm>
-            <a:off x="1343472" y="1340768"/>
-            <a:ext cx="10153128" cy="4524315"/>
+            <a:off x="1235460" y="1316957"/>
+            <a:ext cx="10153128" cy="3600986"/>
           </a:xfrm>
           <a:prstGeom prst="rect">
             <a:avLst/>
@@ -7334,65 +7459,89 @@
           </a:p>
           <a:p>
             <a:r>
-              <a:rPr lang="en-US" altLang="zh-CN" sz="2400" dirty="0"/>
+              <a:rPr lang="en-US" altLang="zh-CN" dirty="0"/>
               <a:t>1</a:t>
             </a:r>
             <a:r>
-              <a:rPr lang="zh-CN" altLang="en-US" sz="2400" dirty="0"/>
-              <a:t>、技术文档，技术书籍，技术博客</a:t>
-            </a:r>
-            <a:endParaRPr lang="en-US" altLang="zh-CN" sz="2400" dirty="0"/>
-          </a:p>
-          <a:p>
-            <a:endParaRPr lang="en-US" altLang="zh-CN" sz="2400" dirty="0"/>
-          </a:p>
-          <a:p>
-            <a:endParaRPr lang="en-US" altLang="zh-CN" sz="2400" dirty="0"/>
-          </a:p>
-          <a:p>
-            <a:r>
-              <a:rPr lang="en-US" altLang="zh-CN" sz="2400" dirty="0"/>
+              <a:rPr lang="zh-CN" altLang="en-US" dirty="0" smtClean="0"/>
+              <a:t>、努力提升自己的技术栈，学习金融业务相关知识，做到技术服务业务，做出更好的产品</a:t>
+            </a:r>
+            <a:endParaRPr lang="en-US" altLang="zh-CN" dirty="0" smtClean="0"/>
+          </a:p>
+          <a:p>
+            <a:endParaRPr lang="en-US" altLang="zh-CN" dirty="0"/>
+          </a:p>
+          <a:p>
+            <a:endParaRPr lang="en-US" altLang="zh-CN" dirty="0"/>
+          </a:p>
+          <a:p>
+            <a:r>
+              <a:rPr lang="en-US" altLang="zh-CN" dirty="0" smtClean="0"/>
               <a:t>2</a:t>
             </a:r>
             <a:r>
-              <a:rPr lang="zh-CN" altLang="en-US" sz="2400" dirty="0"/>
-              <a:t>、提高解决问题能力</a:t>
-            </a:r>
-            <a:endParaRPr lang="en-US" altLang="zh-CN" sz="2400" dirty="0"/>
-          </a:p>
-          <a:p>
-            <a:endParaRPr lang="en-US" altLang="zh-CN" sz="2400" dirty="0"/>
-          </a:p>
-          <a:p>
-            <a:endParaRPr lang="en-US" altLang="zh-CN" sz="2400" dirty="0"/>
-          </a:p>
-          <a:p>
-            <a:r>
-              <a:rPr lang="en-US" altLang="zh-CN" sz="2400" dirty="0"/>
+              <a:rPr lang="zh-CN" altLang="en-US" dirty="0"/>
+              <a:t>、</a:t>
+            </a:r>
+            <a:r>
+              <a:rPr lang="zh-CN" altLang="en-US" dirty="0" smtClean="0"/>
+              <a:t>养成阅读</a:t>
+            </a:r>
+            <a:r>
+              <a:rPr lang="zh-CN" altLang="en-US" dirty="0"/>
+              <a:t>技术文档和技术书籍的兴趣，继续书写自己的技术博</a:t>
+            </a:r>
+            <a:r>
+              <a:rPr lang="zh-CN" altLang="en-US" dirty="0" smtClean="0"/>
+              <a:t>客</a:t>
+            </a:r>
+            <a:endParaRPr lang="en-US" altLang="zh-CN" dirty="0"/>
+          </a:p>
+          <a:p>
+            <a:endParaRPr lang="en-US" altLang="zh-CN" dirty="0"/>
+          </a:p>
+          <a:p>
+            <a:endParaRPr lang="en-US" altLang="zh-CN" dirty="0"/>
+          </a:p>
+          <a:p>
+            <a:r>
+              <a:rPr lang="en-US" altLang="zh-CN" dirty="0"/>
               <a:t>3</a:t>
             </a:r>
             <a:r>
-              <a:rPr lang="zh-CN" altLang="en-US" sz="2400" dirty="0"/>
-              <a:t>、敢于分享，善于分享，学会分享</a:t>
-            </a:r>
-            <a:endParaRPr lang="en-US" altLang="zh-CN" sz="2400" dirty="0"/>
-          </a:p>
-          <a:p>
-            <a:endParaRPr lang="en-US" altLang="zh-CN" sz="2400" dirty="0"/>
-          </a:p>
-          <a:p>
-            <a:endParaRPr lang="en-US" altLang="zh-CN" sz="2400" dirty="0"/>
-          </a:p>
-          <a:p>
-            <a:r>
-              <a:rPr lang="en-US" altLang="zh-CN" sz="2400" dirty="0"/>
+              <a:rPr lang="zh-CN" altLang="en-US" dirty="0"/>
+              <a:t>、敢于分享，善于分享，学会</a:t>
+            </a:r>
+            <a:r>
+              <a:rPr lang="zh-CN" altLang="en-US" dirty="0" smtClean="0"/>
+              <a:t>分享，分享更利于个人和</a:t>
+            </a:r>
+            <a:r>
+              <a:rPr lang="zh-CN" altLang="en-US" dirty="0" smtClean="0"/>
+              <a:t>团队</a:t>
+            </a:r>
+            <a:r>
+              <a:rPr lang="zh-CN" altLang="en-US" dirty="0"/>
+              <a:t>发展</a:t>
+            </a:r>
+            <a:endParaRPr lang="en-US" altLang="zh-CN" dirty="0"/>
+          </a:p>
+          <a:p>
+            <a:endParaRPr lang="en-US" altLang="zh-CN" dirty="0"/>
+          </a:p>
+          <a:p>
+            <a:endParaRPr lang="en-US" altLang="zh-CN" dirty="0"/>
+          </a:p>
+          <a:p>
+            <a:r>
+              <a:rPr lang="en-US" altLang="zh-CN" dirty="0"/>
               <a:t>4</a:t>
             </a:r>
             <a:r>
-              <a:rPr lang="zh-CN" altLang="en-US" sz="2400" dirty="0"/>
+              <a:rPr lang="zh-CN" altLang="en-US" dirty="0"/>
               <a:t>、谦虚上进，胆大心细，思维严谨，思路清晰</a:t>
             </a:r>
-            <a:endParaRPr lang="en-US" altLang="zh-CN" sz="2400" dirty="0"/>
+            <a:endParaRPr lang="en-US" altLang="zh-CN" dirty="0"/>
           </a:p>
           <a:p>
             <a:endParaRPr lang="zh-CN" altLang="en-US" sz="2400" dirty="0"/>
@@ -7409,6 +7558,13 @@
   <p:clrMapOvr>
     <a:masterClrMapping/>
   </p:clrMapOvr>
+  <p:timing>
+    <p:tnLst>
+      <p:par>
+        <p:cTn id="1" dur="indefinite" restart="never" nodeType="tmRoot"/>
+      </p:par>
+    </p:tnLst>
+  </p:timing>
 </p:sld>
 </file>
 
@@ -10261,6 +10417,13 @@
   <p:clrMapOvr>
     <a:masterClrMapping/>
   </p:clrMapOvr>
+  <p:timing>
+    <p:tnLst>
+      <p:par>
+        <p:cTn id="1" dur="indefinite" restart="never" nodeType="tmRoot"/>
+      </p:par>
+    </p:tnLst>
+  </p:timing>
 </p:sld>
 </file>
 
@@ -11130,7 +11293,7 @@
         <p:spPr>
           <a:xfrm>
             <a:off x="990963" y="1508017"/>
-            <a:ext cx="9982201" cy="646331"/>
+            <a:ext cx="9982201" cy="677108"/>
           </a:xfrm>
           <a:prstGeom prst="rect">
             <a:avLst/>
@@ -11149,7 +11312,11 @@
             </a:r>
             <a:r>
               <a:rPr lang="zh-CN" altLang="en-US" dirty="0"/>
-              <a:t>、学习交易所三大运营平台的系统架构</a:t>
+              <a:t>、</a:t>
+            </a:r>
+            <a:r>
+              <a:rPr lang="zh-CN" altLang="en-US" sz="2000" dirty="0"/>
+              <a:t>学习交易所三大运营平台的系统架构</a:t>
             </a:r>
           </a:p>
           <a:p>
@@ -11167,6 +11334,13 @@
   <p:clrMapOvr>
     <a:masterClrMapping/>
   </p:clrMapOvr>
+  <p:timing>
+    <p:tnLst>
+      <p:par>
+        <p:cTn id="1" dur="indefinite" restart="never" nodeType="tmRoot"/>
+      </p:par>
+    </p:tnLst>
+  </p:timing>
 </p:sld>
 </file>
 
@@ -11364,7 +11538,7 @@
         <p:spPr>
           <a:xfrm>
             <a:off x="551384" y="1143776"/>
-            <a:ext cx="11377264" cy="9171742"/>
+            <a:ext cx="11377264" cy="9264075"/>
           </a:xfrm>
           <a:prstGeom prst="rect">
             <a:avLst/>
@@ -11394,74 +11568,90 @@
           </a:p>
           <a:p>
             <a:r>
-              <a:rPr lang="en-US" altLang="zh-CN" dirty="0"/>
+              <a:rPr lang="en-US" altLang="zh-CN" sz="2000" dirty="0"/>
               <a:t>2</a:t>
             </a:r>
             <a:r>
-              <a:rPr lang="zh-CN" altLang="en-US" dirty="0"/>
+              <a:rPr lang="zh-CN" altLang="en-US" sz="2000" dirty="0"/>
               <a:t>、了解交易所系统架构演变历程</a:t>
             </a:r>
-            <a:endParaRPr lang="en-US" altLang="zh-CN" dirty="0"/>
-          </a:p>
-          <a:p>
-            <a:endParaRPr lang="en-US" altLang="zh-CN" sz="2400" dirty="0"/>
-          </a:p>
-          <a:p>
-            <a:endParaRPr lang="en-US" altLang="zh-CN" sz="2400" dirty="0"/>
-          </a:p>
-          <a:p>
-            <a:endParaRPr lang="en-US" altLang="zh-CN" sz="2400" dirty="0"/>
-          </a:p>
-          <a:p>
-            <a:endParaRPr lang="en-US" altLang="zh-CN" sz="2400" dirty="0"/>
-          </a:p>
-          <a:p>
             <a:endParaRPr lang="en-US" altLang="zh-CN" sz="2000" dirty="0"/>
           </a:p>
           <a:p>
-            <a:endParaRPr lang="en-US" altLang="zh-CN" sz="2400" dirty="0"/>
-          </a:p>
-          <a:p>
-            <a:endParaRPr lang="en-US" altLang="zh-CN" sz="2400" dirty="0"/>
-          </a:p>
-          <a:p>
-            <a:endParaRPr lang="en-US" altLang="zh-CN" dirty="0"/>
-          </a:p>
-          <a:p>
-            <a:r>
-              <a:rPr lang="en-US" altLang="zh-CN" dirty="0"/>
+            <a:endParaRPr lang="en-US" altLang="zh-CN" sz="2000" dirty="0"/>
+          </a:p>
+          <a:p>
+            <a:endParaRPr lang="en-US" altLang="zh-CN" sz="2000" dirty="0"/>
+          </a:p>
+          <a:p>
+            <a:endParaRPr lang="en-US" altLang="zh-CN" sz="2000" dirty="0"/>
+          </a:p>
+          <a:p>
+            <a:endParaRPr lang="en-US" altLang="zh-CN" sz="2000" dirty="0"/>
+          </a:p>
+          <a:p>
+            <a:endParaRPr lang="en-US" altLang="zh-CN" sz="2000" dirty="0"/>
+          </a:p>
+          <a:p>
+            <a:endParaRPr lang="en-US" altLang="zh-CN" sz="2000" dirty="0"/>
+          </a:p>
+          <a:p>
+            <a:endParaRPr lang="en-US" altLang="zh-CN" sz="2000" dirty="0"/>
+          </a:p>
+          <a:p>
+            <a:endParaRPr lang="en-US" altLang="zh-CN" sz="2000" dirty="0"/>
+          </a:p>
+          <a:p>
+            <a:endParaRPr lang="en-US" altLang="zh-CN" sz="2000" dirty="0" smtClean="0"/>
+          </a:p>
+          <a:p>
+            <a:r>
+              <a:rPr lang="en-US" altLang="zh-CN" sz="2000" dirty="0" smtClean="0"/>
               <a:t>3</a:t>
             </a:r>
             <a:r>
-              <a:rPr lang="zh-CN" altLang="en-US" dirty="0"/>
+              <a:rPr lang="zh-CN" altLang="en-US" sz="2000" dirty="0"/>
               <a:t>、重点学习支撑交易所微服务的相关技术</a:t>
             </a:r>
-            <a:endParaRPr lang="en-US" altLang="zh-CN" dirty="0"/>
-          </a:p>
-          <a:p>
-            <a:endParaRPr lang="en-US" altLang="zh-CN" dirty="0"/>
-          </a:p>
-          <a:p>
-            <a:r>
-              <a:rPr lang="en-US" altLang="zh-CN" dirty="0"/>
+            <a:endParaRPr lang="en-US" altLang="zh-CN" sz="2000" dirty="0"/>
+          </a:p>
+          <a:p>
+            <a:endParaRPr lang="en-US" altLang="zh-CN" sz="2000" dirty="0"/>
+          </a:p>
+          <a:p>
+            <a:r>
+              <a:rPr lang="en-US" altLang="zh-CN" sz="2000" dirty="0"/>
               <a:t>1)Spring</a:t>
             </a:r>
             <a:r>
-              <a:rPr lang="zh-CN" altLang="en-US" dirty="0"/>
+              <a:rPr lang="zh-CN" altLang="en-US" sz="2000" dirty="0"/>
               <a:t> </a:t>
             </a:r>
             <a:r>
-              <a:rPr lang="en-US" altLang="zh-CN" dirty="0"/>
+              <a:rPr lang="en-US" altLang="zh-CN" sz="2000" dirty="0"/>
               <a:t>Cloud</a:t>
             </a:r>
             <a:r>
-              <a:rPr lang="zh-CN" altLang="en-US" dirty="0"/>
+              <a:rPr lang="zh-CN" altLang="en-US" sz="2000" dirty="0"/>
               <a:t>        </a:t>
             </a:r>
             <a:r>
-              <a:rPr lang="en-US" altLang="zh-CN" dirty="0"/>
-              <a:t>2)Spring Boot         3)Gradle</a:t>
-            </a:r>
+              <a:rPr lang="en-US" altLang="zh-CN" sz="2000" dirty="0"/>
+              <a:t>2)Spring Boot         </a:t>
+            </a:r>
+            <a:r>
+              <a:rPr lang="en-US" altLang="zh-CN" sz="2000" dirty="0" smtClean="0"/>
+              <a:t>3)</a:t>
+            </a:r>
+            <a:r>
+              <a:rPr lang="en-US" altLang="zh-CN" sz="2000" dirty="0" err="1" smtClean="0"/>
+              <a:t>Gradle</a:t>
+            </a:r>
+            <a:r>
+              <a:rPr lang="en-US" altLang="zh-CN" sz="2000" dirty="0" smtClean="0"/>
+              <a:t>      </a:t>
+            </a:r>
+            <a:endParaRPr lang="en-US" altLang="zh-CN" sz="2000" dirty="0"/>
           </a:p>
           <a:p>
             <a:endParaRPr lang="en-US" altLang="zh-CN" sz="2400" dirty="0"/>
@@ -11604,6 +11794,13 @@
   <p:clrMapOvr>
     <a:masterClrMapping/>
   </p:clrMapOvr>
+  <p:timing>
+    <p:tnLst>
+      <p:par>
+        <p:cTn id="1" dur="indefinite" restart="never" nodeType="tmRoot"/>
+      </p:par>
+    </p:tnLst>
+  </p:timing>
 </p:sld>
 </file>
 
@@ -11842,7 +12039,7 @@
         <p:spPr>
           <a:xfrm>
             <a:off x="623392" y="1196752"/>
-            <a:ext cx="11092152" cy="4893647"/>
+            <a:ext cx="11092152" cy="4293483"/>
           </a:xfrm>
           <a:prstGeom prst="rect">
             <a:avLst/>
@@ -11862,121 +12059,153 @@
                   <a:srgbClr val="FF0000"/>
                 </a:solidFill>
               </a:rPr>
-              <a:t>技术之日常开发</a:t>
-            </a:r>
-            <a:endParaRPr lang="en-US" altLang="zh-CN" sz="2400" dirty="0">
-              <a:solidFill>
-                <a:srgbClr val="FF0000"/>
-              </a:solidFill>
-            </a:endParaRPr>
-          </a:p>
-          <a:p>
+              <a:t>技术之日常</a:t>
+            </a:r>
+            <a:r>
+              <a:rPr lang="zh-CN" altLang="en-US" sz="2400" dirty="0" smtClean="0">
+                <a:solidFill>
+                  <a:srgbClr val="FF0000"/>
+                </a:solidFill>
+              </a:rPr>
+              <a:t>开发</a:t>
+            </a:r>
             <a:endParaRPr lang="en-US" altLang="zh-CN" sz="2000" dirty="0"/>
           </a:p>
           <a:p>
+            <a:pPr>
+              <a:lnSpc>
+                <a:spcPct val="150000"/>
+              </a:lnSpc>
+            </a:pPr>
+            <a:endParaRPr lang="en-US" altLang="zh-CN" sz="2000" dirty="0" smtClean="0"/>
+          </a:p>
+          <a:p>
+            <a:pPr>
+              <a:lnSpc>
+                <a:spcPct val="150000"/>
+              </a:lnSpc>
+            </a:pPr>
+            <a:r>
+              <a:rPr lang="zh-CN" altLang="en-US" sz="2000" dirty="0" smtClean="0"/>
+              <a:t>交易所</a:t>
+            </a:r>
             <a:r>
               <a:rPr lang="zh-CN" altLang="en-US" sz="2000" dirty="0"/>
-              <a:t>交易所系统功能优化</a:t>
+              <a:t>系统功能</a:t>
+            </a:r>
+            <a:r>
+              <a:rPr lang="zh-CN" altLang="en-US" sz="2000" dirty="0" smtClean="0"/>
+              <a:t>优化</a:t>
             </a:r>
             <a:endParaRPr lang="en-US" altLang="zh-CN" sz="2000" dirty="0"/>
           </a:p>
           <a:p>
-            <a:endParaRPr lang="en-US" altLang="zh-CN" sz="2000" dirty="0"/>
-          </a:p>
-          <a:p>
-            <a:r>
-              <a:rPr lang="en-US" altLang="zh-CN" sz="2000" dirty="0"/>
+            <a:pPr>
+              <a:lnSpc>
+                <a:spcPct val="150000"/>
+              </a:lnSpc>
+            </a:pPr>
+            <a:r>
+              <a:rPr lang="en-US" altLang="zh-CN" dirty="0"/>
               <a:t>1</a:t>
             </a:r>
             <a:r>
-              <a:rPr lang="zh-CN" altLang="en-US" sz="2000" dirty="0"/>
-              <a:t>、参与权益登记微服务开发，学习服务注册与发现，</a:t>
-            </a:r>
-            <a:r>
-              <a:rPr lang="en-US" altLang="zh-CN" sz="2000" dirty="0"/>
-              <a:t>Gradle</a:t>
-            </a:r>
-            <a:r>
-              <a:rPr lang="zh-CN" altLang="en-US" sz="2000" dirty="0"/>
-              <a:t>构建</a:t>
-            </a:r>
-            <a:endParaRPr lang="en-US" altLang="zh-CN" sz="2000" dirty="0"/>
-          </a:p>
-          <a:p>
-            <a:endParaRPr lang="en-US" altLang="zh-CN" sz="2000" dirty="0"/>
-          </a:p>
-          <a:p>
-            <a:r>
-              <a:rPr lang="en-US" altLang="zh-CN" sz="2000" dirty="0"/>
+              <a:rPr lang="zh-CN" altLang="en-US" dirty="0"/>
+              <a:t>、参与权益登记微服务</a:t>
+            </a:r>
+            <a:r>
+              <a:rPr lang="zh-CN" altLang="en-US" dirty="0" smtClean="0"/>
+              <a:t>开发</a:t>
+            </a:r>
+            <a:endParaRPr lang="en-US" altLang="zh-CN" dirty="0" smtClean="0"/>
+          </a:p>
+          <a:p>
+            <a:pPr>
+              <a:lnSpc>
+                <a:spcPct val="150000"/>
+              </a:lnSpc>
+            </a:pPr>
+            <a:endParaRPr lang="en-US" altLang="zh-CN" dirty="0" smtClean="0"/>
+          </a:p>
+          <a:p>
+            <a:pPr>
+              <a:lnSpc>
+                <a:spcPct val="150000"/>
+              </a:lnSpc>
+            </a:pPr>
+            <a:r>
+              <a:rPr lang="en-US" altLang="zh-CN" dirty="0" smtClean="0"/>
               <a:t>2</a:t>
             </a:r>
             <a:r>
-              <a:rPr lang="zh-CN" altLang="en-US" sz="2000" dirty="0"/>
-              <a:t>、会员及客户业务资格优化，学习分析需求，阅读别人代码</a:t>
-            </a:r>
-            <a:endParaRPr lang="en-US" altLang="zh-CN" sz="2000" dirty="0"/>
-          </a:p>
-          <a:p>
-            <a:endParaRPr lang="en-US" altLang="zh-CN" sz="2000" dirty="0"/>
-          </a:p>
-          <a:p>
-            <a:r>
-              <a:rPr lang="en-US" altLang="zh-CN" sz="2000" dirty="0"/>
+              <a:rPr lang="zh-CN" altLang="en-US" dirty="0" smtClean="0"/>
+              <a:t>、会员及客户业务资格优化</a:t>
+            </a:r>
+            <a:endParaRPr lang="en-US" altLang="zh-CN" dirty="0" smtClean="0"/>
+          </a:p>
+          <a:p>
+            <a:pPr>
+              <a:lnSpc>
+                <a:spcPct val="150000"/>
+              </a:lnSpc>
+            </a:pPr>
+            <a:endParaRPr lang="en-US" altLang="zh-CN" dirty="0" smtClean="0"/>
+          </a:p>
+          <a:p>
+            <a:pPr>
+              <a:lnSpc>
+                <a:spcPct val="150000"/>
+              </a:lnSpc>
+            </a:pPr>
+            <a:r>
+              <a:rPr lang="en-US" altLang="zh-CN" dirty="0" smtClean="0"/>
               <a:t>3</a:t>
             </a:r>
             <a:r>
-              <a:rPr lang="zh-CN" altLang="en-US" sz="2000" dirty="0"/>
-              <a:t>、新增金融资产交易凭证和项目附件对外披露，</a:t>
-            </a:r>
-            <a:r>
-              <a:rPr lang="en-US" altLang="zh-CN" sz="2000" dirty="0"/>
-              <a:t>PDF</a:t>
-            </a:r>
-          </a:p>
-          <a:p>
-            <a:endParaRPr lang="en-US" altLang="zh-CN" sz="2000" dirty="0"/>
-          </a:p>
-          <a:p>
-            <a:r>
-              <a:rPr lang="en-US" altLang="zh-CN" sz="2000" dirty="0"/>
+              <a:rPr lang="zh-CN" altLang="en-US" dirty="0"/>
+              <a:t>、新增金融资产交易凭证和项目附件对外</a:t>
+            </a:r>
+            <a:r>
+              <a:rPr lang="zh-CN" altLang="en-US" dirty="0" smtClean="0"/>
+              <a:t>披露</a:t>
+            </a:r>
+            <a:endParaRPr lang="en-US" altLang="zh-CN" dirty="0" smtClean="0"/>
+          </a:p>
+          <a:p>
+            <a:pPr>
+              <a:lnSpc>
+                <a:spcPct val="150000"/>
+              </a:lnSpc>
+            </a:pPr>
+            <a:endParaRPr lang="en-US" altLang="zh-CN" dirty="0" smtClean="0"/>
+          </a:p>
+          <a:p>
+            <a:pPr>
+              <a:lnSpc>
+                <a:spcPct val="150000"/>
+              </a:lnSpc>
+            </a:pPr>
+            <a:r>
+              <a:rPr lang="en-US" altLang="zh-CN" dirty="0" smtClean="0"/>
               <a:t>4</a:t>
             </a:r>
             <a:r>
-              <a:rPr lang="zh-CN" altLang="en-US" sz="2000" dirty="0"/>
-              <a:t>、兑付功能两级菜单优化，</a:t>
-            </a:r>
-            <a:r>
-              <a:rPr lang="en-US" altLang="zh-CN" sz="2000" dirty="0"/>
-              <a:t>SQL</a:t>
-            </a:r>
-          </a:p>
-          <a:p>
-            <a:endParaRPr lang="en-US" altLang="zh-CN" sz="2000" dirty="0"/>
-          </a:p>
-          <a:p>
-            <a:r>
-              <a:rPr lang="en-US" altLang="zh-CN" sz="2000" dirty="0"/>
-              <a:t>5</a:t>
-            </a:r>
-            <a:r>
-              <a:rPr lang="zh-CN" altLang="en-US" sz="2000" dirty="0"/>
-              <a:t>、结算放款功能两级菜单优化，</a:t>
-            </a:r>
-            <a:r>
-              <a:rPr lang="en-US" altLang="zh-CN" sz="2000" dirty="0"/>
-              <a:t>JSP</a:t>
-            </a:r>
-            <a:r>
-              <a:rPr lang="zh-CN" altLang="en-US" sz="2000" dirty="0"/>
-              <a:t>页面</a:t>
-            </a:r>
-            <a:endParaRPr lang="en-US" altLang="zh-CN" sz="2000" dirty="0"/>
-          </a:p>
-          <a:p>
-            <a:endParaRPr lang="en-US" altLang="zh-CN" sz="2400" dirty="0"/>
-          </a:p>
-          <a:p>
-            <a:endParaRPr lang="en-US" altLang="zh-CN" sz="2400" dirty="0"/>
+              <a:rPr lang="zh-CN" altLang="en-US" dirty="0"/>
+              <a:t>、</a:t>
+            </a:r>
+            <a:r>
+              <a:rPr lang="zh-CN" altLang="en-US" dirty="0" smtClean="0"/>
+              <a:t>兑付、</a:t>
+            </a:r>
+            <a:r>
+              <a:rPr lang="zh-CN" altLang="en-US" dirty="0"/>
+              <a:t>结算功能两级菜单</a:t>
+            </a:r>
+            <a:r>
+              <a:rPr lang="zh-CN" altLang="en-US" dirty="0" smtClean="0"/>
+              <a:t>优化</a:t>
+            </a:r>
+            <a:endParaRPr lang="en-US" altLang="zh-CN" dirty="0" smtClean="0"/>
           </a:p>
         </p:txBody>
       </p:sp>
@@ -11990,6 +12219,13 @@
   <p:clrMapOvr>
     <a:masterClrMapping/>
   </p:clrMapOvr>
+  <p:timing>
+    <p:tnLst>
+      <p:par>
+        <p:cTn id="1" dur="indefinite" restart="never" nodeType="tmRoot"/>
+      </p:par>
+    </p:tnLst>
+  </p:timing>
 </p:sld>
 </file>
 
@@ -12228,7 +12464,7 @@
         <p:spPr>
           <a:xfrm>
             <a:off x="1127448" y="1196752"/>
-            <a:ext cx="10297144" cy="4708981"/>
+            <a:ext cx="10297144" cy="3185487"/>
           </a:xfrm>
           <a:prstGeom prst="rect">
             <a:avLst/>
@@ -12248,102 +12484,180 @@
                   <a:srgbClr val="FF0000"/>
                 </a:solidFill>
               </a:rPr>
-              <a:t>交易所系统业务</a:t>
-            </a:r>
-            <a:endParaRPr lang="en-US" altLang="zh-CN" sz="2400" dirty="0">
+              <a:t>交易所系统</a:t>
+            </a:r>
+            <a:r>
+              <a:rPr lang="zh-CN" altLang="en-US" sz="2400" dirty="0" smtClean="0">
+                <a:solidFill>
+                  <a:srgbClr val="FF0000"/>
+                </a:solidFill>
+              </a:rPr>
+              <a:t>业务</a:t>
+            </a:r>
+            <a:endParaRPr lang="en-US" altLang="zh-CN" sz="2400" dirty="0"/>
+          </a:p>
+          <a:p>
+            <a:pPr>
+              <a:lnSpc>
+                <a:spcPct val="150000"/>
+              </a:lnSpc>
+            </a:pPr>
+            <a:r>
+              <a:rPr lang="en-US" altLang="zh-CN" dirty="0" smtClean="0">
+                <a:solidFill>
+                  <a:srgbClr val="0070C0"/>
+                </a:solidFill>
+              </a:rPr>
+              <a:t>1</a:t>
+            </a:r>
+            <a:r>
+              <a:rPr lang="zh-CN" altLang="en-US" dirty="0" smtClean="0">
+                <a:solidFill>
+                  <a:srgbClr val="0070C0"/>
+                </a:solidFill>
+              </a:rPr>
+              <a:t>、交易所</a:t>
+            </a:r>
+            <a:r>
+              <a:rPr lang="zh-CN" altLang="en-US" dirty="0">
+                <a:solidFill>
+                  <a:srgbClr val="0070C0"/>
+                </a:solidFill>
+              </a:rPr>
+              <a:t>业务</a:t>
+            </a:r>
+            <a:r>
+              <a:rPr lang="zh-CN" altLang="en-US" dirty="0" smtClean="0">
+                <a:solidFill>
+                  <a:srgbClr val="0070C0"/>
+                </a:solidFill>
+              </a:rPr>
+              <a:t>类型</a:t>
+            </a:r>
+            <a:endParaRPr lang="en-US" altLang="zh-CN" dirty="0" smtClean="0">
               <a:solidFill>
-                <a:srgbClr val="FF0000"/>
+                <a:srgbClr val="0070C0"/>
               </a:solidFill>
             </a:endParaRPr>
           </a:p>
           <a:p>
-            <a:endParaRPr lang="en-US" altLang="zh-CN" sz="2400" dirty="0"/>
-          </a:p>
-          <a:p>
-            <a:r>
-              <a:rPr lang="zh-CN" altLang="en-US" sz="2000" dirty="0"/>
-              <a:t>交易所业务类型                                          部分产品主要业务流程</a:t>
-            </a:r>
-            <a:endParaRPr lang="en-US" altLang="zh-CN" sz="2000" dirty="0"/>
-          </a:p>
-          <a:p>
-            <a:endParaRPr lang="en-US" altLang="zh-CN" sz="2000" dirty="0"/>
-          </a:p>
-          <a:p>
-            <a:r>
-              <a:rPr lang="en-US" altLang="zh-CN" sz="2000" dirty="0"/>
+            <a:pPr>
+              <a:lnSpc>
+                <a:spcPct val="150000"/>
+              </a:lnSpc>
+            </a:pPr>
+            <a:r>
+              <a:rPr lang="en-US" altLang="zh-CN" dirty="0" smtClean="0"/>
               <a:t>1</a:t>
             </a:r>
             <a:r>
-              <a:rPr lang="zh-CN" altLang="en-US" sz="2000" dirty="0"/>
-              <a:t>、债务融资计划                                        </a:t>
-            </a:r>
-            <a:r>
-              <a:rPr lang="en-US" altLang="zh-CN" sz="2000" dirty="0"/>
+              <a:rPr lang="en-US" altLang="zh-CN" dirty="0"/>
+              <a:t>)</a:t>
+            </a:r>
+            <a:r>
+              <a:rPr lang="zh-CN" altLang="en-US" dirty="0"/>
+              <a:t>债务融资</a:t>
+            </a:r>
+            <a:r>
+              <a:rPr lang="zh-CN" altLang="en-US" dirty="0" smtClean="0"/>
+              <a:t>计划      </a:t>
+            </a:r>
+            <a:r>
+              <a:rPr lang="en-US" altLang="zh-CN" dirty="0"/>
+              <a:t>2)</a:t>
+            </a:r>
+            <a:r>
+              <a:rPr lang="zh-CN" altLang="en-US" dirty="0"/>
+              <a:t>金融产品</a:t>
+            </a:r>
+            <a:r>
+              <a:rPr lang="zh-CN" altLang="en-US" dirty="0" smtClean="0"/>
+              <a:t>发行      </a:t>
+            </a:r>
+            <a:r>
+              <a:rPr lang="en-US" altLang="zh-CN" dirty="0"/>
+              <a:t>3)</a:t>
+            </a:r>
+            <a:r>
+              <a:rPr lang="zh-CN" altLang="en-US" dirty="0"/>
+              <a:t>金融资产转让</a:t>
+            </a:r>
+            <a:r>
+              <a:rPr lang="zh-CN" altLang="en-US" dirty="0" smtClean="0"/>
+              <a:t>                 </a:t>
+            </a:r>
+            <a:endParaRPr lang="en-US" altLang="zh-CN" dirty="0" smtClean="0"/>
+          </a:p>
+          <a:p>
+            <a:pPr>
+              <a:lnSpc>
+                <a:spcPct val="150000"/>
+              </a:lnSpc>
+            </a:pPr>
+            <a:r>
+              <a:rPr lang="en-US" altLang="zh-CN" dirty="0" smtClean="0">
+                <a:solidFill>
+                  <a:srgbClr val="0070C0"/>
+                </a:solidFill>
+              </a:rPr>
+              <a:t>2</a:t>
+            </a:r>
+            <a:r>
+              <a:rPr lang="zh-CN" altLang="en-US" dirty="0" smtClean="0">
+                <a:solidFill>
+                  <a:srgbClr val="0070C0"/>
+                </a:solidFill>
+              </a:rPr>
+              <a:t>、核心业务流程</a:t>
+            </a:r>
+            <a:endParaRPr lang="en-US" altLang="zh-CN" sz="2000" dirty="0">
+              <a:solidFill>
+                <a:srgbClr val="0070C0"/>
+              </a:solidFill>
+            </a:endParaRPr>
+          </a:p>
+          <a:p>
+            <a:pPr>
+              <a:lnSpc>
+                <a:spcPct val="150000"/>
+              </a:lnSpc>
+            </a:pPr>
+            <a:r>
+              <a:rPr lang="en-US" altLang="zh-CN" dirty="0" smtClean="0"/>
               <a:t>1</a:t>
             </a:r>
             <a:r>
-              <a:rPr lang="zh-CN" altLang="en-US" sz="2000" dirty="0"/>
-              <a:t>、登记（备案、挂牌）</a:t>
-            </a:r>
-            <a:endParaRPr lang="en-US" altLang="zh-CN" sz="2000" dirty="0"/>
-          </a:p>
-          <a:p>
-            <a:endParaRPr lang="en-US" altLang="zh-CN" sz="2000" dirty="0"/>
-          </a:p>
-          <a:p>
-            <a:r>
-              <a:rPr lang="en-US" altLang="zh-CN" sz="2000" dirty="0"/>
-              <a:t>2</a:t>
-            </a:r>
-            <a:r>
-              <a:rPr lang="zh-CN" altLang="en-US" sz="2000" dirty="0"/>
-              <a:t>、金融产品发行                                        </a:t>
-            </a:r>
-            <a:r>
-              <a:rPr lang="en-US" altLang="zh-CN" sz="2000" dirty="0"/>
-              <a:t>2</a:t>
-            </a:r>
-            <a:r>
-              <a:rPr lang="zh-CN" altLang="en-US" sz="2000" dirty="0"/>
-              <a:t>、交易</a:t>
-            </a:r>
-            <a:endParaRPr lang="en-US" altLang="zh-CN" sz="2000" dirty="0"/>
-          </a:p>
-          <a:p>
-            <a:endParaRPr lang="en-US" altLang="zh-CN" sz="2000" dirty="0"/>
-          </a:p>
-          <a:p>
-            <a:r>
-              <a:rPr lang="en-US" altLang="zh-CN" sz="2000" dirty="0"/>
+              <a:rPr lang="en-US" altLang="zh-CN" dirty="0"/>
+              <a:t>)</a:t>
+            </a:r>
+            <a:r>
+              <a:rPr lang="zh-CN" altLang="en-US" dirty="0" smtClean="0"/>
+              <a:t>登记    </a:t>
+            </a:r>
+            <a:r>
+              <a:rPr lang="en-US" altLang="zh-CN" dirty="0" smtClean="0"/>
+              <a:t>2)</a:t>
+            </a:r>
+            <a:r>
+              <a:rPr lang="zh-CN" altLang="en-US" dirty="0" smtClean="0"/>
+              <a:t>交易     </a:t>
+            </a:r>
+            <a:r>
+              <a:rPr lang="en-US" altLang="zh-CN" dirty="0" smtClean="0"/>
               <a:t>3</a:t>
             </a:r>
             <a:r>
-              <a:rPr lang="zh-CN" altLang="en-US" sz="2000" dirty="0"/>
-              <a:t>、金融资产转让                                        </a:t>
-            </a:r>
-            <a:r>
-              <a:rPr lang="en-US" altLang="zh-CN" sz="2000" dirty="0"/>
-              <a:t>3</a:t>
-            </a:r>
-            <a:r>
-              <a:rPr lang="zh-CN" altLang="en-US" sz="2000" dirty="0"/>
-              <a:t>、清结算（放款、还款、兑付）</a:t>
-            </a:r>
-            <a:endParaRPr lang="en-US" altLang="zh-CN" sz="2000" dirty="0"/>
-          </a:p>
-          <a:p>
-            <a:endParaRPr lang="en-US" altLang="zh-CN" sz="2000" dirty="0"/>
-          </a:p>
-          <a:p>
-            <a:r>
-              <a:rPr lang="zh-CN" altLang="en-US" sz="2000" dirty="0"/>
-              <a:t>比如：我要在会员平台备案一个债务融资计划的产品，</a:t>
-            </a:r>
-            <a:endParaRPr lang="en-US" altLang="zh-CN" sz="2000" dirty="0"/>
-          </a:p>
-          <a:p>
-            <a:endParaRPr lang="en-US" altLang="zh-CN" sz="2400" dirty="0"/>
+              <a:rPr lang="en-US" altLang="zh-CN" dirty="0"/>
+              <a:t>)</a:t>
+            </a:r>
+            <a:r>
+              <a:rPr lang="zh-CN" altLang="en-US" dirty="0" smtClean="0"/>
+              <a:t>清结算</a:t>
+            </a:r>
+            <a:endParaRPr lang="en-US" altLang="zh-CN" dirty="0" smtClean="0"/>
+          </a:p>
+          <a:p>
+            <a:endParaRPr lang="en-US" altLang="zh-CN" dirty="0"/>
           </a:p>
           <a:p>
             <a:endParaRPr lang="en-US" altLang="zh-CN" sz="2400" dirty="0"/>
@@ -12353,6 +12667,30 @@
           </a:p>
         </p:txBody>
       </p:sp>
+      <p:pic>
+        <p:nvPicPr>
+          <p:cNvPr id="4" name="图片 3"/>
+          <p:cNvPicPr>
+            <a:picLocks noChangeAspect="1"/>
+          </p:cNvPicPr>
+          <p:nvPr/>
+        </p:nvPicPr>
+        <p:blipFill>
+          <a:blip r:embed="rId3"/>
+          <a:stretch>
+            <a:fillRect/>
+          </a:stretch>
+        </p:blipFill>
+        <p:spPr>
+          <a:xfrm>
+            <a:off x="1199456" y="3298934"/>
+            <a:ext cx="9649072" cy="2698470"/>
+          </a:xfrm>
+          <a:prstGeom prst="rect">
+            <a:avLst/>
+          </a:prstGeom>
+        </p:spPr>
+      </p:pic>
     </p:spTree>
     <p:extLst>
       <p:ext uri="{BB962C8B-B14F-4D97-AF65-F5344CB8AC3E}">
@@ -12363,6 +12701,13 @@
   <p:clrMapOvr>
     <a:masterClrMapping/>
   </p:clrMapOvr>
+  <p:timing>
+    <p:tnLst>
+      <p:par>
+        <p:cTn id="1" dur="indefinite" restart="never" nodeType="tmRoot"/>
+      </p:par>
+    </p:tnLst>
+  </p:timing>
 </p:sld>
 </file>
 
@@ -12594,7 +12939,7 @@
           <p:nvPr>
             <p:extLst>
               <p:ext uri="{D42A27DB-BD31-4B8C-83A1-F6EECF244321}">
-                <p14:modId xmlns:p14="http://schemas.microsoft.com/office/powerpoint/2010/main" val="46152485"/>
+                <p14:modId xmlns:p14="http://schemas.microsoft.com/office/powerpoint/2010/main" val="3976528091"/>
               </p:ext>
             </p:extLst>
           </p:nvPr>
@@ -12609,6 +12954,51 @@
           </a:graphicData>
         </a:graphic>
       </p:graphicFrame>
+      <p:sp>
+        <p:nvSpPr>
+          <p:cNvPr id="7" name="文本框 6"/>
+          <p:cNvSpPr txBox="1"/>
+          <p:nvPr/>
+        </p:nvSpPr>
+        <p:spPr>
+          <a:xfrm>
+            <a:off x="1025823" y="1502207"/>
+            <a:ext cx="461665" cy="2070809"/>
+          </a:xfrm>
+          <a:prstGeom prst="rect">
+            <a:avLst/>
+          </a:prstGeom>
+        </p:spPr>
+        <p:style>
+          <a:lnRef idx="2">
+            <a:schemeClr val="accent5">
+              <a:shade val="50000"/>
+            </a:schemeClr>
+          </a:lnRef>
+          <a:fillRef idx="1">
+            <a:schemeClr val="accent5"/>
+          </a:fillRef>
+          <a:effectRef idx="0">
+            <a:schemeClr val="accent5"/>
+          </a:effectRef>
+          <a:fontRef idx="minor">
+            <a:schemeClr val="lt1"/>
+          </a:fontRef>
+        </p:style>
+        <p:txBody>
+          <a:bodyPr vert="eaVert" wrap="square" rtlCol="0">
+            <a:spAutoFit/>
+          </a:bodyPr>
+          <a:lstStyle/>
+          <a:p>
+            <a:r>
+              <a:rPr lang="zh-CN" altLang="en-US" dirty="0" smtClean="0"/>
+              <a:t>技术与业务的收获</a:t>
+            </a:r>
+            <a:endParaRPr lang="zh-CN" altLang="en-US" dirty="0"/>
+          </a:p>
+        </p:txBody>
+      </p:sp>
     </p:spTree>
     <p:extLst>
       <p:ext uri="{BB962C8B-B14F-4D97-AF65-F5344CB8AC3E}">
@@ -12619,6 +13009,13 @@
   <p:clrMapOvr>
     <a:masterClrMapping/>
   </p:clrMapOvr>
+  <p:timing>
+    <p:tnLst>
+      <p:par>
+        <p:cTn id="1" dur="indefinite" restart="never" nodeType="tmRoot"/>
+      </p:par>
+    </p:tnLst>
+  </p:timing>
 </p:sld>
 </file>
 
@@ -12817,8 +13214,8 @@
         </p:nvSpPr>
         <p:spPr>
           <a:xfrm>
-            <a:off x="1055440" y="1196752"/>
-            <a:ext cx="10369152" cy="4524315"/>
+            <a:off x="1703512" y="1700808"/>
+            <a:ext cx="10369152" cy="3600986"/>
           </a:xfrm>
           <a:prstGeom prst="rect">
             <a:avLst/>
@@ -12835,65 +13232,81 @@
           </a:p>
           <a:p>
             <a:r>
-              <a:rPr lang="en-US" altLang="zh-CN" sz="2400" dirty="0"/>
+              <a:rPr lang="en-US" altLang="zh-CN" dirty="0"/>
               <a:t>1</a:t>
             </a:r>
             <a:r>
-              <a:rPr lang="zh-CN" altLang="en-US" sz="2400" dirty="0"/>
-              <a:t>、技术广度和深度</a:t>
-            </a:r>
-            <a:endParaRPr lang="en-US" altLang="zh-CN" sz="2400" dirty="0"/>
-          </a:p>
-          <a:p>
-            <a:endParaRPr lang="en-US" altLang="zh-CN" sz="2400" dirty="0"/>
-          </a:p>
-          <a:p>
-            <a:endParaRPr lang="en-US" altLang="zh-CN" sz="2400" dirty="0"/>
-          </a:p>
-          <a:p>
-            <a:r>
-              <a:rPr lang="en-US" altLang="zh-CN" sz="2400" dirty="0"/>
+              <a:rPr lang="zh-CN" altLang="en-US" dirty="0" smtClean="0"/>
+              <a:t>、有待拓展日常使用技术的广度</a:t>
+            </a:r>
+            <a:r>
+              <a:rPr lang="zh-CN" altLang="en-US" dirty="0"/>
+              <a:t>和</a:t>
+            </a:r>
+            <a:r>
+              <a:rPr lang="zh-CN" altLang="en-US" dirty="0" smtClean="0"/>
+              <a:t>深度</a:t>
+            </a:r>
+            <a:endParaRPr lang="en-US" altLang="zh-CN" dirty="0"/>
+          </a:p>
+          <a:p>
+            <a:endParaRPr lang="en-US" altLang="zh-CN" dirty="0"/>
+          </a:p>
+          <a:p>
+            <a:endParaRPr lang="en-US" altLang="zh-CN" dirty="0"/>
+          </a:p>
+          <a:p>
+            <a:r>
+              <a:rPr lang="en-US" altLang="zh-CN" dirty="0"/>
               <a:t>2</a:t>
             </a:r>
             <a:r>
-              <a:rPr lang="zh-CN" altLang="en-US" sz="2400" dirty="0"/>
+              <a:rPr lang="zh-CN" altLang="en-US" dirty="0" smtClean="0"/>
               <a:t>、解决问题能力</a:t>
             </a:r>
-            <a:endParaRPr lang="en-US" altLang="zh-CN" sz="2400" dirty="0"/>
-          </a:p>
-          <a:p>
-            <a:endParaRPr lang="en-US" altLang="zh-CN" sz="2400" dirty="0"/>
-          </a:p>
-          <a:p>
-            <a:endParaRPr lang="en-US" altLang="zh-CN" sz="2400" dirty="0"/>
-          </a:p>
-          <a:p>
-            <a:r>
-              <a:rPr lang="en-US" altLang="zh-CN" sz="2400" dirty="0"/>
+            <a:r>
+              <a:rPr lang="zh-CN" altLang="en-US" dirty="0"/>
+              <a:t>欠缺</a:t>
+            </a:r>
+            <a:endParaRPr lang="en-US" altLang="zh-CN" dirty="0"/>
+          </a:p>
+          <a:p>
+            <a:endParaRPr lang="en-US" altLang="zh-CN" dirty="0"/>
+          </a:p>
+          <a:p>
+            <a:endParaRPr lang="en-US" altLang="zh-CN" dirty="0"/>
+          </a:p>
+          <a:p>
+            <a:r>
+              <a:rPr lang="en-US" altLang="zh-CN" dirty="0"/>
               <a:t>3</a:t>
             </a:r>
             <a:r>
-              <a:rPr lang="zh-CN" altLang="en-US" sz="2400" dirty="0"/>
-              <a:t>、业务理解</a:t>
-            </a:r>
-            <a:endParaRPr lang="en-US" altLang="zh-CN" sz="2400" dirty="0"/>
-          </a:p>
-          <a:p>
-            <a:endParaRPr lang="en-US" altLang="zh-CN" sz="2400" dirty="0"/>
-          </a:p>
-          <a:p>
-            <a:endParaRPr lang="en-US" altLang="zh-CN" sz="2400" dirty="0"/>
-          </a:p>
-          <a:p>
-            <a:r>
-              <a:rPr lang="en-US" altLang="zh-CN" sz="2400" dirty="0"/>
+              <a:rPr lang="zh-CN" altLang="en-US" dirty="0" smtClean="0"/>
+              <a:t>、对交易所系统业务理解程度不深</a:t>
+            </a:r>
+            <a:endParaRPr lang="en-US" altLang="zh-CN" dirty="0"/>
+          </a:p>
+          <a:p>
+            <a:endParaRPr lang="en-US" altLang="zh-CN" dirty="0"/>
+          </a:p>
+          <a:p>
+            <a:endParaRPr lang="en-US" altLang="zh-CN" dirty="0"/>
+          </a:p>
+          <a:p>
+            <a:r>
+              <a:rPr lang="en-US" altLang="zh-CN" dirty="0"/>
               <a:t>4</a:t>
             </a:r>
             <a:r>
-              <a:rPr lang="zh-CN" altLang="en-US" sz="2400" dirty="0"/>
-              <a:t>、团队协作与交流</a:t>
-            </a:r>
-            <a:endParaRPr lang="en-US" altLang="zh-CN" sz="2400" dirty="0"/>
+              <a:rPr lang="zh-CN" altLang="en-US" dirty="0" smtClean="0"/>
+              <a:t>、需要加强团队</a:t>
+            </a:r>
+            <a:r>
+              <a:rPr lang="zh-CN" altLang="en-US" dirty="0"/>
+              <a:t>协作与交流</a:t>
+            </a:r>
+            <a:endParaRPr lang="en-US" altLang="zh-CN" dirty="0"/>
           </a:p>
           <a:p>
             <a:endParaRPr lang="en-US" altLang="zh-CN" sz="2400" dirty="0"/>
@@ -12910,6 +13323,13 @@
   <p:clrMapOvr>
     <a:masterClrMapping/>
   </p:clrMapOvr>
+  <p:timing>
+    <p:tnLst>
+      <p:par>
+        <p:cTn id="1" dur="indefinite" restart="never" nodeType="tmRoot"/>
+      </p:par>
+    </p:tnLst>
+  </p:timing>
 </p:sld>
 </file>
 
@@ -13109,7 +13529,7 @@
         <p:spPr>
           <a:xfrm>
             <a:off x="1415480" y="1556792"/>
-            <a:ext cx="9505056" cy="4524315"/>
+            <a:ext cx="9505056" cy="3785652"/>
           </a:xfrm>
           <a:prstGeom prst="rect">
             <a:avLst/>
@@ -13122,64 +13542,430 @@
           </a:bodyPr>
           <a:lstStyle/>
           <a:p>
-            <a:endParaRPr lang="en-US" altLang="zh-CN" sz="2400" dirty="0"/>
-          </a:p>
-          <a:p>
-            <a:r>
-              <a:rPr lang="en-US" altLang="zh-CN" sz="2400" dirty="0"/>
+            <a:pPr lvl="0">
+              <a:lnSpc>
+                <a:spcPct val="150000"/>
+              </a:lnSpc>
+            </a:pPr>
+            <a:r>
+              <a:rPr lang="en-US" altLang="zh-CN" sz="2000" dirty="0" smtClean="0">
+                <a:solidFill>
+                  <a:srgbClr val="0070C0"/>
+                </a:solidFill>
+              </a:rPr>
               <a:t>1</a:t>
             </a:r>
             <a:r>
-              <a:rPr lang="zh-CN" altLang="en-US" sz="2400" dirty="0"/>
-              <a:t>、技术栈广度和深度</a:t>
-            </a:r>
-            <a:endParaRPr lang="en-US" altLang="zh-CN" sz="2400" dirty="0"/>
-          </a:p>
-          <a:p>
-            <a:endParaRPr lang="en-US" altLang="zh-CN" sz="2400" dirty="0"/>
-          </a:p>
-          <a:p>
-            <a:endParaRPr lang="en-US" altLang="zh-CN" sz="2400" dirty="0"/>
-          </a:p>
-          <a:p>
-            <a:endParaRPr lang="en-US" altLang="zh-CN" sz="2400" dirty="0"/>
-          </a:p>
-          <a:p>
-            <a:r>
-              <a:rPr lang="en-US" altLang="zh-CN" sz="2400" dirty="0"/>
+              <a:rPr lang="zh-CN" altLang="en-US" sz="2000" dirty="0" smtClean="0">
+                <a:solidFill>
+                  <a:srgbClr val="0070C0"/>
+                </a:solidFill>
+              </a:rPr>
+              <a:t>、</a:t>
+            </a:r>
+            <a:r>
+              <a:rPr lang="zh-CN" altLang="zh-CN" sz="2000" dirty="0" smtClean="0">
+                <a:solidFill>
+                  <a:srgbClr val="0070C0"/>
+                </a:solidFill>
+              </a:rPr>
+              <a:t>技术</a:t>
+            </a:r>
+            <a:r>
+              <a:rPr lang="zh-CN" altLang="zh-CN" sz="2000" dirty="0">
+                <a:solidFill>
+                  <a:srgbClr val="0070C0"/>
+                </a:solidFill>
+              </a:rPr>
+              <a:t>广度和深度</a:t>
+            </a:r>
+          </a:p>
+          <a:p>
+            <a:pPr>
+              <a:lnSpc>
+                <a:spcPct val="150000"/>
+              </a:lnSpc>
+            </a:pPr>
+            <a:r>
+              <a:rPr lang="en-US" altLang="zh-CN" sz="1600" dirty="0"/>
+              <a:t>a</a:t>
+            </a:r>
+            <a:r>
+              <a:rPr lang="zh-CN" altLang="en-US" sz="1600" dirty="0" smtClean="0"/>
+              <a:t>、</a:t>
+            </a:r>
+            <a:r>
+              <a:rPr lang="zh-CN" altLang="zh-CN" sz="1600" dirty="0" smtClean="0"/>
+              <a:t>阅读</a:t>
+            </a:r>
+            <a:r>
+              <a:rPr lang="zh-CN" altLang="zh-CN" sz="1600" dirty="0"/>
+              <a:t>技术文档</a:t>
+            </a:r>
+            <a:r>
+              <a:rPr lang="en-US" altLang="zh-CN" sz="1600" dirty="0"/>
+              <a:t>    </a:t>
+            </a:r>
+            <a:r>
+              <a:rPr lang="en-US" altLang="zh-CN" sz="1600" dirty="0" smtClean="0"/>
+              <a:t>b</a:t>
+            </a:r>
+            <a:r>
+              <a:rPr lang="zh-CN" altLang="en-US" sz="1600" dirty="0" smtClean="0"/>
+              <a:t>、</a:t>
+            </a:r>
+            <a:r>
+              <a:rPr lang="zh-CN" altLang="zh-CN" sz="1600" dirty="0" smtClean="0"/>
+              <a:t>阅读</a:t>
+            </a:r>
+            <a:r>
+              <a:rPr lang="zh-CN" altLang="zh-CN" sz="1600" dirty="0"/>
+              <a:t>技术书籍</a:t>
+            </a:r>
+            <a:r>
+              <a:rPr lang="en-US" altLang="zh-CN" sz="1600" dirty="0"/>
+              <a:t>    </a:t>
+            </a:r>
+            <a:r>
+              <a:rPr lang="en-US" altLang="zh-CN" sz="1600" dirty="0" smtClean="0"/>
+              <a:t>c</a:t>
+            </a:r>
+            <a:r>
+              <a:rPr lang="zh-CN" altLang="en-US" sz="1600" dirty="0" smtClean="0"/>
+              <a:t>、编写</a:t>
+            </a:r>
+            <a:r>
+              <a:rPr lang="zh-CN" altLang="zh-CN" sz="1600" dirty="0" smtClean="0"/>
+              <a:t>技术</a:t>
+            </a:r>
+            <a:r>
+              <a:rPr lang="zh-CN" altLang="zh-CN" sz="1600" dirty="0"/>
+              <a:t>博客</a:t>
+            </a:r>
+          </a:p>
+          <a:p>
+            <a:pPr lvl="0">
+              <a:lnSpc>
+                <a:spcPct val="150000"/>
+              </a:lnSpc>
+            </a:pPr>
+            <a:r>
+              <a:rPr lang="en-US" altLang="zh-CN" sz="2000" dirty="0" smtClean="0">
+                <a:solidFill>
+                  <a:srgbClr val="0070C0"/>
+                </a:solidFill>
+              </a:rPr>
               <a:t>2</a:t>
             </a:r>
             <a:r>
-              <a:rPr lang="zh-CN" altLang="en-US" sz="2400" dirty="0"/>
-              <a:t>、业务理解，金融产品</a:t>
-            </a:r>
-            <a:endParaRPr lang="en-US" altLang="zh-CN" sz="2400" dirty="0"/>
-          </a:p>
-          <a:p>
-            <a:endParaRPr lang="en-US" altLang="zh-CN" sz="2400" dirty="0"/>
-          </a:p>
-          <a:p>
-            <a:endParaRPr lang="en-US" altLang="zh-CN" sz="2400" dirty="0"/>
-          </a:p>
-          <a:p>
-            <a:endParaRPr lang="en-US" altLang="zh-CN" sz="2400" dirty="0"/>
-          </a:p>
-          <a:p>
-            <a:r>
-              <a:rPr lang="en-US" altLang="zh-CN" sz="2400" dirty="0"/>
+              <a:rPr lang="zh-CN" altLang="en-US" sz="2000" dirty="0" smtClean="0">
+                <a:solidFill>
+                  <a:srgbClr val="0070C0"/>
+                </a:solidFill>
+              </a:rPr>
+              <a:t>、</a:t>
+            </a:r>
+            <a:r>
+              <a:rPr lang="zh-CN" altLang="zh-CN" sz="2000" dirty="0" smtClean="0">
+                <a:solidFill>
+                  <a:srgbClr val="0070C0"/>
+                </a:solidFill>
+              </a:rPr>
+              <a:t>解决问题</a:t>
+            </a:r>
+            <a:r>
+              <a:rPr lang="zh-CN" altLang="zh-CN" sz="2000" dirty="0">
+                <a:solidFill>
+                  <a:srgbClr val="0070C0"/>
+                </a:solidFill>
+              </a:rPr>
+              <a:t>能力</a:t>
+            </a:r>
+          </a:p>
+          <a:p>
+            <a:pPr>
+              <a:lnSpc>
+                <a:spcPct val="150000"/>
+              </a:lnSpc>
+            </a:pPr>
+            <a:r>
+              <a:rPr lang="en-US" altLang="zh-CN" sz="1600" dirty="0"/>
+              <a:t>a</a:t>
+            </a:r>
+            <a:r>
+              <a:rPr lang="zh-CN" altLang="en-US" sz="1600" dirty="0"/>
+              <a:t>、</a:t>
+            </a:r>
+            <a:r>
+              <a:rPr lang="zh-CN" altLang="zh-CN" sz="1600" dirty="0" smtClean="0"/>
+              <a:t>学会</a:t>
+            </a:r>
+            <a:r>
+              <a:rPr lang="zh-CN" altLang="zh-CN" sz="1600" dirty="0"/>
+              <a:t>提出</a:t>
+            </a:r>
+            <a:r>
+              <a:rPr lang="zh-CN" altLang="zh-CN" sz="1600" dirty="0" smtClean="0"/>
+              <a:t>问题</a:t>
+            </a:r>
+            <a:r>
+              <a:rPr lang="en-US" altLang="zh-CN" sz="1600" dirty="0" smtClean="0"/>
+              <a:t>   </a:t>
+            </a:r>
+            <a:r>
+              <a:rPr lang="zh-CN" altLang="zh-CN" sz="1600" dirty="0" smtClean="0"/>
+              <a:t> </a:t>
+            </a:r>
+            <a:r>
+              <a:rPr lang="en-US" altLang="zh-CN" sz="1600" dirty="0" smtClean="0"/>
+              <a:t>b</a:t>
+            </a:r>
+            <a:r>
+              <a:rPr lang="zh-CN" altLang="en-US" sz="1600" dirty="0" smtClean="0"/>
+              <a:t>、</a:t>
+            </a:r>
+            <a:r>
+              <a:rPr lang="zh-CN" altLang="zh-CN" sz="1600" dirty="0" smtClean="0"/>
+              <a:t>学习</a:t>
+            </a:r>
+            <a:r>
+              <a:rPr lang="zh-CN" altLang="zh-CN" sz="1600" dirty="0"/>
+              <a:t>他人思考和解决问题的思路 </a:t>
+            </a:r>
+            <a:r>
+              <a:rPr lang="en-US" altLang="zh-CN" sz="1600" dirty="0" smtClean="0"/>
+              <a:t>   c</a:t>
+            </a:r>
+            <a:r>
+              <a:rPr lang="zh-CN" altLang="en-US" sz="1600" dirty="0" smtClean="0"/>
+              <a:t>、</a:t>
+            </a:r>
+            <a:r>
+              <a:rPr lang="zh-CN" altLang="zh-CN" sz="1600" dirty="0" smtClean="0"/>
+              <a:t>培养</a:t>
+            </a:r>
+            <a:r>
+              <a:rPr lang="zh-CN" altLang="zh-CN" sz="1600" dirty="0"/>
+              <a:t>解决问题的能力</a:t>
+            </a:r>
+          </a:p>
+          <a:p>
+            <a:pPr lvl="0">
+              <a:lnSpc>
+                <a:spcPct val="150000"/>
+              </a:lnSpc>
+            </a:pPr>
+            <a:r>
+              <a:rPr lang="en-US" altLang="zh-CN" sz="2000" dirty="0" smtClean="0">
+                <a:solidFill>
+                  <a:srgbClr val="0070C0"/>
+                </a:solidFill>
+              </a:rPr>
               <a:t>3</a:t>
             </a:r>
             <a:r>
-              <a:rPr lang="zh-CN" altLang="en-US" sz="2400" dirty="0"/>
-              <a:t>、敢于交流，善于交流，学会交流</a:t>
-            </a:r>
-            <a:endParaRPr lang="en-US" altLang="zh-CN" sz="2400" dirty="0"/>
-          </a:p>
-          <a:p>
-            <a:endParaRPr lang="en-US" altLang="zh-CN" sz="2400" dirty="0"/>
-          </a:p>
-          <a:p>
-            <a:endParaRPr lang="zh-CN" altLang="en-US" sz="2400" dirty="0"/>
+              <a:rPr lang="zh-CN" altLang="en-US" sz="2000" dirty="0" smtClean="0">
+                <a:solidFill>
+                  <a:srgbClr val="0070C0"/>
+                </a:solidFill>
+              </a:rPr>
+              <a:t>、</a:t>
+            </a:r>
+            <a:r>
+              <a:rPr lang="zh-CN" altLang="zh-CN" sz="2000" dirty="0" smtClean="0">
+                <a:solidFill>
+                  <a:srgbClr val="0070C0"/>
+                </a:solidFill>
+              </a:rPr>
+              <a:t>业务理解</a:t>
+            </a:r>
+            <a:r>
+              <a:rPr lang="zh-CN" altLang="en-US" sz="2000" dirty="0" smtClean="0">
+                <a:solidFill>
+                  <a:srgbClr val="0070C0"/>
+                </a:solidFill>
+              </a:rPr>
+              <a:t>能力</a:t>
+            </a:r>
+            <a:endParaRPr lang="zh-CN" altLang="zh-CN" sz="2000" dirty="0">
+              <a:solidFill>
+                <a:srgbClr val="0070C0"/>
+              </a:solidFill>
+            </a:endParaRPr>
+          </a:p>
+          <a:p>
+            <a:pPr>
+              <a:lnSpc>
+                <a:spcPct val="150000"/>
+              </a:lnSpc>
+            </a:pPr>
+            <a:r>
+              <a:rPr lang="en-US" altLang="zh-CN" sz="1600" dirty="0"/>
+              <a:t>a</a:t>
+            </a:r>
+            <a:r>
+              <a:rPr lang="zh-CN" altLang="en-US" sz="1600" dirty="0"/>
+              <a:t>、</a:t>
+            </a:r>
+            <a:r>
+              <a:rPr lang="zh-CN" altLang="zh-CN" sz="1600" dirty="0" smtClean="0"/>
+              <a:t>请求</a:t>
+            </a:r>
+            <a:r>
+              <a:rPr lang="zh-CN" altLang="zh-CN" sz="1600" dirty="0"/>
+              <a:t>他人进行业务学习 </a:t>
+            </a:r>
+            <a:r>
+              <a:rPr lang="en-US" altLang="zh-CN" sz="1600" dirty="0" smtClean="0"/>
+              <a:t>  b</a:t>
+            </a:r>
+            <a:r>
+              <a:rPr lang="zh-CN" altLang="en-US" sz="1600" dirty="0" smtClean="0"/>
+              <a:t>、</a:t>
+            </a:r>
+            <a:r>
+              <a:rPr lang="zh-CN" altLang="zh-CN" sz="1600" dirty="0" smtClean="0"/>
+              <a:t>阅读</a:t>
+            </a:r>
+            <a:r>
+              <a:rPr lang="zh-CN" altLang="zh-CN" sz="1600" dirty="0"/>
+              <a:t>现有系统代码 </a:t>
+            </a:r>
+            <a:r>
+              <a:rPr lang="en-US" altLang="zh-CN" sz="1600" dirty="0" smtClean="0"/>
+              <a:t>   c</a:t>
+            </a:r>
+            <a:r>
+              <a:rPr lang="zh-CN" altLang="en-US" sz="1600" dirty="0" smtClean="0"/>
+              <a:t>、</a:t>
+            </a:r>
+            <a:r>
+              <a:rPr lang="zh-CN" altLang="zh-CN" sz="1600" dirty="0" smtClean="0"/>
+              <a:t>在</a:t>
+            </a:r>
+            <a:r>
+              <a:rPr lang="zh-CN" altLang="zh-CN" sz="1600" dirty="0"/>
+              <a:t>开发和测试过程中再理解</a:t>
+            </a:r>
+          </a:p>
+          <a:p>
+            <a:pPr>
+              <a:lnSpc>
+                <a:spcPct val="150000"/>
+              </a:lnSpc>
+            </a:pPr>
+            <a:r>
+              <a:rPr lang="en-US" altLang="zh-CN" sz="2000" dirty="0">
+                <a:solidFill>
+                  <a:srgbClr val="0070C0"/>
+                </a:solidFill>
+              </a:rPr>
+              <a:t>4</a:t>
+            </a:r>
+            <a:r>
+              <a:rPr lang="zh-CN" altLang="zh-CN" sz="2000" dirty="0">
+                <a:solidFill>
+                  <a:srgbClr val="0070C0"/>
+                </a:solidFill>
+              </a:rPr>
+              <a:t>、团队协作与交流</a:t>
+            </a:r>
+          </a:p>
+          <a:p>
+            <a:pPr>
+              <a:lnSpc>
+                <a:spcPct val="150000"/>
+              </a:lnSpc>
+            </a:pPr>
+            <a:r>
+              <a:rPr lang="en-US" altLang="zh-CN" sz="1600" dirty="0"/>
+              <a:t>a</a:t>
+            </a:r>
+            <a:r>
+              <a:rPr lang="zh-CN" altLang="en-US" sz="1600" dirty="0"/>
+              <a:t>、</a:t>
+            </a:r>
+            <a:r>
+              <a:rPr lang="zh-CN" altLang="zh-CN" sz="1600" dirty="0" smtClean="0"/>
+              <a:t>尊重</a:t>
+            </a:r>
+            <a:r>
+              <a:rPr lang="zh-CN" altLang="zh-CN" sz="1600" dirty="0"/>
+              <a:t>新人同事</a:t>
+            </a:r>
+            <a:r>
+              <a:rPr lang="en-US" altLang="zh-CN" sz="1600" dirty="0"/>
+              <a:t>   </a:t>
+            </a:r>
+            <a:r>
+              <a:rPr lang="en-US" altLang="zh-CN" sz="1600" dirty="0" smtClean="0"/>
+              <a:t>b</a:t>
+            </a:r>
+            <a:r>
+              <a:rPr lang="zh-CN" altLang="en-US" sz="1600" dirty="0" smtClean="0"/>
+              <a:t>、</a:t>
+            </a:r>
+            <a:r>
+              <a:rPr lang="zh-CN" altLang="zh-CN" sz="1600" dirty="0" smtClean="0"/>
+              <a:t>分享</a:t>
+            </a:r>
+            <a:r>
+              <a:rPr lang="zh-CN" altLang="zh-CN" sz="1600" dirty="0"/>
+              <a:t>自己的心得</a:t>
+            </a:r>
+            <a:r>
+              <a:rPr lang="en-US" altLang="zh-CN" sz="1600" dirty="0"/>
+              <a:t>   </a:t>
+            </a:r>
+            <a:r>
+              <a:rPr lang="en-US" altLang="zh-CN" sz="1600" dirty="0" smtClean="0"/>
+              <a:t>c</a:t>
+            </a:r>
+            <a:r>
+              <a:rPr lang="zh-CN" altLang="en-US" sz="1600" dirty="0" smtClean="0"/>
+              <a:t>、</a:t>
+            </a:r>
+            <a:r>
+              <a:rPr lang="zh-CN" altLang="zh-CN" sz="1600" dirty="0" smtClean="0"/>
+              <a:t>与</a:t>
+            </a:r>
+            <a:r>
+              <a:rPr lang="zh-CN" altLang="zh-CN" sz="1600" dirty="0"/>
+              <a:t>产品和测试交流并理解对需求的看法</a:t>
+            </a:r>
+            <a:r>
+              <a:rPr lang="en-US" altLang="zh-CN" sz="1600" dirty="0"/>
+              <a:t>  </a:t>
+            </a:r>
+            <a:endParaRPr lang="en-US" altLang="zh-CN" sz="1600" dirty="0" smtClean="0"/>
+          </a:p>
+          <a:p>
+            <a:pPr>
+              <a:lnSpc>
+                <a:spcPct val="150000"/>
+              </a:lnSpc>
+            </a:pPr>
+            <a:r>
+              <a:rPr lang="en-US" altLang="zh-CN" sz="1600" dirty="0" smtClean="0"/>
+              <a:t>d</a:t>
+            </a:r>
+            <a:r>
+              <a:rPr lang="zh-CN" altLang="en-US" sz="1600" dirty="0" smtClean="0"/>
+              <a:t>、</a:t>
+            </a:r>
+            <a:r>
+              <a:rPr lang="zh-CN" altLang="zh-CN" sz="1600" dirty="0" smtClean="0"/>
+              <a:t>培养</a:t>
+            </a:r>
+            <a:r>
+              <a:rPr lang="zh-CN" altLang="zh-CN" sz="1600" dirty="0"/>
+              <a:t>自己主动做事的</a:t>
+            </a:r>
+            <a:r>
+              <a:rPr lang="zh-CN" altLang="zh-CN" sz="1600" dirty="0" smtClean="0"/>
+              <a:t>品格</a:t>
+            </a:r>
+            <a:endParaRPr lang="en-US" altLang="zh-CN" sz="1600" dirty="0"/>
           </a:p>
         </p:txBody>
       </p:sp>
@@ -13193,6 +13979,13 @@
   <p:clrMapOvr>
     <a:masterClrMapping/>
   </p:clrMapOvr>
+  <p:timing>
+    <p:tnLst>
+      <p:par>
+        <p:cTn id="1" dur="indefinite" restart="never" nodeType="tmRoot"/>
+      </p:par>
+    </p:tnLst>
+  </p:timing>
 </p:sld>
 </file>
 
@@ -14012,7 +14805,7 @@
         <a:sysClr val="windowText" lastClr="000000"/>
       </a:dk1>
       <a:lt1>
-        <a:sysClr val="window" lastClr="CAEACE"/>
+        <a:sysClr val="window" lastClr="FFFFFF"/>
       </a:lt1>
       <a:dk2>
         <a:srgbClr val="44546A"/>
@@ -14592,7 +15385,7 @@
         <a:sysClr val="windowText" lastClr="000000"/>
       </a:dk1>
       <a:lt1>
-        <a:sysClr val="window" lastClr="CAEACE"/>
+        <a:sysClr val="window" lastClr="FFFFFF"/>
       </a:lt1>
       <a:dk2>
         <a:srgbClr val="1F497D"/>

--- a/doc/src/main/resources/qdfae/青金中心连宏伟转正答辩.pptx
+++ b/doc/src/main/resources/qdfae/青金中心连宏伟转正答辩.pptx
@@ -28,29 +28,29 @@
   <p:notesSz cx="9947275" cy="6858000"/>
   <p:embeddedFontLst>
     <p:embeddedFont>
+      <p:font typeface="等线" panose="02010600030101010101" pitchFamily="2" charset="-122"/>
+      <p:regular r:id="rId16"/>
+      <p:bold r:id="rId17"/>
+    </p:embeddedFont>
+    <p:embeddedFont>
+      <p:font typeface="Impact" panose="020B0806030902050204" pitchFamily="34" charset="0"/>
+      <p:regular r:id="rId18"/>
+    </p:embeddedFont>
+    <p:embeddedFont>
+      <p:font typeface="华文细黑" panose="02010600040101010101" pitchFamily="2" charset="-122"/>
+      <p:regular r:id="rId19"/>
+    </p:embeddedFont>
+    <p:embeddedFont>
       <p:font typeface="楷体_GB2312" panose="02010600030101010101" charset="-122"/>
-      <p:regular r:id="rId16"/>
+      <p:regular r:id="rId20"/>
     </p:embeddedFont>
     <p:embeddedFont>
       <p:font typeface="微软雅黑" panose="020B0503020204020204" pitchFamily="34" charset="-122"/>
-      <p:regular r:id="rId17"/>
-      <p:bold r:id="rId18"/>
+      <p:regular r:id="rId21"/>
+      <p:bold r:id="rId22"/>
     </p:embeddedFont>
     <p:embeddedFont>
       <p:font typeface="华文楷体" panose="02010600040101010101" pitchFamily="2" charset="-122"/>
-      <p:regular r:id="rId19"/>
-    </p:embeddedFont>
-    <p:embeddedFont>
-      <p:font typeface="等线" panose="02010600030101010101" pitchFamily="2" charset="-122"/>
-      <p:regular r:id="rId20"/>
-      <p:bold r:id="rId21"/>
-    </p:embeddedFont>
-    <p:embeddedFont>
-      <p:font typeface="Impact" panose="020B0806030902050204" pitchFamily="34" charset="0"/>
-      <p:regular r:id="rId22"/>
-    </p:embeddedFont>
-    <p:embeddedFont>
-      <p:font typeface="华文细黑" panose="02010600040101010101" pitchFamily="2" charset="-122"/>
       <p:regular r:id="rId23"/>
     </p:embeddedFont>
   </p:embeddedFontLst>
@@ -349,15 +349,26 @@
                     </a:r>
                     <a:r>
                       <a:rPr lang="zh-CN" altLang="en-US" sz="1800" dirty="0" smtClean="0"/>
-                      <a:t>、了解了交易所系统架构</a:t>
+                      <a:t>、了解了</a:t>
+                    </a:r>
+                    <a:r>
+                      <a:rPr lang="zh-CN" altLang="en-US" sz="1800" dirty="0" smtClean="0"/>
+                      <a:t>交易中心系统</a:t>
+                    </a:r>
+                    <a:r>
+                      <a:rPr lang="zh-CN" altLang="en-US" sz="1800" dirty="0" smtClean="0"/>
+                      <a:t>架构</a:t>
                     </a:r>
                   </a:p>
                   <a:p>
                     <a:pPr algn="l">
-                      <a:defRPr sz="1200">
+                      <a:defRPr sz="1200" b="0" i="0" u="none" strike="noStrike" kern="1200" baseline="0">
                         <a:solidFill>
                           <a:schemeClr val="lt1"/>
                         </a:solidFill>
+                        <a:latin typeface="+mn-lt"/>
+                        <a:ea typeface="+mn-ea"/>
+                        <a:cs typeface="+mn-cs"/>
                       </a:defRPr>
                     </a:pPr>
                     <a:r>
@@ -371,10 +382,13 @@
                   </a:p>
                   <a:p>
                     <a:pPr algn="l">
-                      <a:defRPr sz="1200">
+                      <a:defRPr sz="1200" b="0" i="0" u="none" strike="noStrike" kern="1200" baseline="0">
                         <a:solidFill>
                           <a:schemeClr val="lt1"/>
                         </a:solidFill>
+                        <a:latin typeface="+mn-lt"/>
+                        <a:ea typeface="+mn-ea"/>
+                        <a:cs typeface="+mn-cs"/>
                       </a:defRPr>
                     </a:pPr>
                     <a:r>
@@ -383,15 +397,26 @@
                     </a:r>
                     <a:r>
                       <a:rPr lang="zh-CN" altLang="en-US" sz="1800" dirty="0" smtClean="0"/>
-                      <a:t>、熟悉了交易中心务类型和业务模式</a:t>
+                      <a:t>、熟悉了交易</a:t>
+                    </a:r>
+                    <a:r>
+                      <a:rPr lang="zh-CN" altLang="en-US" sz="1800" dirty="0" smtClean="0"/>
+                      <a:t>中心业务类型</a:t>
+                    </a:r>
+                    <a:r>
+                      <a:rPr lang="zh-CN" altLang="en-US" sz="1800" dirty="0" smtClean="0"/>
+                      <a:t>和业务模式</a:t>
                     </a:r>
                   </a:p>
                   <a:p>
                     <a:pPr algn="l">
-                      <a:defRPr sz="1200">
+                      <a:defRPr sz="1200" b="0" i="0" u="none" strike="noStrike" kern="1200" baseline="0">
                         <a:solidFill>
                           <a:schemeClr val="lt1"/>
                         </a:solidFill>
+                        <a:latin typeface="+mn-lt"/>
+                        <a:ea typeface="+mn-ea"/>
+                        <a:cs typeface="+mn-cs"/>
                       </a:defRPr>
                     </a:pPr>
                     <a:r>
@@ -420,25 +445,6 @@
                 </a:ln>
                 <a:effectLst/>
               </c:spPr>
-              <c:txPr>
-                <a:bodyPr rot="0" spcFirstLastPara="1" vertOverflow="ellipsis" vert="horz" wrap="square" lIns="38100" tIns="19050" rIns="38100" bIns="19050" anchor="t" anchorCtr="0">
-                  <a:noAutofit/>
-                </a:bodyPr>
-                <a:lstStyle/>
-                <a:p>
-                  <a:pPr algn="l">
-                    <a:defRPr sz="1200" b="0" i="0" u="none" strike="noStrike" kern="1200" baseline="0">
-                      <a:solidFill>
-                        <a:schemeClr val="lt1"/>
-                      </a:solidFill>
-                      <a:latin typeface="+mn-lt"/>
-                      <a:ea typeface="+mn-ea"/>
-                      <a:cs typeface="+mn-cs"/>
-                    </a:defRPr>
-                  </a:pPr>
-                  <a:endParaRPr lang="zh-CN"/>
-                </a:p>
-              </c:txPr>
               <c:dLblPos val="l"/>
               <c:showLegendKey val="0"/>
               <c:showVal val="1"/>
@@ -452,12 +458,13 @@
                     <a:prstGeom prst="rect">
                       <a:avLst/>
                     </a:prstGeom>
-                    <a:noFill/>
-                    <a:ln>
-                      <a:noFill/>
-                    </a:ln>
                   </c15:spPr>
-                  <c15:layout/>
+                  <c15:layout>
+                    <c:manualLayout>
+                      <c:w val="0.19101367397204566"/>
+                      <c:h val="0.62220272989176006"/>
+                    </c:manualLayout>
+                  </c15:layout>
                 </c:ext>
                 <c:ext xmlns:c16="http://schemas.microsoft.com/office/drawing/2014/chart" uri="{C3380CC4-5D6E-409C-BE32-E72D297353CC}">
                   <c16:uniqueId val="{00000004-E8EE-4A8F-A4E4-C9BC3F642B81}"/>
@@ -495,10 +502,13 @@
                   </a:p>
                   <a:p>
                     <a:pPr algn="l">
-                      <a:defRPr>
+                      <a:defRPr sz="1197" b="0" i="0" u="none" strike="noStrike" kern="1200" baseline="0">
                         <a:solidFill>
                           <a:schemeClr val="lt1"/>
                         </a:solidFill>
+                        <a:latin typeface="+mn-lt"/>
+                        <a:ea typeface="+mn-ea"/>
+                        <a:cs typeface="+mn-cs"/>
                       </a:defRPr>
                     </a:pPr>
                     <a:r>
@@ -528,25 +538,6 @@
                 </a:ln>
                 <a:effectLst/>
               </c:spPr>
-              <c:txPr>
-                <a:bodyPr rot="0" spcFirstLastPara="1" vertOverflow="ellipsis" vert="horz" wrap="square" lIns="38100" tIns="19050" rIns="38100" bIns="19050" anchor="t" anchorCtr="0">
-                  <a:noAutofit/>
-                </a:bodyPr>
-                <a:lstStyle/>
-                <a:p>
-                  <a:pPr algn="l">
-                    <a:defRPr sz="1197" b="0" i="0" u="none" strike="noStrike" kern="1200" baseline="0">
-                      <a:solidFill>
-                        <a:schemeClr val="lt1"/>
-                      </a:solidFill>
-                      <a:latin typeface="+mn-lt"/>
-                      <a:ea typeface="+mn-ea"/>
-                      <a:cs typeface="+mn-cs"/>
-                    </a:defRPr>
-                  </a:pPr>
-                  <a:endParaRPr lang="zh-CN"/>
-                </a:p>
-              </c:txPr>
               <c:dLblPos val="ctr"/>
               <c:showLegendKey val="0"/>
               <c:showVal val="1"/>
@@ -560,12 +551,13 @@
                     <a:prstGeom prst="rect">
                       <a:avLst/>
                     </a:prstGeom>
-                    <a:noFill/>
-                    <a:ln>
-                      <a:noFill/>
-                    </a:ln>
                   </c15:spPr>
-                  <c15:layout/>
+                  <c15:layout>
+                    <c:manualLayout>
+                      <c:w val="0.19101367397204566"/>
+                      <c:h val="0.52557754371408705"/>
+                    </c:manualLayout>
+                  </c15:layout>
                 </c:ext>
                 <c:ext xmlns:c16="http://schemas.microsoft.com/office/drawing/2014/chart" uri="{C3380CC4-5D6E-409C-BE32-E72D297353CC}">
                   <c16:uniqueId val="{00000005-E8EE-4A8F-A4E4-C9BC3F642B81}"/>
@@ -603,10 +595,13 @@
                   </a:p>
                   <a:p>
                     <a:pPr algn="l">
-                      <a:defRPr sz="1800">
+                      <a:defRPr sz="1800" b="0" i="0" u="none" strike="noStrike" kern="1200" baseline="0">
                         <a:solidFill>
                           <a:schemeClr val="lt1"/>
                         </a:solidFill>
+                        <a:latin typeface="+mn-lt"/>
+                        <a:ea typeface="+mn-ea"/>
+                        <a:cs typeface="+mn-cs"/>
                       </a:defRPr>
                     </a:pPr>
                     <a:r>
@@ -620,10 +615,13 @@
                   </a:p>
                   <a:p>
                     <a:pPr algn="l">
-                      <a:defRPr sz="1800">
+                      <a:defRPr sz="1800" b="0" i="0" u="none" strike="noStrike" kern="1200" baseline="0">
                         <a:solidFill>
                           <a:schemeClr val="lt1"/>
                         </a:solidFill>
+                        <a:latin typeface="+mn-lt"/>
+                        <a:ea typeface="+mn-ea"/>
+                        <a:cs typeface="+mn-cs"/>
                       </a:defRPr>
                     </a:pPr>
                     <a:r>
@@ -632,7 +630,19 @@
                     </a:r>
                     <a:r>
                       <a:rPr lang="zh-CN" altLang="en-US" sz="1800" dirty="0" smtClean="0"/>
-                      <a:t>、对业务理解程度更加深刻</a:t>
+                      <a:t>、</a:t>
+                    </a:r>
+                    <a:r>
+                      <a:rPr lang="zh-CN" altLang="en-US" sz="1800" smtClean="0"/>
+                      <a:t>对</a:t>
+                    </a:r>
+                    <a:r>
+                      <a:rPr lang="zh-CN" altLang="en-US" sz="1800" smtClean="0"/>
+                      <a:t>业务的理解更加</a:t>
+                    </a:r>
+                    <a:r>
+                      <a:rPr lang="zh-CN" altLang="en-US" sz="1800" dirty="0" smtClean="0"/>
+                      <a:t>深刻</a:t>
                     </a:r>
                     <a:endParaRPr lang="zh-CN" altLang="en-US" sz="1800" dirty="0"/>
                   </a:p>
@@ -653,25 +663,6 @@
                 </a:ln>
                 <a:effectLst/>
               </c:spPr>
-              <c:txPr>
-                <a:bodyPr rot="0" spcFirstLastPara="1" vertOverflow="ellipsis" vert="horz" wrap="square" lIns="38100" tIns="19050" rIns="38100" bIns="19050" anchor="t" anchorCtr="0">
-                  <a:noAutofit/>
-                </a:bodyPr>
-                <a:lstStyle/>
-                <a:p>
-                  <a:pPr algn="l">
-                    <a:defRPr sz="1800" b="0" i="0" u="none" strike="noStrike" kern="1200" baseline="0">
-                      <a:solidFill>
-                        <a:schemeClr val="lt1"/>
-                      </a:solidFill>
-                      <a:latin typeface="+mn-lt"/>
-                      <a:ea typeface="+mn-ea"/>
-                      <a:cs typeface="+mn-cs"/>
-                    </a:defRPr>
-                  </a:pPr>
-                  <a:endParaRPr lang="zh-CN"/>
-                </a:p>
-              </c:txPr>
               <c:dLblPos val="ctr"/>
               <c:showLegendKey val="0"/>
               <c:showVal val="1"/>
@@ -685,12 +676,13 @@
                     <a:prstGeom prst="rect">
                       <a:avLst/>
                     </a:prstGeom>
-                    <a:noFill/>
-                    <a:ln>
-                      <a:noFill/>
-                    </a:ln>
                   </c15:spPr>
-                  <c15:layout/>
+                  <c15:layout>
+                    <c:manualLayout>
+                      <c:w val="0.18017051454772173"/>
+                      <c:h val="0.42797329172537224"/>
+                    </c:manualLayout>
+                  </c15:layout>
                 </c:ext>
                 <c:ext xmlns:c16="http://schemas.microsoft.com/office/drawing/2014/chart" uri="{C3380CC4-5D6E-409C-BE32-E72D297353CC}">
                   <c16:uniqueId val="{00000006-E8EE-4A8F-A4E4-C9BC3F642B81}"/>
@@ -975,553 +967,10 @@
       <a:endParaRPr lang="zh-CN"/>
     </a:p>
   </c:txPr>
-  <c:externalData r:id="rId3">
+  <c:externalData r:id="rId1">
     <c:autoUpdate val="0"/>
   </c:externalData>
 </c:chartSpace>
-</file>
-
-<file path=ppt/charts/colors1.xml><?xml version="1.0" encoding="utf-8"?>
-<cs:colorStyle xmlns:cs="http://schemas.microsoft.com/office/drawing/2012/chartStyle" xmlns:a="http://schemas.openxmlformats.org/drawingml/2006/main" meth="cycle" id="10">
-  <a:schemeClr val="accent1"/>
-  <a:schemeClr val="accent2"/>
-  <a:schemeClr val="accent3"/>
-  <a:schemeClr val="accent4"/>
-  <a:schemeClr val="accent5"/>
-  <a:schemeClr val="accent6"/>
-  <cs:variation/>
-  <cs:variation>
-    <a:lumMod val="60000"/>
-  </cs:variation>
-  <cs:variation>
-    <a:lumMod val="80000"/>
-    <a:lumOff val="20000"/>
-  </cs:variation>
-  <cs:variation>
-    <a:lumMod val="80000"/>
-  </cs:variation>
-  <cs:variation>
-    <a:lumMod val="60000"/>
-    <a:lumOff val="40000"/>
-  </cs:variation>
-  <cs:variation>
-    <a:lumMod val="50000"/>
-  </cs:variation>
-  <cs:variation>
-    <a:lumMod val="70000"/>
-    <a:lumOff val="30000"/>
-  </cs:variation>
-  <cs:variation>
-    <a:lumMod val="70000"/>
-  </cs:variation>
-  <cs:variation>
-    <a:lumMod val="50000"/>
-    <a:lumOff val="50000"/>
-  </cs:variation>
-</cs:colorStyle>
-</file>
-
-<file path=ppt/charts/style1.xml><?xml version="1.0" encoding="utf-8"?>
-<cs:chartStyle xmlns:cs="http://schemas.microsoft.com/office/drawing/2012/chartStyle" xmlns:a="http://schemas.openxmlformats.org/drawingml/2006/main" id="332">
-  <cs:axisTitle>
-    <cs:lnRef idx="0"/>
-    <cs:fillRef idx="0"/>
-    <cs:effectRef idx="0"/>
-    <cs:fontRef idx="minor">
-      <a:schemeClr val="tx1">
-        <a:lumMod val="65000"/>
-        <a:lumOff val="35000"/>
-      </a:schemeClr>
-    </cs:fontRef>
-    <cs:defRPr sz="1330" kern="1200"/>
-  </cs:axisTitle>
-  <cs:categoryAxis>
-    <cs:lnRef idx="0"/>
-    <cs:fillRef idx="0"/>
-    <cs:effectRef idx="0"/>
-    <cs:fontRef idx="minor">
-      <a:schemeClr val="tx1">
-        <a:lumMod val="65000"/>
-        <a:lumOff val="35000"/>
-      </a:schemeClr>
-    </cs:fontRef>
-    <cs:spPr>
-      <a:ln w="9525" cap="flat" cmpd="sng" algn="ctr">
-        <a:solidFill>
-          <a:schemeClr val="tx1">
-            <a:lumMod val="15000"/>
-            <a:lumOff val="85000"/>
-          </a:schemeClr>
-        </a:solidFill>
-        <a:round/>
-      </a:ln>
-    </cs:spPr>
-    <cs:defRPr sz="1197" kern="1200"/>
-  </cs:categoryAxis>
-  <cs:chartArea mods="allowNoFillOverride allowNoLineOverride">
-    <cs:lnRef idx="0"/>
-    <cs:fillRef idx="0"/>
-    <cs:effectRef idx="0"/>
-    <cs:fontRef idx="minor">
-      <a:schemeClr val="tx1"/>
-    </cs:fontRef>
-    <cs:spPr>
-      <a:solidFill>
-        <a:schemeClr val="bg1"/>
-      </a:solidFill>
-      <a:ln w="9525" cap="flat" cmpd="sng" algn="ctr">
-        <a:solidFill>
-          <a:schemeClr val="tx1">
-            <a:lumMod val="15000"/>
-            <a:lumOff val="85000"/>
-          </a:schemeClr>
-        </a:solidFill>
-        <a:round/>
-      </a:ln>
-    </cs:spPr>
-    <cs:defRPr sz="1330" kern="1200"/>
-  </cs:chartArea>
-  <cs:dataLabel>
-    <cs:lnRef idx="0"/>
-    <cs:fillRef idx="0"/>
-    <cs:effectRef idx="0"/>
-    <cs:fontRef idx="minor">
-      <a:schemeClr val="tx1">
-        <a:lumMod val="75000"/>
-        <a:lumOff val="25000"/>
-      </a:schemeClr>
-    </cs:fontRef>
-    <cs:defRPr sz="1197" kern="1200"/>
-  </cs:dataLabel>
-  <cs:dataLabelCallout>
-    <cs:lnRef idx="0"/>
-    <cs:fillRef idx="0"/>
-    <cs:effectRef idx="0"/>
-    <cs:fontRef idx="minor">
-      <a:schemeClr val="dk1">
-        <a:lumMod val="65000"/>
-        <a:lumOff val="35000"/>
-      </a:schemeClr>
-    </cs:fontRef>
-    <cs:spPr>
-      <a:solidFill>
-        <a:schemeClr val="lt1"/>
-      </a:solidFill>
-      <a:ln>
-        <a:solidFill>
-          <a:schemeClr val="dk1">
-            <a:lumMod val="25000"/>
-            <a:lumOff val="75000"/>
-          </a:schemeClr>
-        </a:solidFill>
-      </a:ln>
-    </cs:spPr>
-    <cs:defRPr sz="1197" kern="1200"/>
-    <cs:bodyPr rot="0" spcFirstLastPara="1" vertOverflow="clip" horzOverflow="clip" vert="horz" wrap="square" lIns="36576" tIns="18288" rIns="36576" bIns="18288" anchor="ctr" anchorCtr="1">
-      <a:spAutoFit/>
-    </cs:bodyPr>
-  </cs:dataLabelCallout>
-  <cs:dataPoint>
-    <cs:lnRef idx="0"/>
-    <cs:fillRef idx="1">
-      <cs:styleClr val="auto"/>
-    </cs:fillRef>
-    <cs:effectRef idx="0"/>
-    <cs:fontRef idx="minor">
-      <a:schemeClr val="tx1"/>
-    </cs:fontRef>
-  </cs:dataPoint>
-  <cs:dataPoint3D>
-    <cs:lnRef idx="0"/>
-    <cs:fillRef idx="1">
-      <cs:styleClr val="auto"/>
-    </cs:fillRef>
-    <cs:effectRef idx="0"/>
-    <cs:fontRef idx="minor">
-      <a:schemeClr val="tx1"/>
-    </cs:fontRef>
-  </cs:dataPoint3D>
-  <cs:dataPointLine>
-    <cs:lnRef idx="0">
-      <cs:styleClr val="auto"/>
-    </cs:lnRef>
-    <cs:fillRef idx="1"/>
-    <cs:effectRef idx="0"/>
-    <cs:fontRef idx="minor">
-      <a:schemeClr val="tx1"/>
-    </cs:fontRef>
-    <cs:spPr>
-      <a:ln w="28575" cap="rnd">
-        <a:solidFill>
-          <a:schemeClr val="phClr"/>
-        </a:solidFill>
-        <a:round/>
-      </a:ln>
-    </cs:spPr>
-  </cs:dataPointLine>
-  <cs:dataPointMarker>
-    <cs:lnRef idx="0">
-      <cs:styleClr val="auto"/>
-    </cs:lnRef>
-    <cs:fillRef idx="1">
-      <cs:styleClr val="auto"/>
-    </cs:fillRef>
-    <cs:effectRef idx="0"/>
-    <cs:fontRef idx="minor">
-      <a:schemeClr val="tx1"/>
-    </cs:fontRef>
-    <cs:spPr>
-      <a:ln w="9525">
-        <a:solidFill>
-          <a:schemeClr val="phClr"/>
-        </a:solidFill>
-      </a:ln>
-    </cs:spPr>
-  </cs:dataPointMarker>
-  <cs:dataPointMarkerLayout symbol="circle" size="5"/>
-  <cs:dataPointWireframe>
-    <cs:lnRef idx="0">
-      <cs:styleClr val="auto"/>
-    </cs:lnRef>
-    <cs:fillRef idx="1"/>
-    <cs:effectRef idx="0"/>
-    <cs:fontRef idx="minor">
-      <a:schemeClr val="tx1"/>
-    </cs:fontRef>
-    <cs:spPr>
-      <a:ln w="9525" cap="rnd">
-        <a:solidFill>
-          <a:schemeClr val="phClr"/>
-        </a:solidFill>
-        <a:round/>
-      </a:ln>
-    </cs:spPr>
-  </cs:dataPointWireframe>
-  <cs:dataTable>
-    <cs:lnRef idx="0"/>
-    <cs:fillRef idx="0"/>
-    <cs:effectRef idx="0"/>
-    <cs:fontRef idx="minor">
-      <a:schemeClr val="tx1">
-        <a:lumMod val="65000"/>
-        <a:lumOff val="35000"/>
-      </a:schemeClr>
-    </cs:fontRef>
-    <cs:spPr>
-      <a:noFill/>
-      <a:ln w="9525" cap="flat" cmpd="sng" algn="ctr">
-        <a:solidFill>
-          <a:schemeClr val="tx1">
-            <a:lumMod val="15000"/>
-            <a:lumOff val="85000"/>
-          </a:schemeClr>
-        </a:solidFill>
-        <a:round/>
-      </a:ln>
-    </cs:spPr>
-    <cs:defRPr sz="1197" kern="1200"/>
-  </cs:dataTable>
-  <cs:downBar>
-    <cs:lnRef idx="0"/>
-    <cs:fillRef idx="0"/>
-    <cs:effectRef idx="0"/>
-    <cs:fontRef idx="minor">
-      <a:schemeClr val="dk1"/>
-    </cs:fontRef>
-    <cs:spPr>
-      <a:solidFill>
-        <a:schemeClr val="dk1">
-          <a:lumMod val="65000"/>
-          <a:lumOff val="35000"/>
-        </a:schemeClr>
-      </a:solidFill>
-      <a:ln w="9525">
-        <a:solidFill>
-          <a:schemeClr val="tx1">
-            <a:lumMod val="65000"/>
-            <a:lumOff val="35000"/>
-          </a:schemeClr>
-        </a:solidFill>
-      </a:ln>
-    </cs:spPr>
-  </cs:downBar>
-  <cs:dropLine>
-    <cs:lnRef idx="0"/>
-    <cs:fillRef idx="0"/>
-    <cs:effectRef idx="0"/>
-    <cs:fontRef idx="minor">
-      <a:schemeClr val="tx1"/>
-    </cs:fontRef>
-    <cs:spPr>
-      <a:ln w="9525" cap="flat" cmpd="sng" algn="ctr">
-        <a:solidFill>
-          <a:schemeClr val="tx1">
-            <a:lumMod val="35000"/>
-            <a:lumOff val="65000"/>
-          </a:schemeClr>
-        </a:solidFill>
-        <a:round/>
-      </a:ln>
-    </cs:spPr>
-  </cs:dropLine>
-  <cs:errorBar>
-    <cs:lnRef idx="0"/>
-    <cs:fillRef idx="0"/>
-    <cs:effectRef idx="0"/>
-    <cs:fontRef idx="minor">
-      <a:schemeClr val="tx1"/>
-    </cs:fontRef>
-    <cs:spPr>
-      <a:ln w="9525" cap="flat" cmpd="sng" algn="ctr">
-        <a:solidFill>
-          <a:schemeClr val="tx1">
-            <a:lumMod val="65000"/>
-            <a:lumOff val="35000"/>
-          </a:schemeClr>
-        </a:solidFill>
-        <a:round/>
-      </a:ln>
-    </cs:spPr>
-  </cs:errorBar>
-  <cs:floor>
-    <cs:lnRef idx="0"/>
-    <cs:fillRef idx="0"/>
-    <cs:effectRef idx="0"/>
-    <cs:fontRef idx="minor">
-      <a:schemeClr val="tx1"/>
-    </cs:fontRef>
-    <cs:spPr>
-      <a:noFill/>
-      <a:ln>
-        <a:noFill/>
-      </a:ln>
-    </cs:spPr>
-  </cs:floor>
-  <cs:gridlineMajor>
-    <cs:lnRef idx="0"/>
-    <cs:fillRef idx="0"/>
-    <cs:effectRef idx="0"/>
-    <cs:fontRef idx="minor">
-      <a:schemeClr val="tx1"/>
-    </cs:fontRef>
-    <cs:spPr>
-      <a:ln w="9525" cap="flat" cmpd="sng" algn="ctr">
-        <a:solidFill>
-          <a:schemeClr val="tx1">
-            <a:lumMod val="15000"/>
-            <a:lumOff val="85000"/>
-          </a:schemeClr>
-        </a:solidFill>
-        <a:round/>
-      </a:ln>
-    </cs:spPr>
-  </cs:gridlineMajor>
-  <cs:gridlineMinor>
-    <cs:lnRef idx="0"/>
-    <cs:fillRef idx="0"/>
-    <cs:effectRef idx="0"/>
-    <cs:fontRef idx="minor">
-      <a:schemeClr val="tx1"/>
-    </cs:fontRef>
-    <cs:spPr>
-      <a:ln w="9525" cap="flat" cmpd="sng" algn="ctr">
-        <a:solidFill>
-          <a:schemeClr val="tx1">
-            <a:lumMod val="5000"/>
-            <a:lumOff val="95000"/>
-          </a:schemeClr>
-        </a:solidFill>
-        <a:round/>
-      </a:ln>
-    </cs:spPr>
-  </cs:gridlineMinor>
-  <cs:hiLoLine>
-    <cs:lnRef idx="0"/>
-    <cs:fillRef idx="0"/>
-    <cs:effectRef idx="0"/>
-    <cs:fontRef idx="minor">
-      <a:schemeClr val="tx1"/>
-    </cs:fontRef>
-    <cs:spPr>
-      <a:ln w="9525" cap="flat" cmpd="sng" algn="ctr">
-        <a:solidFill>
-          <a:schemeClr val="tx1">
-            <a:lumMod val="75000"/>
-            <a:lumOff val="25000"/>
-          </a:schemeClr>
-        </a:solidFill>
-        <a:round/>
-      </a:ln>
-    </cs:spPr>
-  </cs:hiLoLine>
-  <cs:leaderLine>
-    <cs:lnRef idx="0"/>
-    <cs:fillRef idx="0"/>
-    <cs:effectRef idx="0"/>
-    <cs:fontRef idx="minor">
-      <a:schemeClr val="tx1"/>
-    </cs:fontRef>
-    <cs:spPr>
-      <a:ln w="9525" cap="flat" cmpd="sng" algn="ctr">
-        <a:solidFill>
-          <a:schemeClr val="tx1">
-            <a:lumMod val="35000"/>
-            <a:lumOff val="65000"/>
-          </a:schemeClr>
-        </a:solidFill>
-        <a:round/>
-      </a:ln>
-    </cs:spPr>
-  </cs:leaderLine>
-  <cs:legend>
-    <cs:lnRef idx="0"/>
-    <cs:fillRef idx="0"/>
-    <cs:effectRef idx="0"/>
-    <cs:fontRef idx="minor">
-      <a:schemeClr val="tx1">
-        <a:lumMod val="65000"/>
-        <a:lumOff val="35000"/>
-      </a:schemeClr>
-    </cs:fontRef>
-    <cs:defRPr sz="1197" kern="1200"/>
-  </cs:legend>
-  <cs:plotArea mods="allowNoFillOverride allowNoLineOverride">
-    <cs:lnRef idx="0"/>
-    <cs:fillRef idx="0"/>
-    <cs:effectRef idx="0"/>
-    <cs:fontRef idx="minor">
-      <a:schemeClr val="tx1"/>
-    </cs:fontRef>
-  </cs:plotArea>
-  <cs:plotArea3D mods="allowNoFillOverride allowNoLineOverride">
-    <cs:lnRef idx="0"/>
-    <cs:fillRef idx="0"/>
-    <cs:effectRef idx="0"/>
-    <cs:fontRef idx="minor">
-      <a:schemeClr val="tx1"/>
-    </cs:fontRef>
-  </cs:plotArea3D>
-  <cs:seriesAxis>
-    <cs:lnRef idx="0"/>
-    <cs:fillRef idx="0"/>
-    <cs:effectRef idx="0"/>
-    <cs:fontRef idx="minor">
-      <a:schemeClr val="tx1">
-        <a:lumMod val="65000"/>
-        <a:lumOff val="35000"/>
-      </a:schemeClr>
-    </cs:fontRef>
-    <cs:defRPr sz="1197" kern="1200"/>
-  </cs:seriesAxis>
-  <cs:seriesLine>
-    <cs:lnRef idx="0"/>
-    <cs:fillRef idx="0"/>
-    <cs:effectRef idx="0"/>
-    <cs:fontRef idx="minor">
-      <a:schemeClr val="tx1"/>
-    </cs:fontRef>
-    <cs:spPr>
-      <a:ln w="9525" cap="flat" cmpd="sng" algn="ctr">
-        <a:solidFill>
-          <a:schemeClr val="tx1">
-            <a:lumMod val="35000"/>
-            <a:lumOff val="65000"/>
-          </a:schemeClr>
-        </a:solidFill>
-        <a:round/>
-      </a:ln>
-    </cs:spPr>
-  </cs:seriesLine>
-  <cs:title>
-    <cs:lnRef idx="0"/>
-    <cs:fillRef idx="0"/>
-    <cs:effectRef idx="0"/>
-    <cs:fontRef idx="minor">
-      <a:schemeClr val="tx1">
-        <a:lumMod val="65000"/>
-        <a:lumOff val="35000"/>
-      </a:schemeClr>
-    </cs:fontRef>
-    <cs:defRPr sz="1862" b="0" kern="1200" spc="0" baseline="0"/>
-  </cs:title>
-  <cs:trendline>
-    <cs:lnRef idx="0">
-      <cs:styleClr val="auto"/>
-    </cs:lnRef>
-    <cs:fillRef idx="0"/>
-    <cs:effectRef idx="0"/>
-    <cs:fontRef idx="minor">
-      <a:schemeClr val="tx1"/>
-    </cs:fontRef>
-    <cs:spPr>
-      <a:ln w="19050" cap="rnd">
-        <a:solidFill>
-          <a:schemeClr val="phClr"/>
-        </a:solidFill>
-        <a:prstDash val="sysDot"/>
-      </a:ln>
-    </cs:spPr>
-  </cs:trendline>
-  <cs:trendlineLabel>
-    <cs:lnRef idx="0"/>
-    <cs:fillRef idx="0"/>
-    <cs:effectRef idx="0"/>
-    <cs:fontRef idx="minor">
-      <a:schemeClr val="tx1">
-        <a:lumMod val="65000"/>
-        <a:lumOff val="35000"/>
-      </a:schemeClr>
-    </cs:fontRef>
-    <cs:defRPr sz="1197" kern="1200"/>
-  </cs:trendlineLabel>
-  <cs:upBar>
-    <cs:lnRef idx="0"/>
-    <cs:fillRef idx="0"/>
-    <cs:effectRef idx="0"/>
-    <cs:fontRef idx="minor">
-      <a:schemeClr val="dk1"/>
-    </cs:fontRef>
-    <cs:spPr>
-      <a:solidFill>
-        <a:schemeClr val="lt1"/>
-      </a:solidFill>
-      <a:ln w="9525">
-        <a:solidFill>
-          <a:schemeClr val="tx1">
-            <a:lumMod val="15000"/>
-            <a:lumOff val="85000"/>
-          </a:schemeClr>
-        </a:solidFill>
-      </a:ln>
-    </cs:spPr>
-  </cs:upBar>
-  <cs:valueAxis>
-    <cs:lnRef idx="0"/>
-    <cs:fillRef idx="0"/>
-    <cs:effectRef idx="0"/>
-    <cs:fontRef idx="minor">
-      <a:schemeClr val="tx1">
-        <a:lumMod val="65000"/>
-        <a:lumOff val="35000"/>
-      </a:schemeClr>
-    </cs:fontRef>
-    <cs:defRPr sz="1197" kern="1200"/>
-  </cs:valueAxis>
-  <cs:wall>
-    <cs:lnRef idx="0"/>
-    <cs:fillRef idx="0"/>
-    <cs:effectRef idx="0"/>
-    <cs:fontRef idx="minor">
-      <a:schemeClr val="tx1"/>
-    </cs:fontRef>
-    <cs:spPr>
-      <a:noFill/>
-      <a:ln>
-        <a:noFill/>
-      </a:ln>
-    </cs:spPr>
-  </cs:wall>
-</cs:chartStyle>
 </file>
 
 <file path=ppt/handoutMasters/handoutMaster1.xml><?xml version="1.0" encoding="utf-8"?>
@@ -7514,11 +6963,7 @@
             </a:r>
             <a:r>
               <a:rPr lang="zh-CN" altLang="en-US" dirty="0" smtClean="0"/>
-              <a:t>分享，分享更利于个人和</a:t>
-            </a:r>
-            <a:r>
-              <a:rPr lang="zh-CN" altLang="en-US" dirty="0" smtClean="0"/>
-              <a:t>团队</a:t>
+              <a:t>分享，分享更利于个人和团队</a:t>
             </a:r>
             <a:r>
               <a:rPr lang="zh-CN" altLang="en-US" dirty="0"/>
@@ -11621,10 +11066,18 @@
           <a:p>
             <a:r>
               <a:rPr lang="en-US" altLang="zh-CN" sz="2000" dirty="0"/>
-              <a:t>1)Spring</a:t>
-            </a:r>
-            <a:r>
-              <a:rPr lang="zh-CN" altLang="en-US" sz="2000" dirty="0"/>
+              <a:t>a</a:t>
+            </a:r>
+            <a:r>
+              <a:rPr lang="zh-CN" altLang="en-US" sz="2000" dirty="0" smtClean="0"/>
+              <a:t>、</a:t>
+            </a:r>
+            <a:r>
+              <a:rPr lang="en-US" altLang="zh-CN" sz="2000" dirty="0" smtClean="0"/>
+              <a:t>Spring</a:t>
+            </a:r>
+            <a:r>
+              <a:rPr lang="zh-CN" altLang="en-US" sz="2000" dirty="0" smtClean="0"/>
               <a:t> </a:t>
             </a:r>
             <a:r>
@@ -11636,12 +11089,28 @@
               <a:t>        </a:t>
             </a:r>
             <a:r>
+              <a:rPr lang="en-US" altLang="zh-CN" sz="2000" dirty="0" smtClean="0"/>
+              <a:t>b</a:t>
+            </a:r>
+            <a:r>
+              <a:rPr lang="zh-CN" altLang="en-US" sz="2000" dirty="0" smtClean="0"/>
+              <a:t>、</a:t>
+            </a:r>
+            <a:r>
+              <a:rPr lang="en-US" altLang="zh-CN" sz="2000" dirty="0" smtClean="0"/>
+              <a:t>Spring </a:t>
+            </a:r>
+            <a:r>
               <a:rPr lang="en-US" altLang="zh-CN" sz="2000" dirty="0"/>
-              <a:t>2)Spring Boot         </a:t>
+              <a:t>Boot         </a:t>
             </a:r>
             <a:r>
               <a:rPr lang="en-US" altLang="zh-CN" sz="2000" dirty="0" smtClean="0"/>
-              <a:t>3)</a:t>
+              <a:t>c</a:t>
+            </a:r>
+            <a:r>
+              <a:rPr lang="zh-CN" altLang="en-US" sz="2000" dirty="0" smtClean="0"/>
+              <a:t>、</a:t>
             </a:r>
             <a:r>
               <a:rPr lang="en-US" altLang="zh-CN" sz="2000" dirty="0" err="1" smtClean="0"/>
@@ -12548,39 +12017,51 @@
             </a:pPr>
             <a:r>
               <a:rPr lang="en-US" altLang="zh-CN" dirty="0" smtClean="0"/>
-              <a:t>1</a:t>
-            </a:r>
-            <a:r>
-              <a:rPr lang="en-US" altLang="zh-CN" dirty="0"/>
-              <a:t>)</a:t>
+              <a:t>a</a:t>
+            </a:r>
+            <a:r>
+              <a:rPr lang="zh-CN" altLang="en-US" dirty="0" smtClean="0"/>
+              <a:t>、债务</a:t>
             </a:r>
             <a:r>
               <a:rPr lang="zh-CN" altLang="en-US" dirty="0"/>
-              <a:t>债务融资</a:t>
+              <a:t>融资</a:t>
             </a:r>
             <a:r>
               <a:rPr lang="zh-CN" altLang="en-US" dirty="0" smtClean="0"/>
               <a:t>计划      </a:t>
             </a:r>
             <a:r>
-              <a:rPr lang="en-US" altLang="zh-CN" dirty="0"/>
-              <a:t>2)</a:t>
+              <a:rPr lang="en-US" altLang="zh-CN" dirty="0" smtClean="0"/>
+              <a:t>b</a:t>
+            </a:r>
+            <a:r>
+              <a:rPr lang="zh-CN" altLang="en-US" dirty="0" smtClean="0"/>
+              <a:t>、</a:t>
+            </a:r>
+            <a:r>
+              <a:rPr lang="zh-CN" altLang="en-US" dirty="0" smtClean="0"/>
+              <a:t>金融</a:t>
             </a:r>
             <a:r>
               <a:rPr lang="zh-CN" altLang="en-US" dirty="0"/>
-              <a:t>金融产品</a:t>
+              <a:t>产品</a:t>
             </a:r>
             <a:r>
               <a:rPr lang="zh-CN" altLang="en-US" dirty="0" smtClean="0"/>
               <a:t>发行      </a:t>
             </a:r>
             <a:r>
-              <a:rPr lang="en-US" altLang="zh-CN" dirty="0"/>
-              <a:t>3)</a:t>
+              <a:rPr lang="en-US" altLang="zh-CN" dirty="0" smtClean="0"/>
+              <a:t>c</a:t>
+            </a:r>
+            <a:r>
+              <a:rPr lang="zh-CN" altLang="en-US" dirty="0" smtClean="0"/>
+              <a:t>、金融资产</a:t>
             </a:r>
             <a:r>
               <a:rPr lang="zh-CN" altLang="en-US" dirty="0"/>
-              <a:t>金融资产转让</a:t>
+              <a:t>转让</a:t>
             </a:r>
             <a:r>
               <a:rPr lang="zh-CN" altLang="en-US" dirty="0" smtClean="0"/>
@@ -12624,11 +12105,11 @@
             </a:pPr>
             <a:r>
               <a:rPr lang="en-US" altLang="zh-CN" dirty="0" smtClean="0"/>
-              <a:t>1</a:t>
-            </a:r>
-            <a:r>
-              <a:rPr lang="en-US" altLang="zh-CN" dirty="0"/>
-              <a:t>)</a:t>
+              <a:t>a</a:t>
+            </a:r>
+            <a:r>
+              <a:rPr lang="zh-CN" altLang="en-US" dirty="0" smtClean="0"/>
+              <a:t>、</a:t>
             </a:r>
             <a:r>
               <a:rPr lang="zh-CN" altLang="en-US" dirty="0" smtClean="0"/>
@@ -12636,23 +12117,23 @@
             </a:r>
             <a:r>
               <a:rPr lang="en-US" altLang="zh-CN" dirty="0" smtClean="0"/>
-              <a:t>2)</a:t>
+              <a:t>b</a:t>
             </a:r>
             <a:r>
               <a:rPr lang="zh-CN" altLang="en-US" dirty="0" smtClean="0"/>
-              <a:t>交易     </a:t>
+              <a:t>、交易     </a:t>
             </a:r>
             <a:r>
               <a:rPr lang="en-US" altLang="zh-CN" dirty="0" smtClean="0"/>
-              <a:t>3</a:t>
-            </a:r>
-            <a:r>
-              <a:rPr lang="en-US" altLang="zh-CN" dirty="0"/>
-              <a:t>)</a:t>
+              <a:t>c</a:t>
             </a:r>
             <a:r>
               <a:rPr lang="zh-CN" altLang="en-US" dirty="0" smtClean="0"/>
-              <a:t>清结算</a:t>
+              <a:t>、清</a:t>
+            </a:r>
+            <a:r>
+              <a:rPr lang="zh-CN" altLang="en-US" dirty="0" smtClean="0"/>
+              <a:t>结算</a:t>
             </a:r>
             <a:endParaRPr lang="en-US" altLang="zh-CN" dirty="0" smtClean="0"/>
           </a:p>
@@ -12939,7 +12420,7 @@
           <p:nvPr>
             <p:extLst>
               <p:ext uri="{D42A27DB-BD31-4B8C-83A1-F6EECF244321}">
-                <p14:modId xmlns:p14="http://schemas.microsoft.com/office/powerpoint/2010/main" val="3976528091"/>
+                <p14:modId xmlns:p14="http://schemas.microsoft.com/office/powerpoint/2010/main" val="897878726"/>
               </p:ext>
             </p:extLst>
           </p:nvPr>

--- a/doc/src/main/resources/qdfae/青金中心连宏伟转正答辩.pptx
+++ b/doc/src/main/resources/qdfae/青金中心连宏伟转正答辩.pptx
@@ -14,10 +14,10 @@
   <p:sldIdLst>
     <p:sldId id="364" r:id="rId3"/>
     <p:sldId id="540" r:id="rId4"/>
-    <p:sldId id="541" r:id="rId5"/>
-    <p:sldId id="551" r:id="rId6"/>
-    <p:sldId id="546" r:id="rId7"/>
-    <p:sldId id="550" r:id="rId8"/>
+    <p:sldId id="550" r:id="rId5"/>
+    <p:sldId id="541" r:id="rId6"/>
+    <p:sldId id="551" r:id="rId7"/>
+    <p:sldId id="546" r:id="rId8"/>
     <p:sldId id="548" r:id="rId9"/>
     <p:sldId id="543" r:id="rId10"/>
     <p:sldId id="544" r:id="rId11"/>
@@ -41,16 +41,16 @@
       <p:regular r:id="rId19"/>
     </p:embeddedFont>
     <p:embeddedFont>
-      <p:font typeface="楷体_GB2312" panose="02010600030101010101" charset="-122"/>
+      <p:font typeface="微软雅黑" panose="020B0503020204020204" pitchFamily="34" charset="-122"/>
       <p:regular r:id="rId20"/>
-    </p:embeddedFont>
-    <p:embeddedFont>
-      <p:font typeface="微软雅黑" panose="020B0503020204020204" pitchFamily="34" charset="-122"/>
-      <p:regular r:id="rId21"/>
-      <p:bold r:id="rId22"/>
+      <p:bold r:id="rId21"/>
     </p:embeddedFont>
     <p:embeddedFont>
       <p:font typeface="华文楷体" panose="02010600040101010101" pitchFamily="2" charset="-122"/>
+      <p:regular r:id="rId22"/>
+    </p:embeddedFont>
+    <p:embeddedFont>
+      <p:font typeface="楷体_GB2312" panose="02010600030101010101" charset="-122"/>
       <p:regular r:id="rId23"/>
     </p:embeddedFont>
   </p:embeddedFontLst>
@@ -344,20 +344,12 @@
                       </a:defRPr>
                     </a:pPr>
                     <a:r>
-                      <a:rPr lang="en-US" altLang="zh-CN" sz="1800" dirty="0" smtClean="0"/>
+                      <a:rPr lang="en-US" altLang="zh-CN" sz="1600" dirty="0" smtClean="0"/>
                       <a:t>1</a:t>
                     </a:r>
                     <a:r>
-                      <a:rPr lang="zh-CN" altLang="en-US" sz="1800" dirty="0" smtClean="0"/>
-                      <a:t>、了解了</a:t>
-                    </a:r>
-                    <a:r>
-                      <a:rPr lang="zh-CN" altLang="en-US" sz="1800" dirty="0" smtClean="0"/>
-                      <a:t>交易中心系统</a:t>
-                    </a:r>
-                    <a:r>
-                      <a:rPr lang="zh-CN" altLang="en-US" sz="1800" dirty="0" smtClean="0"/>
-                      <a:t>架构</a:t>
+                      <a:rPr lang="zh-CN" altLang="en-US" sz="1600" dirty="0" smtClean="0"/>
+                      <a:t>、了解了交易中心系统架构</a:t>
                     </a:r>
                   </a:p>
                   <a:p>
@@ -372,12 +364,16 @@
                       </a:defRPr>
                     </a:pPr>
                     <a:r>
-                      <a:rPr lang="en-US" altLang="zh-CN" sz="1800" dirty="0" smtClean="0"/>
-                      <a:t>3</a:t>
+                      <a:rPr lang="en-US" altLang="zh-CN" sz="1600" smtClean="0"/>
+                      <a:t>2</a:t>
                     </a:r>
                     <a:r>
-                      <a:rPr lang="zh-CN" altLang="en-US" sz="1800" dirty="0" smtClean="0"/>
-                      <a:t>、掌握了微服务相关技术</a:t>
+                      <a:rPr lang="zh-CN" altLang="en-US" sz="1600" smtClean="0"/>
+                      <a:t>、</a:t>
+                    </a:r>
+                    <a:r>
+                      <a:rPr lang="zh-CN" altLang="en-US" sz="1600" dirty="0" smtClean="0"/>
+                      <a:t>掌握了微服务相关技术</a:t>
                     </a:r>
                   </a:p>
                   <a:p>
@@ -392,20 +388,12 @@
                       </a:defRPr>
                     </a:pPr>
                     <a:r>
-                      <a:rPr lang="en-US" altLang="zh-CN" sz="1800" dirty="0" smtClean="0"/>
+                      <a:rPr lang="en-US" altLang="zh-CN" sz="1600" dirty="0" smtClean="0"/>
                       <a:t>3</a:t>
                     </a:r>
                     <a:r>
-                      <a:rPr lang="zh-CN" altLang="en-US" sz="1800" dirty="0" smtClean="0"/>
-                      <a:t>、熟悉了交易</a:t>
-                    </a:r>
-                    <a:r>
-                      <a:rPr lang="zh-CN" altLang="en-US" sz="1800" dirty="0" smtClean="0"/>
-                      <a:t>中心业务类型</a:t>
-                    </a:r>
-                    <a:r>
-                      <a:rPr lang="zh-CN" altLang="en-US" sz="1800" dirty="0" smtClean="0"/>
-                      <a:t>和业务模式</a:t>
+                      <a:rPr lang="zh-CN" altLang="en-US" sz="1600" dirty="0" smtClean="0"/>
+                      <a:t>、熟悉了交易中心业务类型和业务模式</a:t>
                     </a:r>
                   </a:p>
                   <a:p>
@@ -420,11 +408,11 @@
                       </a:defRPr>
                     </a:pPr>
                     <a:r>
-                      <a:rPr lang="en-US" altLang="zh-CN" sz="1800" dirty="0" smtClean="0"/>
+                      <a:rPr lang="en-US" altLang="zh-CN" sz="1600" dirty="0" smtClean="0"/>
                       <a:t>4</a:t>
                     </a:r>
                     <a:r>
-                      <a:rPr lang="zh-CN" altLang="en-US" sz="1800" dirty="0" smtClean="0"/>
+                      <a:rPr lang="zh-CN" altLang="en-US" sz="1600" dirty="0" smtClean="0"/>
                       <a:t>、通过熟悉系统画出业务流程图</a:t>
                     </a:r>
                   </a:p>
@@ -462,7 +450,7 @@
                   <c15:layout>
                     <c:manualLayout>
                       <c:w val="0.19101367397204566"/>
-                      <c:h val="0.62220272989176006"/>
+                      <c:h val="0.47980771868255773"/>
                     </c:manualLayout>
                   </c15:layout>
                 </c:ext>
@@ -492,11 +480,11 @@
                       </a:defRPr>
                     </a:pPr>
                     <a:r>
-                      <a:rPr lang="en-US" altLang="zh-CN" sz="1800" dirty="0" smtClean="0"/>
+                      <a:rPr lang="en-US" altLang="zh-CN" sz="1600" dirty="0" smtClean="0"/>
                       <a:t>1</a:t>
                     </a:r>
                     <a:r>
-                      <a:rPr lang="zh-CN" altLang="en-US" sz="1800" dirty="0" smtClean="0"/>
+                      <a:rPr lang="zh-CN" altLang="en-US" sz="1600" dirty="0" smtClean="0"/>
                       <a:t>、通过日常开发熟悉了软件的生命周期</a:t>
                     </a:r>
                   </a:p>
@@ -512,14 +500,14 @@
                       </a:defRPr>
                     </a:pPr>
                     <a:r>
-                      <a:rPr lang="en-US" altLang="zh-CN" sz="1800" dirty="0" smtClean="0"/>
+                      <a:rPr lang="en-US" altLang="zh-CN" sz="1600" dirty="0" smtClean="0"/>
                       <a:t>2</a:t>
                     </a:r>
                     <a:r>
-                      <a:rPr lang="zh-CN" altLang="en-US" sz="1800" dirty="0" smtClean="0"/>
+                      <a:rPr lang="zh-CN" altLang="en-US" sz="1600" dirty="0" smtClean="0"/>
                       <a:t>、对于开发过程中遇到问题，学习他人思考和解决问题的思路，形成自己解决问题的方式</a:t>
                     </a:r>
-                    <a:endParaRPr lang="zh-CN" altLang="en-US" sz="1800" dirty="0"/>
+                    <a:endParaRPr lang="zh-CN" altLang="en-US" sz="1600" dirty="0"/>
                   </a:p>
                 </c:rich>
               </c:tx>
@@ -555,7 +543,7 @@
                   <c15:layout>
                     <c:manualLayout>
                       <c:w val="0.19101367397204566"/>
-                      <c:h val="0.52557754371408705"/>
+                      <c:h val="0.41115298113526383"/>
                     </c:manualLayout>
                   </c15:layout>
                 </c:ext>
@@ -585,11 +573,11 @@
                       </a:defRPr>
                     </a:pPr>
                     <a:r>
-                      <a:rPr lang="en-US" altLang="zh-CN" sz="1800" dirty="0" smtClean="0"/>
+                      <a:rPr lang="en-US" altLang="zh-CN" sz="1600" dirty="0" smtClean="0"/>
                       <a:t>1</a:t>
                     </a:r>
                     <a:r>
-                      <a:rPr lang="zh-CN" altLang="en-US" sz="1800" dirty="0" smtClean="0"/>
+                      <a:rPr lang="zh-CN" altLang="en-US" sz="1600" dirty="0" smtClean="0"/>
                       <a:t>、熟悉系统常规上线的升级流程</a:t>
                     </a:r>
                   </a:p>
@@ -605,11 +593,11 @@
                       </a:defRPr>
                     </a:pPr>
                     <a:r>
-                      <a:rPr lang="en-US" altLang="zh-CN" sz="1800" dirty="0" smtClean="0"/>
+                      <a:rPr lang="en-US" altLang="zh-CN" sz="1600" dirty="0" smtClean="0"/>
                       <a:t>2</a:t>
                     </a:r>
                     <a:r>
-                      <a:rPr lang="zh-CN" altLang="en-US" sz="1800" dirty="0" smtClean="0"/>
+                      <a:rPr lang="zh-CN" altLang="en-US" sz="1600" dirty="0" smtClean="0"/>
                       <a:t>、可以独立对功能需求进行开发</a:t>
                     </a:r>
                   </a:p>
@@ -625,26 +613,14 @@
                       </a:defRPr>
                     </a:pPr>
                     <a:r>
-                      <a:rPr lang="en-US" altLang="zh-CN" sz="1800" dirty="0" smtClean="0"/>
+                      <a:rPr lang="en-US" altLang="zh-CN" sz="1600" dirty="0" smtClean="0"/>
                       <a:t>3</a:t>
                     </a:r>
                     <a:r>
-                      <a:rPr lang="zh-CN" altLang="en-US" sz="1800" dirty="0" smtClean="0"/>
-                      <a:t>、</a:t>
+                      <a:rPr lang="zh-CN" altLang="en-US" sz="1600" dirty="0" smtClean="0"/>
+                      <a:t>、对业务的理解更加深刻</a:t>
                     </a:r>
-                    <a:r>
-                      <a:rPr lang="zh-CN" altLang="en-US" sz="1800" smtClean="0"/>
-                      <a:t>对</a:t>
-                    </a:r>
-                    <a:r>
-                      <a:rPr lang="zh-CN" altLang="en-US" sz="1800" smtClean="0"/>
-                      <a:t>业务的理解更加</a:t>
-                    </a:r>
-                    <a:r>
-                      <a:rPr lang="zh-CN" altLang="en-US" sz="1800" dirty="0" smtClean="0"/>
-                      <a:t>深刻</a:t>
-                    </a:r>
-                    <a:endParaRPr lang="zh-CN" altLang="en-US" sz="1800" dirty="0"/>
+                    <a:endParaRPr lang="zh-CN" altLang="en-US" sz="1600" dirty="0"/>
                   </a:p>
                 </c:rich>
               </c:tx>
@@ -680,7 +656,7 @@
                   <c15:layout>
                     <c:manualLayout>
                       <c:w val="0.18017051454772173"/>
-                      <c:h val="0.42797329172537224"/>
+                      <c:h val="0.37203239446461422"/>
                     </c:manualLayout>
                   </c15:layout>
                 </c:ext>
@@ -1071,7 +1047,7 @@
               <a:pPr>
                 <a:defRPr/>
               </a:pPr>
-              <a:t>2018/1/23</a:t>
+              <a:t>2018/1/24</a:t>
             </a:fld>
             <a:endParaRPr lang="zh-CN" altLang="en-US"/>
           </a:p>
@@ -6891,7 +6867,7 @@
         <p:spPr>
           <a:xfrm>
             <a:off x="1235460" y="1316957"/>
-            <a:ext cx="10153128" cy="3600986"/>
+            <a:ext cx="10153128" cy="4431983"/>
           </a:xfrm>
           <a:prstGeom prst="rect">
             <a:avLst/>
@@ -6984,7 +6960,28 @@
             </a:r>
             <a:r>
               <a:rPr lang="zh-CN" altLang="en-US" dirty="0"/>
-              <a:t>、谦虚上进，胆大心细，思维严谨，思路清晰</a:t>
+              <a:t>、谦虚上进，胆大心细，思维严谨，思路</a:t>
+            </a:r>
+            <a:r>
+              <a:rPr lang="zh-CN" altLang="en-US" dirty="0" smtClean="0"/>
+              <a:t>清晰</a:t>
+            </a:r>
+            <a:endParaRPr lang="en-US" altLang="zh-CN" dirty="0" smtClean="0"/>
+          </a:p>
+          <a:p>
+            <a:endParaRPr lang="en-US" altLang="zh-CN" dirty="0" smtClean="0"/>
+          </a:p>
+          <a:p>
+            <a:endParaRPr lang="en-US" altLang="zh-CN" dirty="0"/>
+          </a:p>
+          <a:p>
+            <a:r>
+              <a:rPr lang="en-US" altLang="zh-CN" dirty="0" smtClean="0"/>
+              <a:t>5</a:t>
+            </a:r>
+            <a:r>
+              <a:rPr lang="zh-CN" altLang="en-US" dirty="0" smtClean="0"/>
+              <a:t>、积极发现问题，提出改进建议</a:t>
             </a:r>
             <a:endParaRPr lang="en-US" altLang="zh-CN" dirty="0"/>
           </a:p>
@@ -10070,11 +10067,25 @@
               <a:buChar char="•"/>
             </a:pPr>
             <a:r>
+              <a:rPr lang="zh-CN" altLang="en-US" b="1" dirty="0">
+                <a:latin typeface="华文楷体" panose="02010600040101010101" pitchFamily="2" charset="-122"/>
+                <a:ea typeface="华文楷体" panose="02010600040101010101" pitchFamily="2" charset="-122"/>
+              </a:rPr>
+              <a:t>收获</a:t>
+            </a:r>
+            <a:r>
+              <a:rPr lang="zh-CN" altLang="zh-CN" b="1" dirty="0" smtClean="0">
+                <a:latin typeface="华文楷体" panose="02010600040101010101" pitchFamily="2" charset="-122"/>
+                <a:ea typeface="华文楷体" panose="02010600040101010101" pitchFamily="2" charset="-122"/>
+              </a:rPr>
+              <a:t>与</a:t>
+            </a:r>
+            <a:r>
               <a:rPr lang="zh-CN" altLang="zh-CN" b="1" dirty="0">
                 <a:latin typeface="华文楷体" panose="02010600040101010101" pitchFamily="2" charset="-122"/>
                 <a:ea typeface="华文楷体" panose="02010600040101010101" pitchFamily="2" charset="-122"/>
               </a:rPr>
-              <a:t>问题与不足</a:t>
+              <a:t>不足</a:t>
             </a:r>
             <a:endParaRPr lang="zh-CN" altLang="en-US" b="1" dirty="0">
               <a:latin typeface="华文楷体" panose="02010600040101010101" pitchFamily="2" charset="-122"/>
@@ -10614,7 +10625,7 @@
           <a:lstStyle/>
           <a:p>
             <a:r>
-              <a:rPr lang="zh-CN" altLang="en-US" sz="4000">
+              <a:rPr lang="zh-CN" altLang="en-US" sz="4000" dirty="0">
                 <a:ln w="0"/>
                 <a:effectLst>
                   <a:outerShdw blurRad="38100" dist="19050" dir="2700000" algn="tl" rotWithShape="0">
@@ -10628,63 +10639,15 @@
               </a:rPr>
               <a:t>重点工作</a:t>
             </a:r>
-            <a:endParaRPr lang="zh-CN" altLang="en-US" sz="4000" dirty="0">
-              <a:ln w="0"/>
-              <a:effectLst>
-                <a:outerShdw blurRad="38100" dist="19050" dir="2700000" algn="tl" rotWithShape="0">
-                  <a:schemeClr val="dk1">
-                    <a:alpha val="40000"/>
-                  </a:schemeClr>
-                </a:outerShdw>
-              </a:effectLst>
-              <a:latin typeface="华文楷体" panose="02010600040101010101" pitchFamily="2" charset="-122"/>
-              <a:ea typeface="华文楷体" panose="02010600040101010101" pitchFamily="2" charset="-122"/>
-            </a:endParaRPr>
           </a:p>
         </p:txBody>
       </p:sp>
-      <p:pic>
-        <p:nvPicPr>
-          <p:cNvPr id="15" name="图片 14" descr="图片包含 屏幕截图&#10;&#10;已生成极高可信度的说明">
+      <p:sp>
+        <p:nvSpPr>
+          <p:cNvPr id="5" name="文本框 4">
             <a:extLst>
               <a:ext uri="{FF2B5EF4-FFF2-40B4-BE49-F238E27FC236}">
-                <a16:creationId xmlns:a16="http://schemas.microsoft.com/office/drawing/2014/main" id="{D5A83928-D8B8-4E2E-9673-C26F26FA4A6C}"/>
-              </a:ext>
-            </a:extLst>
-          </p:cNvPr>
-          <p:cNvPicPr>
-            <a:picLocks noChangeAspect="1"/>
-          </p:cNvPicPr>
-          <p:nvPr/>
-        </p:nvPicPr>
-        <p:blipFill>
-          <a:blip r:embed="rId3">
-            <a:extLst>
-              <a:ext uri="{28A0092B-C50C-407E-A947-70E740481C1C}">
-                <a14:useLocalDpi xmlns:a14="http://schemas.microsoft.com/office/drawing/2010/main" val="0"/>
-              </a:ext>
-            </a:extLst>
-          </a:blip>
-          <a:stretch>
-            <a:fillRect/>
-          </a:stretch>
-        </p:blipFill>
-        <p:spPr>
-          <a:xfrm>
-            <a:off x="1127447" y="1844824"/>
-            <a:ext cx="9845715" cy="4152077"/>
-          </a:xfrm>
-          <a:prstGeom prst="rect">
-            <a:avLst/>
-          </a:prstGeom>
-        </p:spPr>
-      </p:pic>
-      <p:sp>
-        <p:nvSpPr>
-          <p:cNvPr id="19" name="文本框 18">
-            <a:extLst>
-              <a:ext uri="{FF2B5EF4-FFF2-40B4-BE49-F238E27FC236}">
-                <a16:creationId xmlns:a16="http://schemas.microsoft.com/office/drawing/2014/main" id="{3988C825-AF79-4B14-BCC4-C0A2CE556DA0}"/>
+                <a16:creationId xmlns:a16="http://schemas.microsoft.com/office/drawing/2014/main" id="{E89C2F03-8DB5-495E-994C-8464A57B96B8}"/>
               </a:ext>
             </a:extLst>
           </p:cNvPr>
@@ -10693,8 +10656,8 @@
         </p:nvSpPr>
         <p:spPr>
           <a:xfrm>
-            <a:off x="1487488" y="1040542"/>
-            <a:ext cx="9505056" cy="461665"/>
+            <a:off x="476455" y="1988840"/>
+            <a:ext cx="11737304" cy="1200329"/>
           </a:xfrm>
           <a:prstGeom prst="rect">
             <a:avLst/>
@@ -10707,28 +10670,78 @@
           </a:bodyPr>
           <a:lstStyle/>
           <a:p>
-            <a:pPr algn="just"/>
-            <a:r>
-              <a:rPr lang="en-US" altLang="zh-CN" sz="2400" dirty="0"/>
-              <a:t>                                       </a:t>
-            </a:r>
-            <a:r>
-              <a:rPr lang="zh-CN" altLang="en-US" sz="2400" dirty="0">
-                <a:solidFill>
-                  <a:srgbClr val="FF0000"/>
-                </a:solidFill>
-              </a:rPr>
-              <a:t>技术之系统架构</a:t>
-            </a:r>
+            <a:endParaRPr lang="en-US" altLang="zh-CN" dirty="0"/>
+          </a:p>
+          <a:p>
+            <a:endParaRPr lang="en-US" altLang="zh-CN" dirty="0"/>
+          </a:p>
+          <a:p>
+            <a:endParaRPr lang="en-US" altLang="zh-CN" dirty="0"/>
+          </a:p>
+          <a:p>
+            <a:endParaRPr lang="zh-CN" altLang="en-US" dirty="0"/>
           </a:p>
         </p:txBody>
       </p:sp>
       <p:sp>
         <p:nvSpPr>
-          <p:cNvPr id="21" name="文本框 20">
+          <p:cNvPr id="6" name="矩形: 圆角 5">
             <a:extLst>
               <a:ext uri="{FF2B5EF4-FFF2-40B4-BE49-F238E27FC236}">
-                <a16:creationId xmlns:a16="http://schemas.microsoft.com/office/drawing/2014/main" id="{0D8A0544-4977-4E2C-9687-8AA05A0DC04B}"/>
+                <a16:creationId xmlns:a16="http://schemas.microsoft.com/office/drawing/2014/main" id="{84F79470-0B47-4EBB-9AB1-149217802476}"/>
+              </a:ext>
+            </a:extLst>
+          </p:cNvPr>
+          <p:cNvSpPr/>
+          <p:nvPr/>
+        </p:nvSpPr>
+        <p:spPr>
+          <a:xfrm>
+            <a:off x="623392" y="1040542"/>
+            <a:ext cx="11092153" cy="5052754"/>
+          </a:xfrm>
+          <a:prstGeom prst="roundRect">
+            <a:avLst/>
+          </a:prstGeom>
+          <a:noFill/>
+          <a:ln>
+            <a:solidFill>
+              <a:srgbClr val="FF0000"/>
+            </a:solidFill>
+            <a:prstDash val="lgDash"/>
+          </a:ln>
+        </p:spPr>
+        <p:style>
+          <a:lnRef idx="2">
+            <a:schemeClr val="accent1">
+              <a:shade val="50000"/>
+            </a:schemeClr>
+          </a:lnRef>
+          <a:fillRef idx="1">
+            <a:schemeClr val="accent1"/>
+          </a:fillRef>
+          <a:effectRef idx="0">
+            <a:schemeClr val="accent1"/>
+          </a:effectRef>
+          <a:fontRef idx="minor">
+            <a:schemeClr val="lt1"/>
+          </a:fontRef>
+        </p:style>
+        <p:txBody>
+          <a:bodyPr rtlCol="0" anchor="ctr"/>
+          <a:lstStyle/>
+          <a:p>
+            <a:pPr algn="ctr"/>
+            <a:endParaRPr lang="zh-CN" altLang="en-US"/>
+          </a:p>
+        </p:txBody>
+      </p:sp>
+      <p:sp>
+        <p:nvSpPr>
+          <p:cNvPr id="7" name="文本框 6">
+            <a:extLst>
+              <a:ext uri="{FF2B5EF4-FFF2-40B4-BE49-F238E27FC236}">
+                <a16:creationId xmlns:a16="http://schemas.microsoft.com/office/drawing/2014/main" id="{D8C390B1-EAF0-4222-98DF-2392C46D0F8C}"/>
               </a:ext>
             </a:extLst>
           </p:cNvPr>
@@ -10737,8 +10750,8 @@
         </p:nvSpPr>
         <p:spPr>
           <a:xfrm>
-            <a:off x="990963" y="1508017"/>
-            <a:ext cx="9982201" cy="677108"/>
+            <a:off x="1127448" y="1196752"/>
+            <a:ext cx="10297144" cy="3231654"/>
           </a:xfrm>
           <a:prstGeom prst="rect">
             <a:avLst/>
@@ -10751,28 +10764,240 @@
           </a:bodyPr>
           <a:lstStyle/>
           <a:p>
-            <a:r>
-              <a:rPr lang="en-US" altLang="zh-CN" dirty="0"/>
+            <a:pPr algn="ctr"/>
+            <a:r>
+              <a:rPr lang="zh-CN" altLang="en-US" sz="2400" dirty="0">
+                <a:solidFill>
+                  <a:srgbClr val="FF0000"/>
+                </a:solidFill>
+              </a:rPr>
+              <a:t>对</a:t>
+            </a:r>
+            <a:r>
+              <a:rPr lang="zh-CN" altLang="en-US" sz="2400" dirty="0" smtClean="0">
+                <a:solidFill>
+                  <a:srgbClr val="FF0000"/>
+                </a:solidFill>
+              </a:rPr>
+              <a:t>交易所</a:t>
+            </a:r>
+            <a:r>
+              <a:rPr lang="zh-CN" altLang="en-US" sz="2400" dirty="0">
+                <a:solidFill>
+                  <a:srgbClr val="FF0000"/>
+                </a:solidFill>
+              </a:rPr>
+              <a:t>系统</a:t>
+            </a:r>
+            <a:r>
+              <a:rPr lang="zh-CN" altLang="en-US" sz="2400" dirty="0" smtClean="0">
+                <a:solidFill>
+                  <a:srgbClr val="FF0000"/>
+                </a:solidFill>
+              </a:rPr>
+              <a:t>业务了解</a:t>
+            </a:r>
+            <a:endParaRPr lang="en-US" altLang="zh-CN" sz="2400" dirty="0"/>
+          </a:p>
+          <a:p>
+            <a:pPr>
+              <a:lnSpc>
+                <a:spcPct val="150000"/>
+              </a:lnSpc>
+            </a:pPr>
+            <a:r>
+              <a:rPr lang="en-US" altLang="zh-CN" sz="2000" dirty="0" smtClean="0">
+                <a:solidFill>
+                  <a:srgbClr val="0070C0"/>
+                </a:solidFill>
+              </a:rPr>
               <a:t>1</a:t>
             </a:r>
             <a:r>
-              <a:rPr lang="zh-CN" altLang="en-US" dirty="0"/>
-              <a:t>、</a:t>
-            </a:r>
-            <a:r>
-              <a:rPr lang="zh-CN" altLang="en-US" sz="2000" dirty="0"/>
-              <a:t>学习交易所三大运营平台的系统架构</a:t>
-            </a:r>
-          </a:p>
-          <a:p>
-            <a:endParaRPr lang="zh-CN" altLang="en-US" dirty="0"/>
+              <a:rPr lang="zh-CN" altLang="en-US" sz="2000" dirty="0" smtClean="0">
+                <a:solidFill>
+                  <a:srgbClr val="0070C0"/>
+                </a:solidFill>
+              </a:rPr>
+              <a:t>、交易所</a:t>
+            </a:r>
+            <a:r>
+              <a:rPr lang="zh-CN" altLang="en-US" sz="2000" dirty="0">
+                <a:solidFill>
+                  <a:srgbClr val="0070C0"/>
+                </a:solidFill>
+              </a:rPr>
+              <a:t>业务</a:t>
+            </a:r>
+            <a:r>
+              <a:rPr lang="zh-CN" altLang="en-US" sz="2000" dirty="0" smtClean="0">
+                <a:solidFill>
+                  <a:srgbClr val="0070C0"/>
+                </a:solidFill>
+              </a:rPr>
+              <a:t>类型</a:t>
+            </a:r>
+            <a:endParaRPr lang="en-US" altLang="zh-CN" sz="2000" dirty="0" smtClean="0">
+              <a:solidFill>
+                <a:srgbClr val="0070C0"/>
+              </a:solidFill>
+            </a:endParaRPr>
+          </a:p>
+          <a:p>
+            <a:pPr>
+              <a:lnSpc>
+                <a:spcPct val="150000"/>
+              </a:lnSpc>
+            </a:pPr>
+            <a:r>
+              <a:rPr lang="en-US" altLang="zh-CN" sz="1600" dirty="0" smtClean="0"/>
+              <a:t>a</a:t>
+            </a:r>
+            <a:r>
+              <a:rPr lang="zh-CN" altLang="en-US" sz="1600" dirty="0" smtClean="0"/>
+              <a:t>、债务</a:t>
+            </a:r>
+            <a:r>
+              <a:rPr lang="zh-CN" altLang="en-US" sz="1600" dirty="0"/>
+              <a:t>融资</a:t>
+            </a:r>
+            <a:r>
+              <a:rPr lang="zh-CN" altLang="en-US" sz="1600" dirty="0" smtClean="0"/>
+              <a:t>计划      </a:t>
+            </a:r>
+            <a:r>
+              <a:rPr lang="en-US" altLang="zh-CN" sz="1600" dirty="0" smtClean="0"/>
+              <a:t>b</a:t>
+            </a:r>
+            <a:r>
+              <a:rPr lang="zh-CN" altLang="en-US" sz="1600" dirty="0" smtClean="0"/>
+              <a:t>、金融</a:t>
+            </a:r>
+            <a:r>
+              <a:rPr lang="zh-CN" altLang="en-US" sz="1600" dirty="0"/>
+              <a:t>产品</a:t>
+            </a:r>
+            <a:r>
+              <a:rPr lang="zh-CN" altLang="en-US" sz="1600" dirty="0" smtClean="0"/>
+              <a:t>发行      </a:t>
+            </a:r>
+            <a:r>
+              <a:rPr lang="en-US" altLang="zh-CN" sz="1600" dirty="0" smtClean="0"/>
+              <a:t>c</a:t>
+            </a:r>
+            <a:r>
+              <a:rPr lang="zh-CN" altLang="en-US" sz="1600" dirty="0" smtClean="0"/>
+              <a:t>、金融资产</a:t>
+            </a:r>
+            <a:r>
+              <a:rPr lang="zh-CN" altLang="en-US" sz="1600" dirty="0"/>
+              <a:t>转让</a:t>
+            </a:r>
+            <a:r>
+              <a:rPr lang="zh-CN" altLang="en-US" sz="1600" dirty="0" smtClean="0"/>
+              <a:t>                 </a:t>
+            </a:r>
+            <a:endParaRPr lang="en-US" altLang="zh-CN" sz="1600" dirty="0" smtClean="0"/>
+          </a:p>
+          <a:p>
+            <a:pPr>
+              <a:lnSpc>
+                <a:spcPct val="150000"/>
+              </a:lnSpc>
+            </a:pPr>
+            <a:r>
+              <a:rPr lang="en-US" altLang="zh-CN" sz="2000" dirty="0" smtClean="0">
+                <a:solidFill>
+                  <a:srgbClr val="0070C0"/>
+                </a:solidFill>
+              </a:rPr>
+              <a:t>2</a:t>
+            </a:r>
+            <a:r>
+              <a:rPr lang="zh-CN" altLang="en-US" sz="2000" dirty="0" smtClean="0">
+                <a:solidFill>
+                  <a:srgbClr val="0070C0"/>
+                </a:solidFill>
+              </a:rPr>
+              <a:t>、核心业务流程</a:t>
+            </a:r>
+            <a:endParaRPr lang="en-US" altLang="zh-CN" sz="2000" dirty="0">
+              <a:solidFill>
+                <a:srgbClr val="0070C0"/>
+              </a:solidFill>
+            </a:endParaRPr>
+          </a:p>
+          <a:p>
+            <a:pPr>
+              <a:lnSpc>
+                <a:spcPct val="150000"/>
+              </a:lnSpc>
+            </a:pPr>
+            <a:r>
+              <a:rPr lang="en-US" altLang="zh-CN" sz="1600" dirty="0" smtClean="0"/>
+              <a:t>a</a:t>
+            </a:r>
+            <a:r>
+              <a:rPr lang="zh-CN" altLang="en-US" sz="1600" dirty="0" smtClean="0"/>
+              <a:t>、登记    </a:t>
+            </a:r>
+            <a:r>
+              <a:rPr lang="en-US" altLang="zh-CN" sz="1600" dirty="0" smtClean="0"/>
+              <a:t>b</a:t>
+            </a:r>
+            <a:r>
+              <a:rPr lang="zh-CN" altLang="en-US" sz="1600" dirty="0" smtClean="0"/>
+              <a:t>、交易     </a:t>
+            </a:r>
+            <a:r>
+              <a:rPr lang="en-US" altLang="zh-CN" sz="1600" dirty="0" smtClean="0"/>
+              <a:t>c</a:t>
+            </a:r>
+            <a:r>
+              <a:rPr lang="zh-CN" altLang="en-US" sz="1600" dirty="0" smtClean="0"/>
+              <a:t>、清结算</a:t>
+            </a:r>
+            <a:endParaRPr lang="en-US" altLang="zh-CN" sz="1600" dirty="0" smtClean="0"/>
+          </a:p>
+          <a:p>
+            <a:endParaRPr lang="en-US" altLang="zh-CN" dirty="0"/>
+          </a:p>
+          <a:p>
+            <a:endParaRPr lang="en-US" altLang="zh-CN" sz="2400" dirty="0"/>
+          </a:p>
+          <a:p>
+            <a:endParaRPr lang="en-US" altLang="zh-CN" sz="2400" dirty="0"/>
           </a:p>
         </p:txBody>
       </p:sp>
+      <p:pic>
+        <p:nvPicPr>
+          <p:cNvPr id="4" name="图片 3"/>
+          <p:cNvPicPr>
+            <a:picLocks noChangeAspect="1"/>
+          </p:cNvPicPr>
+          <p:nvPr/>
+        </p:nvPicPr>
+        <p:blipFill>
+          <a:blip r:embed="rId3"/>
+          <a:stretch>
+            <a:fillRect/>
+          </a:stretch>
+        </p:blipFill>
+        <p:spPr>
+          <a:xfrm>
+            <a:off x="1199456" y="3298934"/>
+            <a:ext cx="9649072" cy="2698470"/>
+          </a:xfrm>
+          <a:prstGeom prst="rect">
+            <a:avLst/>
+          </a:prstGeom>
+        </p:spPr>
+      </p:pic>
     </p:spTree>
     <p:extLst>
       <p:ext uri="{BB962C8B-B14F-4D97-AF65-F5344CB8AC3E}">
-        <p14:creationId xmlns:p14="http://schemas.microsoft.com/office/powerpoint/2010/main" val="2203068942"/>
+        <p14:creationId xmlns:p14="http://schemas.microsoft.com/office/powerpoint/2010/main" val="2386448715"/>
       </p:ext>
     </p:extLst>
   </p:cSld>
@@ -10898,7 +11123,7 @@
           <a:lstStyle/>
           <a:p>
             <a:r>
-              <a:rPr lang="zh-CN" altLang="en-US" sz="4000" dirty="0">
+              <a:rPr lang="zh-CN" altLang="en-US" sz="4000">
                 <a:ln w="0"/>
                 <a:effectLst>
                   <a:outerShdw blurRad="38100" dist="19050" dir="2700000" algn="tl" rotWithShape="0">
@@ -10912,68 +11137,27 @@
               </a:rPr>
               <a:t>重点工作</a:t>
             </a:r>
+            <a:endParaRPr lang="zh-CN" altLang="en-US" sz="4000" dirty="0">
+              <a:ln w="0"/>
+              <a:effectLst>
+                <a:outerShdw blurRad="38100" dist="19050" dir="2700000" algn="tl" rotWithShape="0">
+                  <a:schemeClr val="dk1">
+                    <a:alpha val="40000"/>
+                  </a:schemeClr>
+                </a:outerShdw>
+              </a:effectLst>
+              <a:latin typeface="华文楷体" panose="02010600040101010101" pitchFamily="2" charset="-122"/>
+              <a:ea typeface="华文楷体" panose="02010600040101010101" pitchFamily="2" charset="-122"/>
+            </a:endParaRPr>
           </a:p>
         </p:txBody>
       </p:sp>
       <p:sp>
         <p:nvSpPr>
-          <p:cNvPr id="6" name="矩形: 圆角 5">
+          <p:cNvPr id="19" name="文本框 18">
             <a:extLst>
               <a:ext uri="{FF2B5EF4-FFF2-40B4-BE49-F238E27FC236}">
-                <a16:creationId xmlns:a16="http://schemas.microsoft.com/office/drawing/2014/main" id="{D5BE6486-5644-4540-B151-DE39F3C17432}"/>
-              </a:ext>
-            </a:extLst>
-          </p:cNvPr>
-          <p:cNvSpPr/>
-          <p:nvPr/>
-        </p:nvSpPr>
-        <p:spPr>
-          <a:xfrm>
-            <a:off x="551384" y="1040542"/>
-            <a:ext cx="11377264" cy="4908738"/>
-          </a:xfrm>
-          <a:prstGeom prst="roundRect">
-            <a:avLst/>
-          </a:prstGeom>
-          <a:noFill/>
-          <a:ln>
-            <a:solidFill>
-              <a:srgbClr val="FF0000"/>
-            </a:solidFill>
-            <a:prstDash val="lgDash"/>
-          </a:ln>
-        </p:spPr>
-        <p:style>
-          <a:lnRef idx="2">
-            <a:schemeClr val="accent1">
-              <a:shade val="50000"/>
-            </a:schemeClr>
-          </a:lnRef>
-          <a:fillRef idx="1">
-            <a:schemeClr val="accent1"/>
-          </a:fillRef>
-          <a:effectRef idx="0">
-            <a:schemeClr val="accent1"/>
-          </a:effectRef>
-          <a:fontRef idx="minor">
-            <a:schemeClr val="lt1"/>
-          </a:fontRef>
-        </p:style>
-        <p:txBody>
-          <a:bodyPr rtlCol="0" anchor="ctr"/>
-          <a:lstStyle/>
-          <a:p>
-            <a:pPr algn="ctr"/>
-            <a:endParaRPr lang="zh-CN" altLang="en-US"/>
-          </a:p>
-        </p:txBody>
-      </p:sp>
-      <p:sp>
-        <p:nvSpPr>
-          <p:cNvPr id="7" name="文本框 6">
-            <a:extLst>
-              <a:ext uri="{FF2B5EF4-FFF2-40B4-BE49-F238E27FC236}">
-                <a16:creationId xmlns:a16="http://schemas.microsoft.com/office/drawing/2014/main" id="{2A662FB6-35B9-4B3A-998F-D128871BB680}"/>
+                <a16:creationId xmlns:a16="http://schemas.microsoft.com/office/drawing/2014/main" id="{3988C825-AF79-4B14-BCC4-C0A2CE556DA0}"/>
               </a:ext>
             </a:extLst>
           </p:cNvPr>
@@ -10982,8 +11166,8 @@
         </p:nvSpPr>
         <p:spPr>
           <a:xfrm>
-            <a:off x="551384" y="1143776"/>
-            <a:ext cx="11377264" cy="9264075"/>
+            <a:off x="1487488" y="1040542"/>
+            <a:ext cx="9505056" cy="461665"/>
           </a:xfrm>
           <a:prstGeom prst="rect">
             <a:avLst/>
@@ -10996,7 +11180,11 @@
           </a:bodyPr>
           <a:lstStyle/>
           <a:p>
-            <a:pPr algn="ctr"/>
+            <a:pPr algn="just"/>
+            <a:r>
+              <a:rPr lang="en-US" altLang="zh-CN" sz="2400" dirty="0"/>
+              <a:t>                                       </a:t>
+            </a:r>
             <a:r>
               <a:rPr lang="zh-CN" altLang="en-US" sz="2400" dirty="0">
                 <a:solidFill>
@@ -11005,248 +11193,79 @@
               </a:rPr>
               <a:t>技术之系统架构</a:t>
             </a:r>
-            <a:endParaRPr lang="en-US" altLang="zh-CN" sz="2400" dirty="0">
-              <a:solidFill>
-                <a:srgbClr val="FF0000"/>
-              </a:solidFill>
-            </a:endParaRPr>
-          </a:p>
-          <a:p>
-            <a:r>
-              <a:rPr lang="en-US" altLang="zh-CN" sz="2000" dirty="0"/>
-              <a:t>2</a:t>
+          </a:p>
+        </p:txBody>
+      </p:sp>
+      <p:sp>
+        <p:nvSpPr>
+          <p:cNvPr id="21" name="文本框 20">
+            <a:extLst>
+              <a:ext uri="{FF2B5EF4-FFF2-40B4-BE49-F238E27FC236}">
+                <a16:creationId xmlns:a16="http://schemas.microsoft.com/office/drawing/2014/main" id="{0D8A0544-4977-4E2C-9687-8AA05A0DC04B}"/>
+              </a:ext>
+            </a:extLst>
+          </p:cNvPr>
+          <p:cNvSpPr txBox="1"/>
+          <p:nvPr/>
+        </p:nvSpPr>
+        <p:spPr>
+          <a:xfrm>
+            <a:off x="990963" y="1508017"/>
+            <a:ext cx="9982201" cy="677108"/>
+          </a:xfrm>
+          <a:prstGeom prst="rect">
+            <a:avLst/>
+          </a:prstGeom>
+          <a:noFill/>
+        </p:spPr>
+        <p:txBody>
+          <a:bodyPr wrap="square" rtlCol="0">
+            <a:spAutoFit/>
+          </a:bodyPr>
+          <a:lstStyle/>
+          <a:p>
+            <a:r>
+              <a:rPr lang="en-US" altLang="zh-CN" dirty="0"/>
+              <a:t>1</a:t>
+            </a:r>
+            <a:r>
+              <a:rPr lang="zh-CN" altLang="en-US" dirty="0"/>
+              <a:t>、</a:t>
             </a:r>
             <a:r>
               <a:rPr lang="zh-CN" altLang="en-US" sz="2000" dirty="0"/>
-              <a:t>、了解交易所系统架构演变历程</a:t>
-            </a:r>
-            <a:endParaRPr lang="en-US" altLang="zh-CN" sz="2000" dirty="0"/>
-          </a:p>
-          <a:p>
-            <a:endParaRPr lang="en-US" altLang="zh-CN" sz="2000" dirty="0"/>
-          </a:p>
-          <a:p>
-            <a:endParaRPr lang="en-US" altLang="zh-CN" sz="2000" dirty="0"/>
-          </a:p>
-          <a:p>
-            <a:endParaRPr lang="en-US" altLang="zh-CN" sz="2000" dirty="0"/>
-          </a:p>
-          <a:p>
-            <a:endParaRPr lang="en-US" altLang="zh-CN" sz="2000" dirty="0"/>
-          </a:p>
-          <a:p>
-            <a:endParaRPr lang="en-US" altLang="zh-CN" sz="2000" dirty="0"/>
-          </a:p>
-          <a:p>
-            <a:endParaRPr lang="en-US" altLang="zh-CN" sz="2000" dirty="0"/>
-          </a:p>
-          <a:p>
-            <a:endParaRPr lang="en-US" altLang="zh-CN" sz="2000" dirty="0"/>
-          </a:p>
-          <a:p>
-            <a:endParaRPr lang="en-US" altLang="zh-CN" sz="2000" dirty="0"/>
-          </a:p>
-          <a:p>
-            <a:endParaRPr lang="en-US" altLang="zh-CN" sz="2000" dirty="0" smtClean="0"/>
-          </a:p>
-          <a:p>
-            <a:r>
-              <a:rPr lang="en-US" altLang="zh-CN" sz="2000" dirty="0" smtClean="0"/>
-              <a:t>3</a:t>
-            </a:r>
-            <a:r>
-              <a:rPr lang="zh-CN" altLang="en-US" sz="2000" dirty="0"/>
-              <a:t>、重点学习支撑交易所微服务的相关技术</a:t>
-            </a:r>
-            <a:endParaRPr lang="en-US" altLang="zh-CN" sz="2000" dirty="0"/>
-          </a:p>
-          <a:p>
-            <a:endParaRPr lang="en-US" altLang="zh-CN" sz="2000" dirty="0"/>
-          </a:p>
-          <a:p>
-            <a:r>
-              <a:rPr lang="en-US" altLang="zh-CN" sz="2000" dirty="0"/>
-              <a:t>a</a:t>
-            </a:r>
-            <a:r>
-              <a:rPr lang="zh-CN" altLang="en-US" sz="2000" dirty="0" smtClean="0"/>
-              <a:t>、</a:t>
-            </a:r>
-            <a:r>
-              <a:rPr lang="en-US" altLang="zh-CN" sz="2000" dirty="0" smtClean="0"/>
-              <a:t>Spring</a:t>
-            </a:r>
-            <a:r>
-              <a:rPr lang="zh-CN" altLang="en-US" sz="2000" dirty="0" smtClean="0"/>
-              <a:t> </a:t>
-            </a:r>
-            <a:r>
-              <a:rPr lang="en-US" altLang="zh-CN" sz="2000" dirty="0"/>
-              <a:t>Cloud</a:t>
-            </a:r>
-            <a:r>
-              <a:rPr lang="zh-CN" altLang="en-US" sz="2000" dirty="0"/>
-              <a:t>        </a:t>
-            </a:r>
-            <a:r>
-              <a:rPr lang="en-US" altLang="zh-CN" sz="2000" dirty="0" smtClean="0"/>
-              <a:t>b</a:t>
-            </a:r>
-            <a:r>
-              <a:rPr lang="zh-CN" altLang="en-US" sz="2000" dirty="0" smtClean="0"/>
-              <a:t>、</a:t>
-            </a:r>
-            <a:r>
-              <a:rPr lang="en-US" altLang="zh-CN" sz="2000" dirty="0" smtClean="0"/>
-              <a:t>Spring </a:t>
-            </a:r>
-            <a:r>
-              <a:rPr lang="en-US" altLang="zh-CN" sz="2000" dirty="0"/>
-              <a:t>Boot         </a:t>
-            </a:r>
-            <a:r>
-              <a:rPr lang="en-US" altLang="zh-CN" sz="2000" dirty="0" smtClean="0"/>
-              <a:t>c</a:t>
-            </a:r>
-            <a:r>
-              <a:rPr lang="zh-CN" altLang="en-US" sz="2000" dirty="0" smtClean="0"/>
-              <a:t>、</a:t>
-            </a:r>
-            <a:r>
-              <a:rPr lang="en-US" altLang="zh-CN" sz="2000" dirty="0" err="1" smtClean="0"/>
-              <a:t>Gradle</a:t>
-            </a:r>
-            <a:r>
-              <a:rPr lang="en-US" altLang="zh-CN" sz="2000" dirty="0" smtClean="0"/>
-              <a:t>      </a:t>
-            </a:r>
-            <a:endParaRPr lang="en-US" altLang="zh-CN" sz="2000" dirty="0"/>
-          </a:p>
-          <a:p>
-            <a:endParaRPr lang="en-US" altLang="zh-CN" sz="2400" dirty="0"/>
-          </a:p>
-          <a:p>
-            <a:endParaRPr lang="en-US" altLang="zh-CN" sz="2400" dirty="0"/>
-          </a:p>
-          <a:p>
-            <a:endParaRPr lang="en-US" altLang="zh-CN" sz="2400" dirty="0"/>
-          </a:p>
-          <a:p>
-            <a:endParaRPr lang="en-US" altLang="zh-CN" sz="2400" dirty="0"/>
-          </a:p>
-          <a:p>
-            <a:endParaRPr lang="en-US" altLang="zh-CN" sz="2400" dirty="0"/>
-          </a:p>
-          <a:p>
-            <a:endParaRPr lang="en-US" altLang="zh-CN" sz="2400" dirty="0"/>
-          </a:p>
-          <a:p>
-            <a:endParaRPr lang="en-US" altLang="zh-CN" sz="2400" dirty="0"/>
-          </a:p>
-          <a:p>
-            <a:endParaRPr lang="en-US" altLang="zh-CN" sz="2400" dirty="0"/>
-          </a:p>
-          <a:p>
-            <a:endParaRPr lang="en-US" altLang="zh-CN" sz="2400" dirty="0"/>
-          </a:p>
-          <a:p>
-            <a:endParaRPr lang="en-US" altLang="zh-CN" sz="2400" dirty="0"/>
-          </a:p>
-          <a:p>
-            <a:endParaRPr lang="en-US" altLang="zh-CN" sz="2400" dirty="0"/>
-          </a:p>
-          <a:p>
-            <a:endParaRPr lang="en-US" altLang="zh-CN" sz="2400" dirty="0"/>
-          </a:p>
-          <a:p>
-            <a:endParaRPr lang="zh-CN" altLang="en-US" sz="2400" dirty="0"/>
+              <a:t>学习交易所三大运营平台的系统架构</a:t>
+            </a:r>
+          </a:p>
+          <a:p>
+            <a:endParaRPr lang="zh-CN" altLang="en-US" dirty="0"/>
           </a:p>
         </p:txBody>
       </p:sp>
       <p:pic>
         <p:nvPicPr>
-          <p:cNvPr id="4" name="图片 3">
-            <a:extLst>
-              <a:ext uri="{FF2B5EF4-FFF2-40B4-BE49-F238E27FC236}">
-                <a16:creationId xmlns:a16="http://schemas.microsoft.com/office/drawing/2014/main" id="{B813C337-7180-45C8-803E-86C303FDA335}"/>
-              </a:ext>
-            </a:extLst>
-          </p:cNvPr>
+          <p:cNvPr id="4" name="图片 3"/>
           <p:cNvPicPr>
             <a:picLocks noChangeAspect="1"/>
           </p:cNvPicPr>
           <p:nvPr/>
         </p:nvPicPr>
         <p:blipFill>
-          <a:blip r:embed="rId3"/>
+          <a:blip r:embed="rId3">
+            <a:extLst>
+              <a:ext uri="{28A0092B-C50C-407E-A947-70E740481C1C}">
+                <a14:useLocalDpi xmlns:a14="http://schemas.microsoft.com/office/drawing/2010/main" val="0"/>
+              </a:ext>
+            </a:extLst>
+          </a:blip>
           <a:stretch>
             <a:fillRect/>
           </a:stretch>
         </p:blipFill>
         <p:spPr>
           <a:xfrm>
-            <a:off x="575000" y="1892078"/>
-            <a:ext cx="3793341" cy="2545033"/>
-          </a:xfrm>
-          <a:prstGeom prst="rect">
-            <a:avLst/>
-          </a:prstGeom>
-        </p:spPr>
-      </p:pic>
-      <p:pic>
-        <p:nvPicPr>
-          <p:cNvPr id="5" name="图片 4">
-            <a:extLst>
-              <a:ext uri="{FF2B5EF4-FFF2-40B4-BE49-F238E27FC236}">
-                <a16:creationId xmlns:a16="http://schemas.microsoft.com/office/drawing/2014/main" id="{FB35EE40-020B-4605-95C0-83D16190A093}"/>
-              </a:ext>
-            </a:extLst>
-          </p:cNvPr>
-          <p:cNvPicPr>
-            <a:picLocks noChangeAspect="1"/>
-          </p:cNvPicPr>
-          <p:nvPr/>
-        </p:nvPicPr>
-        <p:blipFill>
-          <a:blip r:embed="rId4"/>
-          <a:stretch>
-            <a:fillRect/>
-          </a:stretch>
-        </p:blipFill>
-        <p:spPr>
-          <a:xfrm>
-            <a:off x="4401877" y="1892079"/>
-            <a:ext cx="3793341" cy="2545032"/>
-          </a:xfrm>
-          <a:prstGeom prst="rect">
-            <a:avLst/>
-          </a:prstGeom>
-        </p:spPr>
-      </p:pic>
-      <p:pic>
-        <p:nvPicPr>
-          <p:cNvPr id="8" name="图片 7">
-            <a:extLst>
-              <a:ext uri="{FF2B5EF4-FFF2-40B4-BE49-F238E27FC236}">
-                <a16:creationId xmlns:a16="http://schemas.microsoft.com/office/drawing/2014/main" id="{5CE7B306-8126-43B9-BE2B-29E87A551C23}"/>
-              </a:ext>
-            </a:extLst>
-          </p:cNvPr>
-          <p:cNvPicPr>
-            <a:picLocks noChangeAspect="1"/>
-          </p:cNvPicPr>
-          <p:nvPr/>
-        </p:nvPicPr>
-        <p:blipFill>
-          <a:blip r:embed="rId5"/>
-          <a:stretch>
-            <a:fillRect/>
-          </a:stretch>
-        </p:blipFill>
-        <p:spPr>
-          <a:xfrm>
-            <a:off x="8197268" y="1892078"/>
-            <a:ext cx="3762375" cy="2545031"/>
+            <a:off x="1110465" y="1916832"/>
+            <a:ext cx="9906000" cy="4176464"/>
           </a:xfrm>
           <a:prstGeom prst="rect">
             <a:avLst/>
@@ -11256,7 +11275,7 @@
     </p:spTree>
     <p:extLst>
       <p:ext uri="{BB962C8B-B14F-4D97-AF65-F5344CB8AC3E}">
-        <p14:creationId xmlns:p14="http://schemas.microsoft.com/office/powerpoint/2010/main" val="489914675"/>
+        <p14:creationId xmlns:p14="http://schemas.microsoft.com/office/powerpoint/2010/main" val="2203068942"/>
       </p:ext>
     </p:extLst>
   </p:cSld>
@@ -11401,51 +11420,10 @@
       </p:sp>
       <p:sp>
         <p:nvSpPr>
-          <p:cNvPr id="5" name="文本框 4">
-            <a:extLst>
-              <a:ext uri="{FF2B5EF4-FFF2-40B4-BE49-F238E27FC236}">
-                <a16:creationId xmlns:a16="http://schemas.microsoft.com/office/drawing/2014/main" id="{E89C2F03-8DB5-495E-994C-8464A57B96B8}"/>
-              </a:ext>
-            </a:extLst>
-          </p:cNvPr>
-          <p:cNvSpPr txBox="1"/>
-          <p:nvPr/>
-        </p:nvSpPr>
-        <p:spPr>
-          <a:xfrm>
-            <a:off x="476455" y="1988840"/>
-            <a:ext cx="11737304" cy="1200329"/>
-          </a:xfrm>
-          <a:prstGeom prst="rect">
-            <a:avLst/>
-          </a:prstGeom>
-          <a:noFill/>
-        </p:spPr>
-        <p:txBody>
-          <a:bodyPr wrap="square" rtlCol="0">
-            <a:spAutoFit/>
-          </a:bodyPr>
-          <a:lstStyle/>
-          <a:p>
-            <a:endParaRPr lang="en-US" altLang="zh-CN" dirty="0"/>
-          </a:p>
-          <a:p>
-            <a:endParaRPr lang="en-US" altLang="zh-CN" dirty="0"/>
-          </a:p>
-          <a:p>
-            <a:endParaRPr lang="en-US" altLang="zh-CN" dirty="0"/>
-          </a:p>
-          <a:p>
-            <a:endParaRPr lang="zh-CN" altLang="en-US" dirty="0"/>
-          </a:p>
-        </p:txBody>
-      </p:sp>
-      <p:sp>
-        <p:nvSpPr>
           <p:cNvPr id="6" name="矩形: 圆角 5">
             <a:extLst>
               <a:ext uri="{FF2B5EF4-FFF2-40B4-BE49-F238E27FC236}">
-                <a16:creationId xmlns:a16="http://schemas.microsoft.com/office/drawing/2014/main" id="{84F79470-0B47-4EBB-9AB1-149217802476}"/>
+                <a16:creationId xmlns:a16="http://schemas.microsoft.com/office/drawing/2014/main" id="{D5BE6486-5644-4540-B151-DE39F3C17432}"/>
               </a:ext>
             </a:extLst>
           </p:cNvPr>
@@ -11454,8 +11432,8 @@
         </p:nvSpPr>
         <p:spPr>
           <a:xfrm>
-            <a:off x="623392" y="1040542"/>
-            <a:ext cx="11092153" cy="5052754"/>
+            <a:off x="551384" y="1040542"/>
+            <a:ext cx="11377264" cy="4908738"/>
           </a:xfrm>
           <a:prstGeom prst="roundRect">
             <a:avLst/>
@@ -11498,7 +11476,7 @@
           <p:cNvPr id="7" name="文本框 6">
             <a:extLst>
               <a:ext uri="{FF2B5EF4-FFF2-40B4-BE49-F238E27FC236}">
-                <a16:creationId xmlns:a16="http://schemas.microsoft.com/office/drawing/2014/main" id="{D8C390B1-EAF0-4222-98DF-2392C46D0F8C}"/>
+                <a16:creationId xmlns:a16="http://schemas.microsoft.com/office/drawing/2014/main" id="{2A662FB6-35B9-4B3A-998F-D128871BB680}"/>
               </a:ext>
             </a:extLst>
           </p:cNvPr>
@@ -11507,8 +11485,8 @@
         </p:nvSpPr>
         <p:spPr>
           <a:xfrm>
-            <a:off x="623392" y="1196752"/>
-            <a:ext cx="11092152" cy="4293483"/>
+            <a:off x="551384" y="1143776"/>
+            <a:ext cx="11377264" cy="9264075"/>
           </a:xfrm>
           <a:prstGeom prst="rect">
             <a:avLst/>
@@ -11528,160 +11506,260 @@
                   <a:srgbClr val="FF0000"/>
                 </a:solidFill>
               </a:rPr>
-              <a:t>技术之日常</a:t>
-            </a:r>
-            <a:r>
-              <a:rPr lang="zh-CN" altLang="en-US" sz="2400" dirty="0" smtClean="0">
-                <a:solidFill>
-                  <a:srgbClr val="FF0000"/>
-                </a:solidFill>
-              </a:rPr>
-              <a:t>开发</a:t>
+              <a:t>技术之系统架构</a:t>
+            </a:r>
+            <a:endParaRPr lang="en-US" altLang="zh-CN" sz="2400" dirty="0">
+              <a:solidFill>
+                <a:srgbClr val="FF0000"/>
+              </a:solidFill>
+            </a:endParaRPr>
+          </a:p>
+          <a:p>
+            <a:r>
+              <a:rPr lang="en-US" altLang="zh-CN" sz="2000" dirty="0"/>
+              <a:t>2</a:t>
+            </a:r>
+            <a:r>
+              <a:rPr lang="zh-CN" altLang="en-US" sz="2000" dirty="0"/>
+              <a:t>、了解交易所系统架构演变历程</a:t>
             </a:r>
             <a:endParaRPr lang="en-US" altLang="zh-CN" sz="2000" dirty="0"/>
           </a:p>
           <a:p>
-            <a:pPr>
-              <a:lnSpc>
-                <a:spcPct val="150000"/>
-              </a:lnSpc>
-            </a:pPr>
+            <a:endParaRPr lang="en-US" altLang="zh-CN" sz="2000" dirty="0"/>
+          </a:p>
+          <a:p>
+            <a:endParaRPr lang="en-US" altLang="zh-CN" sz="2000" dirty="0"/>
+          </a:p>
+          <a:p>
+            <a:endParaRPr lang="en-US" altLang="zh-CN" sz="2000" dirty="0"/>
+          </a:p>
+          <a:p>
+            <a:endParaRPr lang="en-US" altLang="zh-CN" sz="2000" dirty="0"/>
+          </a:p>
+          <a:p>
+            <a:endParaRPr lang="en-US" altLang="zh-CN" sz="2000" dirty="0"/>
+          </a:p>
+          <a:p>
+            <a:endParaRPr lang="en-US" altLang="zh-CN" sz="2000" dirty="0"/>
+          </a:p>
+          <a:p>
+            <a:endParaRPr lang="en-US" altLang="zh-CN" sz="2000" dirty="0"/>
+          </a:p>
+          <a:p>
+            <a:endParaRPr lang="en-US" altLang="zh-CN" sz="2000" dirty="0"/>
+          </a:p>
+          <a:p>
             <a:endParaRPr lang="en-US" altLang="zh-CN" sz="2000" dirty="0" smtClean="0"/>
           </a:p>
           <a:p>
-            <a:pPr>
-              <a:lnSpc>
-                <a:spcPct val="150000"/>
-              </a:lnSpc>
-            </a:pPr>
-            <a:r>
-              <a:rPr lang="zh-CN" altLang="en-US" sz="2000" dirty="0" smtClean="0"/>
-              <a:t>交易所</a:t>
+            <a:r>
+              <a:rPr lang="en-US" altLang="zh-CN" sz="2000" dirty="0" smtClean="0"/>
+              <a:t>3</a:t>
             </a:r>
             <a:r>
               <a:rPr lang="zh-CN" altLang="en-US" sz="2000" dirty="0"/>
-              <a:t>系统功能</a:t>
-            </a:r>
-            <a:r>
-              <a:rPr lang="zh-CN" altLang="en-US" sz="2000" dirty="0" smtClean="0"/>
-              <a:t>优化</a:t>
+              <a:t>、重点学习支撑交易所微服务的相关技术</a:t>
             </a:r>
             <a:endParaRPr lang="en-US" altLang="zh-CN" sz="2000" dirty="0"/>
           </a:p>
           <a:p>
-            <a:pPr>
-              <a:lnSpc>
-                <a:spcPct val="150000"/>
-              </a:lnSpc>
-            </a:pPr>
-            <a:r>
-              <a:rPr lang="en-US" altLang="zh-CN" dirty="0"/>
-              <a:t>1</a:t>
-            </a:r>
-            <a:r>
-              <a:rPr lang="zh-CN" altLang="en-US" dirty="0"/>
-              <a:t>、参与权益登记微服务</a:t>
-            </a:r>
-            <a:r>
-              <a:rPr lang="zh-CN" altLang="en-US" dirty="0" smtClean="0"/>
-              <a:t>开发</a:t>
-            </a:r>
-            <a:endParaRPr lang="en-US" altLang="zh-CN" dirty="0" smtClean="0"/>
-          </a:p>
-          <a:p>
-            <a:pPr>
-              <a:lnSpc>
-                <a:spcPct val="150000"/>
-              </a:lnSpc>
-            </a:pPr>
-            <a:endParaRPr lang="en-US" altLang="zh-CN" dirty="0" smtClean="0"/>
-          </a:p>
-          <a:p>
-            <a:pPr>
-              <a:lnSpc>
-                <a:spcPct val="150000"/>
-              </a:lnSpc>
-            </a:pPr>
-            <a:r>
-              <a:rPr lang="en-US" altLang="zh-CN" dirty="0" smtClean="0"/>
-              <a:t>2</a:t>
-            </a:r>
-            <a:r>
-              <a:rPr lang="zh-CN" altLang="en-US" dirty="0" smtClean="0"/>
-              <a:t>、会员及客户业务资格优化</a:t>
-            </a:r>
-            <a:endParaRPr lang="en-US" altLang="zh-CN" dirty="0" smtClean="0"/>
-          </a:p>
-          <a:p>
-            <a:pPr>
-              <a:lnSpc>
-                <a:spcPct val="150000"/>
-              </a:lnSpc>
-            </a:pPr>
-            <a:endParaRPr lang="en-US" altLang="zh-CN" dirty="0" smtClean="0"/>
-          </a:p>
-          <a:p>
-            <a:pPr>
-              <a:lnSpc>
-                <a:spcPct val="150000"/>
-              </a:lnSpc>
-            </a:pPr>
-            <a:r>
-              <a:rPr lang="en-US" altLang="zh-CN" dirty="0" smtClean="0"/>
-              <a:t>3</a:t>
-            </a:r>
-            <a:r>
-              <a:rPr lang="zh-CN" altLang="en-US" dirty="0"/>
-              <a:t>、新增金融资产交易凭证和项目附件对外</a:t>
-            </a:r>
-            <a:r>
-              <a:rPr lang="zh-CN" altLang="en-US" dirty="0" smtClean="0"/>
-              <a:t>披露</a:t>
-            </a:r>
-            <a:endParaRPr lang="en-US" altLang="zh-CN" dirty="0" smtClean="0"/>
-          </a:p>
-          <a:p>
-            <a:pPr>
-              <a:lnSpc>
-                <a:spcPct val="150000"/>
-              </a:lnSpc>
-            </a:pPr>
-            <a:endParaRPr lang="en-US" altLang="zh-CN" dirty="0" smtClean="0"/>
-          </a:p>
-          <a:p>
-            <a:pPr>
-              <a:lnSpc>
-                <a:spcPct val="150000"/>
-              </a:lnSpc>
-            </a:pPr>
-            <a:r>
-              <a:rPr lang="en-US" altLang="zh-CN" dirty="0" smtClean="0"/>
-              <a:t>4</a:t>
-            </a:r>
-            <a:r>
-              <a:rPr lang="zh-CN" altLang="en-US" dirty="0"/>
+            <a:endParaRPr lang="en-US" altLang="zh-CN" sz="1600" dirty="0"/>
+          </a:p>
+          <a:p>
+            <a:r>
+              <a:rPr lang="en-US" altLang="zh-CN" sz="1600" dirty="0"/>
+              <a:t>a</a:t>
+            </a:r>
+            <a:r>
+              <a:rPr lang="zh-CN" altLang="en-US" sz="1600" dirty="0" smtClean="0"/>
               <a:t>、</a:t>
             </a:r>
             <a:r>
-              <a:rPr lang="zh-CN" altLang="en-US" dirty="0" smtClean="0"/>
-              <a:t>兑付、</a:t>
-            </a:r>
-            <a:r>
-              <a:rPr lang="zh-CN" altLang="en-US" dirty="0"/>
-              <a:t>结算功能两级菜单</a:t>
-            </a:r>
-            <a:r>
-              <a:rPr lang="zh-CN" altLang="en-US" dirty="0" smtClean="0"/>
-              <a:t>优化</a:t>
-            </a:r>
-            <a:endParaRPr lang="en-US" altLang="zh-CN" dirty="0" smtClean="0"/>
+              <a:rPr lang="en-US" altLang="zh-CN" sz="1600" dirty="0" smtClean="0"/>
+              <a:t>Spring</a:t>
+            </a:r>
+            <a:r>
+              <a:rPr lang="zh-CN" altLang="en-US" sz="1600" dirty="0" smtClean="0"/>
+              <a:t> </a:t>
+            </a:r>
+            <a:r>
+              <a:rPr lang="en-US" altLang="zh-CN" sz="1600" dirty="0"/>
+              <a:t>Cloud</a:t>
+            </a:r>
+            <a:r>
+              <a:rPr lang="zh-CN" altLang="en-US" sz="1600" dirty="0"/>
+              <a:t>        </a:t>
+            </a:r>
+            <a:r>
+              <a:rPr lang="en-US" altLang="zh-CN" sz="1600" dirty="0" smtClean="0"/>
+              <a:t>b</a:t>
+            </a:r>
+            <a:r>
+              <a:rPr lang="zh-CN" altLang="en-US" sz="1600" dirty="0" smtClean="0"/>
+              <a:t>、</a:t>
+            </a:r>
+            <a:r>
+              <a:rPr lang="en-US" altLang="zh-CN" sz="1600" dirty="0" smtClean="0"/>
+              <a:t>Spring </a:t>
+            </a:r>
+            <a:r>
+              <a:rPr lang="en-US" altLang="zh-CN" sz="1600" dirty="0"/>
+              <a:t>Boot         </a:t>
+            </a:r>
+            <a:r>
+              <a:rPr lang="en-US" altLang="zh-CN" sz="1600" dirty="0" smtClean="0"/>
+              <a:t>c</a:t>
+            </a:r>
+            <a:r>
+              <a:rPr lang="zh-CN" altLang="en-US" sz="1600" dirty="0" smtClean="0"/>
+              <a:t>、</a:t>
+            </a:r>
+            <a:r>
+              <a:rPr lang="en-US" altLang="zh-CN" sz="1600" dirty="0" err="1" smtClean="0"/>
+              <a:t>Gradle</a:t>
+            </a:r>
+            <a:r>
+              <a:rPr lang="en-US" altLang="zh-CN" sz="1600" dirty="0" smtClean="0"/>
+              <a:t>      </a:t>
+            </a:r>
+            <a:endParaRPr lang="en-US" altLang="zh-CN" sz="1600" dirty="0"/>
+          </a:p>
+          <a:p>
+            <a:endParaRPr lang="en-US" altLang="zh-CN" sz="2400" dirty="0"/>
+          </a:p>
+          <a:p>
+            <a:endParaRPr lang="en-US" altLang="zh-CN" sz="2400" dirty="0"/>
+          </a:p>
+          <a:p>
+            <a:endParaRPr lang="en-US" altLang="zh-CN" sz="2400" dirty="0"/>
+          </a:p>
+          <a:p>
+            <a:endParaRPr lang="en-US" altLang="zh-CN" sz="2400" dirty="0"/>
+          </a:p>
+          <a:p>
+            <a:endParaRPr lang="en-US" altLang="zh-CN" sz="2400" dirty="0"/>
+          </a:p>
+          <a:p>
+            <a:endParaRPr lang="en-US" altLang="zh-CN" sz="2400" dirty="0"/>
+          </a:p>
+          <a:p>
+            <a:endParaRPr lang="en-US" altLang="zh-CN" sz="2400" dirty="0"/>
+          </a:p>
+          <a:p>
+            <a:endParaRPr lang="en-US" altLang="zh-CN" sz="2400" dirty="0"/>
+          </a:p>
+          <a:p>
+            <a:endParaRPr lang="en-US" altLang="zh-CN" sz="2400" dirty="0"/>
+          </a:p>
+          <a:p>
+            <a:endParaRPr lang="en-US" altLang="zh-CN" sz="2400" dirty="0"/>
+          </a:p>
+          <a:p>
+            <a:endParaRPr lang="en-US" altLang="zh-CN" sz="2400" dirty="0"/>
+          </a:p>
+          <a:p>
+            <a:endParaRPr lang="en-US" altLang="zh-CN" sz="2400" dirty="0"/>
+          </a:p>
+          <a:p>
+            <a:endParaRPr lang="zh-CN" altLang="en-US" sz="2400" dirty="0"/>
           </a:p>
         </p:txBody>
       </p:sp>
+      <p:pic>
+        <p:nvPicPr>
+          <p:cNvPr id="4" name="图片 3">
+            <a:extLst>
+              <a:ext uri="{FF2B5EF4-FFF2-40B4-BE49-F238E27FC236}">
+                <a16:creationId xmlns:a16="http://schemas.microsoft.com/office/drawing/2014/main" id="{B813C337-7180-45C8-803E-86C303FDA335}"/>
+              </a:ext>
+            </a:extLst>
+          </p:cNvPr>
+          <p:cNvPicPr>
+            <a:picLocks noChangeAspect="1"/>
+          </p:cNvPicPr>
+          <p:nvPr/>
+        </p:nvPicPr>
+        <p:blipFill>
+          <a:blip r:embed="rId3"/>
+          <a:stretch>
+            <a:fillRect/>
+          </a:stretch>
+        </p:blipFill>
+        <p:spPr>
+          <a:xfrm>
+            <a:off x="575000" y="1892078"/>
+            <a:ext cx="3793341" cy="2545033"/>
+          </a:xfrm>
+          <a:prstGeom prst="rect">
+            <a:avLst/>
+          </a:prstGeom>
+        </p:spPr>
+      </p:pic>
+      <p:pic>
+        <p:nvPicPr>
+          <p:cNvPr id="5" name="图片 4">
+            <a:extLst>
+              <a:ext uri="{FF2B5EF4-FFF2-40B4-BE49-F238E27FC236}">
+                <a16:creationId xmlns:a16="http://schemas.microsoft.com/office/drawing/2014/main" id="{FB35EE40-020B-4605-95C0-83D16190A093}"/>
+              </a:ext>
+            </a:extLst>
+          </p:cNvPr>
+          <p:cNvPicPr>
+            <a:picLocks noChangeAspect="1"/>
+          </p:cNvPicPr>
+          <p:nvPr/>
+        </p:nvPicPr>
+        <p:blipFill>
+          <a:blip r:embed="rId4"/>
+          <a:stretch>
+            <a:fillRect/>
+          </a:stretch>
+        </p:blipFill>
+        <p:spPr>
+          <a:xfrm>
+            <a:off x="4401877" y="1892079"/>
+            <a:ext cx="3793341" cy="2545032"/>
+          </a:xfrm>
+          <a:prstGeom prst="rect">
+            <a:avLst/>
+          </a:prstGeom>
+        </p:spPr>
+      </p:pic>
+      <p:pic>
+        <p:nvPicPr>
+          <p:cNvPr id="8" name="图片 7">
+            <a:extLst>
+              <a:ext uri="{FF2B5EF4-FFF2-40B4-BE49-F238E27FC236}">
+                <a16:creationId xmlns:a16="http://schemas.microsoft.com/office/drawing/2014/main" id="{5CE7B306-8126-43B9-BE2B-29E87A551C23}"/>
+              </a:ext>
+            </a:extLst>
+          </p:cNvPr>
+          <p:cNvPicPr>
+            <a:picLocks noChangeAspect="1"/>
+          </p:cNvPicPr>
+          <p:nvPr/>
+        </p:nvPicPr>
+        <p:blipFill>
+          <a:blip r:embed="rId5"/>
+          <a:stretch>
+            <a:fillRect/>
+          </a:stretch>
+        </p:blipFill>
+        <p:spPr>
+          <a:xfrm>
+            <a:off x="8197268" y="1892078"/>
+            <a:ext cx="3762375" cy="2545031"/>
+          </a:xfrm>
+          <a:prstGeom prst="rect">
+            <a:avLst/>
+          </a:prstGeom>
+        </p:spPr>
+      </p:pic>
     </p:spTree>
     <p:extLst>
       <p:ext uri="{BB962C8B-B14F-4D97-AF65-F5344CB8AC3E}">
-        <p14:creationId xmlns:p14="http://schemas.microsoft.com/office/powerpoint/2010/main" val="2364231215"/>
+        <p14:creationId xmlns:p14="http://schemas.microsoft.com/office/powerpoint/2010/main" val="489914675"/>
       </p:ext>
     </p:extLst>
   </p:cSld>
@@ -11932,8 +12010,8 @@
         </p:nvSpPr>
         <p:spPr>
           <a:xfrm>
-            <a:off x="1127448" y="1196752"/>
-            <a:ext cx="10297144" cy="3185487"/>
+            <a:off x="623392" y="1196752"/>
+            <a:ext cx="11092152" cy="3970318"/>
           </a:xfrm>
           <a:prstGeom prst="rect">
             <a:avLst/>
@@ -11953,7 +12031,7 @@
                   <a:srgbClr val="FF0000"/>
                 </a:solidFill>
               </a:rPr>
-              <a:t>交易所系统</a:t>
+              <a:t>技术之日常</a:t>
             </a:r>
             <a:r>
               <a:rPr lang="zh-CN" altLang="en-US" sz="2400" dirty="0" smtClean="0">
@@ -11961,9 +12039,9 @@
                   <a:srgbClr val="FF0000"/>
                 </a:solidFill>
               </a:rPr>
-              <a:t>业务</a:t>
-            </a:r>
-            <a:endParaRPr lang="en-US" altLang="zh-CN" sz="2400" dirty="0"/>
+              <a:t>开发</a:t>
+            </a:r>
+            <a:endParaRPr lang="en-US" altLang="zh-CN" sz="2000" dirty="0"/>
           </a:p>
           <a:p>
             <a:pPr>
@@ -11971,43 +12049,7 @@
                 <a:spcPct val="150000"/>
               </a:lnSpc>
             </a:pPr>
-            <a:r>
-              <a:rPr lang="en-US" altLang="zh-CN" dirty="0" smtClean="0">
-                <a:solidFill>
-                  <a:srgbClr val="0070C0"/>
-                </a:solidFill>
-              </a:rPr>
-              <a:t>1</a:t>
-            </a:r>
-            <a:r>
-              <a:rPr lang="zh-CN" altLang="en-US" dirty="0" smtClean="0">
-                <a:solidFill>
-                  <a:srgbClr val="0070C0"/>
-                </a:solidFill>
-              </a:rPr>
-              <a:t>、交易所</a:t>
-            </a:r>
-            <a:r>
-              <a:rPr lang="zh-CN" altLang="en-US" dirty="0">
-                <a:solidFill>
-                  <a:srgbClr val="0070C0"/>
-                </a:solidFill>
-              </a:rPr>
-              <a:t>业务</a:t>
-            </a:r>
-            <a:r>
-              <a:rPr lang="zh-CN" altLang="en-US" dirty="0" smtClean="0">
-                <a:solidFill>
-                  <a:srgbClr val="0070C0"/>
-                </a:solidFill>
-              </a:rPr>
-              <a:t>类型</a:t>
-            </a:r>
-            <a:endParaRPr lang="en-US" altLang="zh-CN" dirty="0" smtClean="0">
-              <a:solidFill>
-                <a:srgbClr val="0070C0"/>
-              </a:solidFill>
-            </a:endParaRPr>
+            <a:endParaRPr lang="en-US" altLang="zh-CN" sz="2000" dirty="0" smtClean="0"/>
           </a:p>
           <a:p>
             <a:pPr>
@@ -12016,58 +12058,10 @@
               </a:lnSpc>
             </a:pPr>
             <a:r>
-              <a:rPr lang="en-US" altLang="zh-CN" dirty="0" smtClean="0"/>
-              <a:t>a</a:t>
-            </a:r>
-            <a:r>
-              <a:rPr lang="zh-CN" altLang="en-US" dirty="0" smtClean="0"/>
-              <a:t>、债务</a:t>
-            </a:r>
-            <a:r>
-              <a:rPr lang="zh-CN" altLang="en-US" dirty="0"/>
-              <a:t>融资</a:t>
-            </a:r>
-            <a:r>
-              <a:rPr lang="zh-CN" altLang="en-US" dirty="0" smtClean="0"/>
-              <a:t>计划      </a:t>
-            </a:r>
-            <a:r>
-              <a:rPr lang="en-US" altLang="zh-CN" dirty="0" smtClean="0"/>
-              <a:t>b</a:t>
-            </a:r>
-            <a:r>
-              <a:rPr lang="zh-CN" altLang="en-US" dirty="0" smtClean="0"/>
-              <a:t>、</a:t>
-            </a:r>
-            <a:r>
-              <a:rPr lang="zh-CN" altLang="en-US" dirty="0" smtClean="0"/>
-              <a:t>金融</a:t>
-            </a:r>
-            <a:r>
-              <a:rPr lang="zh-CN" altLang="en-US" dirty="0"/>
-              <a:t>产品</a:t>
-            </a:r>
-            <a:r>
-              <a:rPr lang="zh-CN" altLang="en-US" dirty="0" smtClean="0"/>
-              <a:t>发行      </a:t>
-            </a:r>
-            <a:r>
-              <a:rPr lang="en-US" altLang="zh-CN" dirty="0" smtClean="0"/>
-              <a:t>c</a:t>
-            </a:r>
-            <a:r>
-              <a:rPr lang="zh-CN" altLang="en-US" dirty="0" smtClean="0"/>
-              <a:t>、金融资产</a:t>
-            </a:r>
-            <a:r>
-              <a:rPr lang="zh-CN" altLang="en-US" dirty="0"/>
-              <a:t>转让</a:t>
-            </a:r>
-            <a:r>
-              <a:rPr lang="zh-CN" altLang="en-US" dirty="0" smtClean="0"/>
-              <a:t>                 </a:t>
-            </a:r>
-            <a:endParaRPr lang="en-US" altLang="zh-CN" dirty="0" smtClean="0"/>
+              <a:rPr lang="zh-CN" altLang="en-US" sz="2000" smtClean="0"/>
+              <a:t>对交易所系统功能进行优化</a:t>
+            </a:r>
+            <a:endParaRPr lang="en-US" altLang="zh-CN" sz="2000" dirty="0"/>
           </a:p>
           <a:p>
             <a:pPr>
@@ -12076,26 +12070,18 @@
               </a:lnSpc>
             </a:pPr>
             <a:r>
-              <a:rPr lang="en-US" altLang="zh-CN" dirty="0" smtClean="0">
-                <a:solidFill>
-                  <a:srgbClr val="0070C0"/>
-                </a:solidFill>
-              </a:rPr>
-              <a:t>2</a:t>
-            </a:r>
-            <a:r>
-              <a:rPr lang="zh-CN" altLang="en-US" dirty="0" smtClean="0">
-                <a:solidFill>
-                  <a:srgbClr val="0070C0"/>
-                </a:solidFill>
-              </a:rPr>
-              <a:t>、核心业务流程</a:t>
-            </a:r>
-            <a:endParaRPr lang="en-US" altLang="zh-CN" sz="2000" dirty="0">
-              <a:solidFill>
-                <a:srgbClr val="0070C0"/>
-              </a:solidFill>
-            </a:endParaRPr>
+              <a:rPr lang="en-US" altLang="zh-CN" sz="1600" dirty="0"/>
+              <a:t>1</a:t>
+            </a:r>
+            <a:r>
+              <a:rPr lang="zh-CN" altLang="en-US" sz="1600" dirty="0"/>
+              <a:t>、参与权益登记微服务</a:t>
+            </a:r>
+            <a:r>
+              <a:rPr lang="zh-CN" altLang="en-US" sz="1600" dirty="0" smtClean="0"/>
+              <a:t>开发</a:t>
+            </a:r>
+            <a:endParaRPr lang="en-US" altLang="zh-CN" sz="1600" dirty="0" smtClean="0"/>
           </a:p>
           <a:p>
             <a:pPr>
@@ -12103,79 +12089,94 @@
                 <a:spcPct val="150000"/>
               </a:lnSpc>
             </a:pPr>
-            <a:r>
-              <a:rPr lang="en-US" altLang="zh-CN" dirty="0" smtClean="0"/>
-              <a:t>a</a:t>
-            </a:r>
-            <a:r>
-              <a:rPr lang="zh-CN" altLang="en-US" dirty="0" smtClean="0"/>
+            <a:endParaRPr lang="en-US" altLang="zh-CN" sz="1600" dirty="0" smtClean="0"/>
+          </a:p>
+          <a:p>
+            <a:pPr>
+              <a:lnSpc>
+                <a:spcPct val="150000"/>
+              </a:lnSpc>
+            </a:pPr>
+            <a:r>
+              <a:rPr lang="en-US" altLang="zh-CN" sz="1600" dirty="0" smtClean="0"/>
+              <a:t>2</a:t>
+            </a:r>
+            <a:r>
+              <a:rPr lang="zh-CN" altLang="en-US" sz="1600" dirty="0" smtClean="0"/>
+              <a:t>、会员及客户业务资格优化</a:t>
+            </a:r>
+            <a:endParaRPr lang="en-US" altLang="zh-CN" sz="1600" dirty="0" smtClean="0"/>
+          </a:p>
+          <a:p>
+            <a:pPr>
+              <a:lnSpc>
+                <a:spcPct val="150000"/>
+              </a:lnSpc>
+            </a:pPr>
+            <a:endParaRPr lang="en-US" altLang="zh-CN" sz="1600" dirty="0" smtClean="0"/>
+          </a:p>
+          <a:p>
+            <a:pPr>
+              <a:lnSpc>
+                <a:spcPct val="150000"/>
+              </a:lnSpc>
+            </a:pPr>
+            <a:r>
+              <a:rPr lang="en-US" altLang="zh-CN" sz="1600" dirty="0" smtClean="0"/>
+              <a:t>3</a:t>
+            </a:r>
+            <a:r>
+              <a:rPr lang="zh-CN" altLang="en-US" sz="1600" dirty="0"/>
+              <a:t>、新增金融资产交易凭证和项目附件对外</a:t>
+            </a:r>
+            <a:r>
+              <a:rPr lang="zh-CN" altLang="en-US" sz="1600" dirty="0" smtClean="0"/>
+              <a:t>披露</a:t>
+            </a:r>
+            <a:endParaRPr lang="en-US" altLang="zh-CN" sz="1600" dirty="0" smtClean="0"/>
+          </a:p>
+          <a:p>
+            <a:pPr>
+              <a:lnSpc>
+                <a:spcPct val="150000"/>
+              </a:lnSpc>
+            </a:pPr>
+            <a:endParaRPr lang="en-US" altLang="zh-CN" sz="1600" dirty="0" smtClean="0"/>
+          </a:p>
+          <a:p>
+            <a:pPr>
+              <a:lnSpc>
+                <a:spcPct val="150000"/>
+              </a:lnSpc>
+            </a:pPr>
+            <a:r>
+              <a:rPr lang="en-US" altLang="zh-CN" sz="1600" dirty="0" smtClean="0"/>
+              <a:t>4</a:t>
+            </a:r>
+            <a:r>
+              <a:rPr lang="zh-CN" altLang="en-US" sz="1600" dirty="0"/>
               <a:t>、</a:t>
             </a:r>
             <a:r>
-              <a:rPr lang="zh-CN" altLang="en-US" dirty="0" smtClean="0"/>
-              <a:t>登记    </a:t>
-            </a:r>
-            <a:r>
-              <a:rPr lang="en-US" altLang="zh-CN" dirty="0" smtClean="0"/>
-              <a:t>b</a:t>
-            </a:r>
-            <a:r>
-              <a:rPr lang="zh-CN" altLang="en-US" dirty="0" smtClean="0"/>
-              <a:t>、交易     </a:t>
-            </a:r>
-            <a:r>
-              <a:rPr lang="en-US" altLang="zh-CN" dirty="0" smtClean="0"/>
-              <a:t>c</a:t>
-            </a:r>
-            <a:r>
-              <a:rPr lang="zh-CN" altLang="en-US" dirty="0" smtClean="0"/>
-              <a:t>、清</a:t>
-            </a:r>
-            <a:r>
-              <a:rPr lang="zh-CN" altLang="en-US" dirty="0" smtClean="0"/>
-              <a:t>结算</a:t>
-            </a:r>
-            <a:endParaRPr lang="en-US" altLang="zh-CN" dirty="0" smtClean="0"/>
-          </a:p>
-          <a:p>
-            <a:endParaRPr lang="en-US" altLang="zh-CN" dirty="0"/>
-          </a:p>
-          <a:p>
-            <a:endParaRPr lang="en-US" altLang="zh-CN" sz="2400" dirty="0"/>
-          </a:p>
-          <a:p>
-            <a:endParaRPr lang="en-US" altLang="zh-CN" sz="2400" dirty="0"/>
+              <a:rPr lang="zh-CN" altLang="en-US" sz="1600" dirty="0" smtClean="0"/>
+              <a:t>兑付、</a:t>
+            </a:r>
+            <a:r>
+              <a:rPr lang="zh-CN" altLang="en-US" sz="1600" dirty="0"/>
+              <a:t>结算功能两级菜单</a:t>
+            </a:r>
+            <a:r>
+              <a:rPr lang="zh-CN" altLang="en-US" sz="1600" dirty="0" smtClean="0"/>
+              <a:t>优化</a:t>
+            </a:r>
+            <a:endParaRPr lang="en-US" altLang="zh-CN" sz="1600" dirty="0" smtClean="0"/>
           </a:p>
         </p:txBody>
       </p:sp>
-      <p:pic>
-        <p:nvPicPr>
-          <p:cNvPr id="4" name="图片 3"/>
-          <p:cNvPicPr>
-            <a:picLocks noChangeAspect="1"/>
-          </p:cNvPicPr>
-          <p:nvPr/>
-        </p:nvPicPr>
-        <p:blipFill>
-          <a:blip r:embed="rId3"/>
-          <a:stretch>
-            <a:fillRect/>
-          </a:stretch>
-        </p:blipFill>
-        <p:spPr>
-          <a:xfrm>
-            <a:off x="1199456" y="3298934"/>
-            <a:ext cx="9649072" cy="2698470"/>
-          </a:xfrm>
-          <a:prstGeom prst="rect">
-            <a:avLst/>
-          </a:prstGeom>
-        </p:spPr>
-      </p:pic>
     </p:spTree>
     <p:extLst>
       <p:ext uri="{BB962C8B-B14F-4D97-AF65-F5344CB8AC3E}">
-        <p14:creationId xmlns:p14="http://schemas.microsoft.com/office/powerpoint/2010/main" val="2386448715"/>
+        <p14:creationId xmlns:p14="http://schemas.microsoft.com/office/powerpoint/2010/main" val="2364231215"/>
       </p:ext>
     </p:extLst>
   </p:cSld>
@@ -12301,7 +12302,7 @@
           <a:lstStyle/>
           <a:p>
             <a:r>
-              <a:rPr lang="zh-CN" altLang="en-US" sz="4000" dirty="0">
+              <a:rPr lang="zh-CN" altLang="en-US" sz="4000" dirty="0" smtClean="0">
                 <a:ln w="0"/>
                 <a:effectLst>
                   <a:outerShdw blurRad="38100" dist="19050" dir="2700000" algn="tl" rotWithShape="0">
@@ -12313,8 +12314,20 @@
                 <a:latin typeface="华文楷体" panose="02010600040101010101" pitchFamily="2" charset="-122"/>
                 <a:ea typeface="华文楷体" panose="02010600040101010101" pitchFamily="2" charset="-122"/>
               </a:rPr>
-              <a:t>重点工作</a:t>
-            </a:r>
+              <a:t>我的收获</a:t>
+            </a:r>
+            <a:endParaRPr lang="zh-CN" altLang="en-US" sz="4000" dirty="0">
+              <a:ln w="0"/>
+              <a:effectLst>
+                <a:outerShdw blurRad="38100" dist="19050" dir="2700000" algn="tl" rotWithShape="0">
+                  <a:schemeClr val="dk1">
+                    <a:alpha val="40000"/>
+                  </a:schemeClr>
+                </a:outerShdw>
+              </a:effectLst>
+              <a:latin typeface="华文楷体" panose="02010600040101010101" pitchFamily="2" charset="-122"/>
+              <a:ea typeface="华文楷体" panose="02010600040101010101" pitchFamily="2" charset="-122"/>
+            </a:endParaRPr>
           </a:p>
         </p:txBody>
       </p:sp>
@@ -12420,7 +12433,7 @@
           <p:nvPr>
             <p:extLst>
               <p:ext uri="{D42A27DB-BD31-4B8C-83A1-F6EECF244321}">
-                <p14:modId xmlns:p14="http://schemas.microsoft.com/office/powerpoint/2010/main" val="897878726"/>
+                <p14:modId xmlns:p14="http://schemas.microsoft.com/office/powerpoint/2010/main" val="877639913"/>
               </p:ext>
             </p:extLst>
           </p:nvPr>
@@ -12443,8 +12456,8 @@
         </p:nvSpPr>
         <p:spPr>
           <a:xfrm>
-            <a:off x="1025823" y="1502207"/>
-            <a:ext cx="461665" cy="2070809"/>
+            <a:off x="1056601" y="1502207"/>
+            <a:ext cx="430887" cy="1782777"/>
           </a:xfrm>
           <a:prstGeom prst="rect">
             <a:avLst/>
@@ -12473,10 +12486,10 @@
           <a:lstStyle/>
           <a:p>
             <a:r>
-              <a:rPr lang="zh-CN" altLang="en-US" dirty="0" smtClean="0"/>
+              <a:rPr lang="zh-CN" altLang="en-US" sz="1600" dirty="0" smtClean="0"/>
               <a:t>技术与业务的收获</a:t>
             </a:r>
-            <a:endParaRPr lang="zh-CN" altLang="en-US" dirty="0"/>
+            <a:endParaRPr lang="zh-CN" altLang="en-US" sz="1600" dirty="0"/>
           </a:p>
         </p:txBody>
       </p:sp>
@@ -13285,16 +13298,20 @@
               <a:t>a</a:t>
             </a:r>
             <a:r>
+              <a:rPr lang="zh-CN" altLang="en-US" sz="1600" dirty="0" smtClean="0"/>
+              <a:t>、</a:t>
+            </a:r>
+            <a:r>
               <a:rPr lang="zh-CN" altLang="en-US" sz="1600" dirty="0"/>
-              <a:t>、</a:t>
+              <a:t>请教</a:t>
             </a:r>
             <a:r>
               <a:rPr lang="zh-CN" altLang="zh-CN" sz="1600" dirty="0" smtClean="0"/>
-              <a:t>请求</a:t>
+              <a:t>他人</a:t>
             </a:r>
             <a:r>
               <a:rPr lang="zh-CN" altLang="zh-CN" sz="1600" dirty="0"/>
-              <a:t>他人进行业务学习 </a:t>
+              <a:t>进行业务学习 </a:t>
             </a:r>
             <a:r>
               <a:rPr lang="en-US" altLang="zh-CN" sz="1600" dirty="0" smtClean="0"/>
@@ -13368,19 +13385,11 @@
             </a:r>
             <a:r>
               <a:rPr lang="zh-CN" altLang="zh-CN" sz="1600" dirty="0" smtClean="0"/>
-              <a:t>尊重</a:t>
-            </a:r>
-            <a:r>
-              <a:rPr lang="zh-CN" altLang="zh-CN" sz="1600" dirty="0"/>
-              <a:t>新人同事</a:t>
-            </a:r>
-            <a:r>
-              <a:rPr lang="en-US" altLang="zh-CN" sz="1600" dirty="0"/>
-              <a:t>   </a:t>
+              <a:t>尊重同事</a:t>
             </a:r>
             <a:r>
               <a:rPr lang="en-US" altLang="zh-CN" sz="1600" dirty="0" smtClean="0"/>
-              <a:t>b</a:t>
+              <a:t>   b</a:t>
             </a:r>
             <a:r>
               <a:rPr lang="zh-CN" altLang="en-US" sz="1600" dirty="0" smtClean="0"/>

--- a/doc/src/main/resources/qdfae/青金中心连宏伟转正答辩.pptx
+++ b/doc/src/main/resources/qdfae/青金中心连宏伟转正答辩.pptx
@@ -1,6 +1,6 @@
 
 <file path=ppt/presentation.xml><?xml version="1.0" encoding="utf-8"?>
-<p:presentation xmlns:a="http://schemas.openxmlformats.org/drawingml/2006/main" xmlns:r="http://schemas.openxmlformats.org/officeDocument/2006/relationships" xmlns:p="http://schemas.openxmlformats.org/presentationml/2006/main" firstSlideNum="0" embedTrueTypeFonts="1" saveSubsetFonts="1" bookmarkIdSeed="2">
+<p:presentation xmlns:a="http://schemas.openxmlformats.org/drawingml/2006/main" xmlns:r="http://schemas.openxmlformats.org/officeDocument/2006/relationships" xmlns:p="http://schemas.openxmlformats.org/presentationml/2006/main" serverZoom="30966" firstSlideNum="0" embedTrueTypeFonts="1" saveSubsetFonts="1" bookmarkIdSeed="2">
   <p:sldMasterIdLst>
     <p:sldMasterId id="2147483953" r:id="rId1"/>
     <p:sldMasterId id="2147483967" r:id="rId2"/>
@@ -37,7 +37,7 @@
       <p:regular r:id="rId18"/>
     </p:embeddedFont>
     <p:embeddedFont>
-      <p:font typeface="楷体_GB2312" panose="02010600030101010101" charset="-122"/>
+      <p:font typeface="楷体_GB2312"/>
       <p:regular r:id="rId19"/>
     </p:embeddedFont>
     <p:embeddedFont>
@@ -1504,7 +1504,7 @@
               <a:pPr>
                 <a:defRPr/>
               </a:pPr>
-              <a:t>2018/1/22</a:t>
+              <a:t>2018/1/24</a:t>
             </a:fld>
             <a:endParaRPr lang="zh-CN" altLang="en-US"/>
           </a:p>
